--- a/JVK-HOS Project/PREDICTING _PROCEDURE _TIMES.pptx
+++ b/JVK-HOS Project/PREDICTING _PROCEDURE _TIMES.pptx
@@ -7,8 +7,17 @@
   <p:sldIdLst>
     <p:sldId id="256" r:id="rId2"/>
     <p:sldId id="257" r:id="rId3"/>
-    <p:sldId id="258" r:id="rId4"/>
+    <p:sldId id="266" r:id="rId4"/>
     <p:sldId id="259" r:id="rId5"/>
+    <p:sldId id="258" r:id="rId6"/>
+    <p:sldId id="261" r:id="rId7"/>
+    <p:sldId id="263" r:id="rId8"/>
+    <p:sldId id="265" r:id="rId9"/>
+    <p:sldId id="262" r:id="rId10"/>
+    <p:sldId id="264" r:id="rId11"/>
+    <p:sldId id="267" r:id="rId12"/>
+    <p:sldId id="268" r:id="rId13"/>
+    <p:sldId id="269" r:id="rId14"/>
   </p:sldIdLst>
   <p:sldSz cx="12192000" cy="6858000"/>
   <p:notesSz cx="6858000" cy="9144000"/>
@@ -107,6 +116,11 @@
       </a:defRPr>
     </a:lvl9pPr>
   </p:defaultTextStyle>
+  <p:extLst>
+    <p:ext uri="{EFAFB233-063F-42B5-8137-9DF3F51BA10A}">
+      <p15:sldGuideLst xmlns:p15="http://schemas.microsoft.com/office/powerpoint/2012/main"/>
+    </p:ext>
+  </p:extLst>
 </p:presentation>
 </file>
 
@@ -155,7 +169,6 @@
               <a:rPr lang="en-US"/>
               <a:t>Click to edit Master title style</a:t>
             </a:r>
-            <a:endParaRPr lang="en-US"/>
           </a:p>
         </p:txBody>
       </p:sp>
@@ -220,7 +233,6 @@
               <a:rPr lang="en-US"/>
               <a:t>Click to edit Master subtitle style</a:t>
             </a:r>
-            <a:endParaRPr lang="en-US"/>
           </a:p>
         </p:txBody>
       </p:sp>
@@ -241,7 +253,7 @@
           <a:p>
             <a:fld id="{8E782B7B-5ADA-4838-B531-EF3ABBE6980E}" type="datetimeFigureOut">
               <a:rPr lang="en-US" smtClean="0"/>
-              <a:t>11/17/2016</a:t>
+              <a:t>12/5/2016</a:t>
             </a:fld>
             <a:endParaRPr lang="en-US"/>
           </a:p>
@@ -338,7 +350,6 @@
               <a:rPr lang="en-US"/>
               <a:t>Click to edit Master title style</a:t>
             </a:r>
-            <a:endParaRPr lang="en-US"/>
           </a:p>
         </p:txBody>
       </p:sp>
@@ -390,7 +401,6 @@
               <a:rPr lang="en-US"/>
               <a:t>Fifth level</a:t>
             </a:r>
-            <a:endParaRPr lang="en-US"/>
           </a:p>
         </p:txBody>
       </p:sp>
@@ -411,7 +421,7 @@
           <a:p>
             <a:fld id="{8E782B7B-5ADA-4838-B531-EF3ABBE6980E}" type="datetimeFigureOut">
               <a:rPr lang="en-US" smtClean="0"/>
-              <a:t>11/17/2016</a:t>
+              <a:t>12/5/2016</a:t>
             </a:fld>
             <a:endParaRPr lang="en-US"/>
           </a:p>
@@ -513,7 +523,6 @@
               <a:rPr lang="en-US"/>
               <a:t>Click to edit Master title style</a:t>
             </a:r>
-            <a:endParaRPr lang="en-US"/>
           </a:p>
         </p:txBody>
       </p:sp>
@@ -570,7 +579,6 @@
               <a:rPr lang="en-US"/>
               <a:t>Fifth level</a:t>
             </a:r>
-            <a:endParaRPr lang="en-US"/>
           </a:p>
         </p:txBody>
       </p:sp>
@@ -591,7 +599,7 @@
           <a:p>
             <a:fld id="{8E782B7B-5ADA-4838-B531-EF3ABBE6980E}" type="datetimeFigureOut">
               <a:rPr lang="en-US" smtClean="0"/>
-              <a:t>11/17/2016</a:t>
+              <a:t>12/5/2016</a:t>
             </a:fld>
             <a:endParaRPr lang="en-US"/>
           </a:p>
@@ -688,7 +696,6 @@
               <a:rPr lang="en-US"/>
               <a:t>Click to edit Master title style</a:t>
             </a:r>
-            <a:endParaRPr lang="en-US"/>
           </a:p>
         </p:txBody>
       </p:sp>
@@ -740,7 +747,6 @@
               <a:rPr lang="en-US"/>
               <a:t>Fifth level</a:t>
             </a:r>
-            <a:endParaRPr lang="en-US"/>
           </a:p>
         </p:txBody>
       </p:sp>
@@ -761,7 +767,7 @@
           <a:p>
             <a:fld id="{8E782B7B-5ADA-4838-B531-EF3ABBE6980E}" type="datetimeFigureOut">
               <a:rPr lang="en-US" smtClean="0"/>
-              <a:t>11/17/2016</a:t>
+              <a:t>12/5/2016</a:t>
             </a:fld>
             <a:endParaRPr lang="en-US"/>
           </a:p>
@@ -867,7 +873,6 @@
               <a:rPr lang="en-US"/>
               <a:t>Click to edit Master title style</a:t>
             </a:r>
-            <a:endParaRPr lang="en-US"/>
           </a:p>
         </p:txBody>
       </p:sp>
@@ -1007,7 +1012,7 @@
           <a:p>
             <a:fld id="{8E782B7B-5ADA-4838-B531-EF3ABBE6980E}" type="datetimeFigureOut">
               <a:rPr lang="en-US" smtClean="0"/>
-              <a:t>11/17/2016</a:t>
+              <a:t>12/5/2016</a:t>
             </a:fld>
             <a:endParaRPr lang="en-US"/>
           </a:p>
@@ -1104,7 +1109,6 @@
               <a:rPr lang="en-US"/>
               <a:t>Click to edit Master title style</a:t>
             </a:r>
-            <a:endParaRPr lang="en-US"/>
           </a:p>
         </p:txBody>
       </p:sp>
@@ -1161,7 +1165,6 @@
               <a:rPr lang="en-US"/>
               <a:t>Fifth level</a:t>
             </a:r>
-            <a:endParaRPr lang="en-US"/>
           </a:p>
         </p:txBody>
       </p:sp>
@@ -1218,7 +1221,6 @@
               <a:rPr lang="en-US"/>
               <a:t>Fifth level</a:t>
             </a:r>
-            <a:endParaRPr lang="en-US"/>
           </a:p>
         </p:txBody>
       </p:sp>
@@ -1239,7 +1241,7 @@
           <a:p>
             <a:fld id="{8E782B7B-5ADA-4838-B531-EF3ABBE6980E}" type="datetimeFigureOut">
               <a:rPr lang="en-US" smtClean="0"/>
-              <a:t>11/17/2016</a:t>
+              <a:t>12/5/2016</a:t>
             </a:fld>
             <a:endParaRPr lang="en-US"/>
           </a:p>
@@ -1341,7 +1343,6 @@
               <a:rPr lang="en-US"/>
               <a:t>Click to edit Master title style</a:t>
             </a:r>
-            <a:endParaRPr lang="en-US"/>
           </a:p>
         </p:txBody>
       </p:sp>
@@ -1463,7 +1464,6 @@
               <a:rPr lang="en-US"/>
               <a:t>Fifth level</a:t>
             </a:r>
-            <a:endParaRPr lang="en-US"/>
           </a:p>
         </p:txBody>
       </p:sp>
@@ -1585,7 +1585,6 @@
               <a:rPr lang="en-US"/>
               <a:t>Fifth level</a:t>
             </a:r>
-            <a:endParaRPr lang="en-US"/>
           </a:p>
         </p:txBody>
       </p:sp>
@@ -1606,7 +1605,7 @@
           <a:p>
             <a:fld id="{8E782B7B-5ADA-4838-B531-EF3ABBE6980E}" type="datetimeFigureOut">
               <a:rPr lang="en-US" smtClean="0"/>
-              <a:t>11/17/2016</a:t>
+              <a:t>12/5/2016</a:t>
             </a:fld>
             <a:endParaRPr lang="en-US"/>
           </a:p>
@@ -1703,7 +1702,6 @@
               <a:rPr lang="en-US"/>
               <a:t>Click to edit Master title style</a:t>
             </a:r>
-            <a:endParaRPr lang="en-US"/>
           </a:p>
         </p:txBody>
       </p:sp>
@@ -1724,7 +1722,7 @@
           <a:p>
             <a:fld id="{8E782B7B-5ADA-4838-B531-EF3ABBE6980E}" type="datetimeFigureOut">
               <a:rPr lang="en-US" smtClean="0"/>
-              <a:t>11/17/2016</a:t>
+              <a:t>12/5/2016</a:t>
             </a:fld>
             <a:endParaRPr lang="en-US"/>
           </a:p>
@@ -1819,7 +1817,7 @@
           <a:p>
             <a:fld id="{8E782B7B-5ADA-4838-B531-EF3ABBE6980E}" type="datetimeFigureOut">
               <a:rPr lang="en-US" smtClean="0"/>
-              <a:t>11/17/2016</a:t>
+              <a:t>12/5/2016</a:t>
             </a:fld>
             <a:endParaRPr lang="en-US"/>
           </a:p>
@@ -1925,7 +1923,6 @@
               <a:rPr lang="en-US"/>
               <a:t>Click to edit Master title style</a:t>
             </a:r>
-            <a:endParaRPr lang="en-US"/>
           </a:p>
         </p:txBody>
       </p:sp>
@@ -2010,7 +2007,6 @@
               <a:rPr lang="en-US"/>
               <a:t>Fifth level</a:t>
             </a:r>
-            <a:endParaRPr lang="en-US"/>
           </a:p>
         </p:txBody>
       </p:sp>
@@ -2096,7 +2092,7 @@
           <a:p>
             <a:fld id="{8E782B7B-5ADA-4838-B531-EF3ABBE6980E}" type="datetimeFigureOut">
               <a:rPr lang="en-US" smtClean="0"/>
-              <a:t>11/17/2016</a:t>
+              <a:t>12/5/2016</a:t>
             </a:fld>
             <a:endParaRPr lang="en-US"/>
           </a:p>
@@ -2202,7 +2198,6 @@
               <a:rPr lang="en-US"/>
               <a:t>Click to edit Master title style</a:t>
             </a:r>
-            <a:endParaRPr lang="en-US"/>
           </a:p>
         </p:txBody>
       </p:sp>
@@ -2349,7 +2344,7 @@
           <a:p>
             <a:fld id="{8E782B7B-5ADA-4838-B531-EF3ABBE6980E}" type="datetimeFigureOut">
               <a:rPr lang="en-US" smtClean="0"/>
-              <a:t>11/17/2016</a:t>
+              <a:t>12/5/2016</a:t>
             </a:fld>
             <a:endParaRPr lang="en-US"/>
           </a:p>
@@ -2461,7 +2456,6 @@
               <a:rPr lang="en-US"/>
               <a:t>Click to edit Master title style</a:t>
             </a:r>
-            <a:endParaRPr lang="en-US"/>
           </a:p>
         </p:txBody>
       </p:sp>
@@ -2523,7 +2517,6 @@
               <a:rPr lang="en-US"/>
               <a:t>Fifth level</a:t>
             </a:r>
-            <a:endParaRPr lang="en-US"/>
           </a:p>
         </p:txBody>
       </p:sp>
@@ -2562,7 +2555,7 @@
           <a:p>
             <a:fld id="{8E782B7B-5ADA-4838-B531-EF3ABBE6980E}" type="datetimeFigureOut">
               <a:rPr lang="en-US" smtClean="0"/>
-              <a:t>11/17/2016</a:t>
+              <a:t>12/5/2016</a:t>
             </a:fld>
             <a:endParaRPr lang="en-US"/>
           </a:p>
@@ -3021,6 +3014,1032 @@
 </p:sld>
 </file>
 
+<file path=ppt/slides/slide10.xml><?xml version="1.0" encoding="utf-8"?>
+<p:sld xmlns:a="http://schemas.openxmlformats.org/drawingml/2006/main" xmlns:r="http://schemas.openxmlformats.org/officeDocument/2006/relationships" xmlns:p="http://schemas.openxmlformats.org/presentationml/2006/main">
+  <p:cSld>
+    <p:spTree>
+      <p:nvGrpSpPr>
+        <p:cNvPr id="1" name=""/>
+        <p:cNvGrpSpPr/>
+        <p:nvPr/>
+      </p:nvGrpSpPr>
+      <p:grpSpPr>
+        <a:xfrm>
+          <a:off x="0" y="0"/>
+          <a:ext cx="0" cy="0"/>
+          <a:chOff x="0" y="0"/>
+          <a:chExt cx="0" cy="0"/>
+        </a:xfrm>
+      </p:grpSpPr>
+      <p:sp>
+        <p:nvSpPr>
+          <p:cNvPr id="2" name="Title 1"/>
+          <p:cNvSpPr>
+            <a:spLocks noGrp="1"/>
+          </p:cNvSpPr>
+          <p:nvPr>
+            <p:ph type="title"/>
+          </p:nvPr>
+        </p:nvSpPr>
+        <p:spPr/>
+        <p:txBody>
+          <a:bodyPr/>
+          <a:lstStyle/>
+          <a:p>
+            <a:r>
+              <a:rPr lang="en-US" dirty="0"/>
+              <a:t>Algorithm Selection</a:t>
+            </a:r>
+          </a:p>
+        </p:txBody>
+      </p:sp>
+      <p:sp>
+        <p:nvSpPr>
+          <p:cNvPr id="3" name="Content Placeholder 2"/>
+          <p:cNvSpPr>
+            <a:spLocks noGrp="1"/>
+          </p:cNvSpPr>
+          <p:nvPr>
+            <p:ph idx="1"/>
+          </p:nvPr>
+        </p:nvSpPr>
+        <p:spPr/>
+        <p:txBody>
+          <a:bodyPr/>
+          <a:lstStyle/>
+          <a:p>
+            <a:r>
+              <a:rPr lang="en-US" dirty="0"/>
+              <a:t>Simpler algorithms like KNN and Linear Regression Seem to work better then more complicated algorithms like Random Forest</a:t>
+            </a:r>
+          </a:p>
+          <a:p>
+            <a:endParaRPr lang="en-US" dirty="0"/>
+          </a:p>
+          <a:p>
+            <a:r>
+              <a:rPr lang="en-US" dirty="0"/>
+              <a:t>This is most likely due to the relatively small amount of data I have available</a:t>
+            </a:r>
+          </a:p>
+          <a:p>
+            <a:endParaRPr lang="en-US" dirty="0"/>
+          </a:p>
+          <a:p>
+            <a:r>
+              <a:rPr lang="en-US" dirty="0"/>
+              <a:t>Eventually I narrowed in on 3 main algorithms: KNN, Linear Regression and SGD and ensembled combinations of all three</a:t>
+            </a:r>
+          </a:p>
+          <a:p>
+            <a:endParaRPr lang="en-US" dirty="0"/>
+          </a:p>
+          <a:p>
+            <a:endParaRPr lang="en-US" dirty="0"/>
+          </a:p>
+          <a:p>
+            <a:pPr marL="0" indent="0">
+              <a:buNone/>
+            </a:pPr>
+            <a:endParaRPr lang="en-US" dirty="0"/>
+          </a:p>
+          <a:p>
+            <a:endParaRPr lang="en-US" dirty="0"/>
+          </a:p>
+          <a:p>
+            <a:endParaRPr lang="en-US" dirty="0"/>
+          </a:p>
+        </p:txBody>
+      </p:sp>
+    </p:spTree>
+    <p:extLst>
+      <p:ext uri="{BB962C8B-B14F-4D97-AF65-F5344CB8AC3E}">
+        <p14:creationId xmlns:p14="http://schemas.microsoft.com/office/powerpoint/2010/main" val="2240850356"/>
+      </p:ext>
+    </p:extLst>
+  </p:cSld>
+  <p:clrMapOvr>
+    <a:masterClrMapping/>
+  </p:clrMapOvr>
+</p:sld>
+</file>
+
+<file path=ppt/slides/slide11.xml><?xml version="1.0" encoding="utf-8"?>
+<p:sld xmlns:a="http://schemas.openxmlformats.org/drawingml/2006/main" xmlns:r="http://schemas.openxmlformats.org/officeDocument/2006/relationships" xmlns:p="http://schemas.openxmlformats.org/presentationml/2006/main">
+  <p:cSld>
+    <p:spTree>
+      <p:nvGrpSpPr>
+        <p:cNvPr id="1" name=""/>
+        <p:cNvGrpSpPr/>
+        <p:nvPr/>
+      </p:nvGrpSpPr>
+      <p:grpSpPr>
+        <a:xfrm>
+          <a:off x="0" y="0"/>
+          <a:ext cx="0" cy="0"/>
+          <a:chOff x="0" y="0"/>
+          <a:chExt cx="0" cy="0"/>
+        </a:xfrm>
+      </p:grpSpPr>
+      <p:sp>
+        <p:nvSpPr>
+          <p:cNvPr id="2" name="Title 1"/>
+          <p:cNvSpPr>
+            <a:spLocks noGrp="1"/>
+          </p:cNvSpPr>
+          <p:nvPr>
+            <p:ph type="title"/>
+          </p:nvPr>
+        </p:nvSpPr>
+        <p:spPr/>
+        <p:txBody>
+          <a:bodyPr/>
+          <a:lstStyle/>
+          <a:p>
+            <a:r>
+              <a:rPr lang="en-US" dirty="0"/>
+              <a:t>Feature Selection</a:t>
+            </a:r>
+          </a:p>
+        </p:txBody>
+      </p:sp>
+      <p:sp>
+        <p:nvSpPr>
+          <p:cNvPr id="3" name="Content Placeholder 2"/>
+          <p:cNvSpPr>
+            <a:spLocks noGrp="1"/>
+          </p:cNvSpPr>
+          <p:nvPr>
+            <p:ph idx="1"/>
+          </p:nvPr>
+        </p:nvSpPr>
+        <p:spPr/>
+        <p:txBody>
+          <a:bodyPr/>
+          <a:lstStyle/>
+          <a:p>
+            <a:pPr marL="0" indent="0">
+              <a:buNone/>
+            </a:pPr>
+            <a:r>
+              <a:rPr lang="en-US" dirty="0"/>
+              <a:t>To select my features I used stepwise feature selection, which means selecting the K Best feature for 1 feature – through my total list of features. </a:t>
+            </a:r>
+          </a:p>
+          <a:p>
+            <a:pPr marL="0" indent="0">
+              <a:buNone/>
+            </a:pPr>
+            <a:endParaRPr lang="en-US" dirty="0"/>
+          </a:p>
+          <a:p>
+            <a:pPr marL="0" indent="0">
+              <a:buNone/>
+            </a:pPr>
+            <a:endParaRPr lang="en-US" dirty="0"/>
+          </a:p>
+          <a:p>
+            <a:pPr marL="0" indent="0">
+              <a:buNone/>
+            </a:pPr>
+            <a:endParaRPr lang="en-US" dirty="0"/>
+          </a:p>
+          <a:p>
+            <a:pPr marL="0" indent="0">
+              <a:buNone/>
+            </a:pPr>
+            <a:endParaRPr lang="en-US" dirty="0"/>
+          </a:p>
+          <a:p>
+            <a:pPr marL="0" indent="0">
+              <a:buNone/>
+            </a:pPr>
+            <a:endParaRPr lang="en-US" dirty="0"/>
+          </a:p>
+        </p:txBody>
+      </p:sp>
+    </p:spTree>
+    <p:extLst>
+      <p:ext uri="{BB962C8B-B14F-4D97-AF65-F5344CB8AC3E}">
+        <p14:creationId xmlns:p14="http://schemas.microsoft.com/office/powerpoint/2010/main" val="1291102610"/>
+      </p:ext>
+    </p:extLst>
+  </p:cSld>
+  <p:clrMapOvr>
+    <a:masterClrMapping/>
+  </p:clrMapOvr>
+</p:sld>
+</file>
+
+<file path=ppt/slides/slide12.xml><?xml version="1.0" encoding="utf-8"?>
+<p:sld xmlns:a="http://schemas.openxmlformats.org/drawingml/2006/main" xmlns:r="http://schemas.openxmlformats.org/officeDocument/2006/relationships" xmlns:p="http://schemas.openxmlformats.org/presentationml/2006/main">
+  <p:cSld>
+    <p:spTree>
+      <p:nvGrpSpPr>
+        <p:cNvPr id="1" name=""/>
+        <p:cNvGrpSpPr/>
+        <p:nvPr/>
+      </p:nvGrpSpPr>
+      <p:grpSpPr>
+        <a:xfrm>
+          <a:off x="0" y="0"/>
+          <a:ext cx="0" cy="0"/>
+          <a:chOff x="0" y="0"/>
+          <a:chExt cx="0" cy="0"/>
+        </a:xfrm>
+      </p:grpSpPr>
+      <p:sp>
+        <p:nvSpPr>
+          <p:cNvPr id="2" name="Title 1"/>
+          <p:cNvSpPr>
+            <a:spLocks noGrp="1"/>
+          </p:cNvSpPr>
+          <p:nvPr>
+            <p:ph type="title"/>
+          </p:nvPr>
+        </p:nvSpPr>
+        <p:spPr/>
+        <p:txBody>
+          <a:bodyPr/>
+          <a:lstStyle/>
+          <a:p>
+            <a:r>
+              <a:rPr lang="en-US" dirty="0"/>
+              <a:t>Ensemble creation</a:t>
+            </a:r>
+          </a:p>
+        </p:txBody>
+      </p:sp>
+      <p:sp>
+        <p:nvSpPr>
+          <p:cNvPr id="3" name="Content Placeholder 2"/>
+          <p:cNvSpPr>
+            <a:spLocks noGrp="1"/>
+          </p:cNvSpPr>
+          <p:nvPr>
+            <p:ph idx="1"/>
+          </p:nvPr>
+        </p:nvSpPr>
+        <p:spPr/>
+        <p:txBody>
+          <a:bodyPr/>
+          <a:lstStyle/>
+          <a:p>
+            <a:pPr marL="0" indent="0">
+              <a:buNone/>
+            </a:pPr>
+            <a:r>
+              <a:rPr lang="en-US" dirty="0"/>
+              <a:t>I used the predictions of some combination of Linear Regression, KNN and SGD as features which I fed into a another KNN, SGD or Linear Regression Algorithm</a:t>
+            </a:r>
+          </a:p>
+          <a:p>
+            <a:pPr marL="0" indent="0">
+              <a:buNone/>
+            </a:pPr>
+            <a:endParaRPr lang="en-US" dirty="0"/>
+          </a:p>
+        </p:txBody>
+      </p:sp>
+      <p:sp>
+        <p:nvSpPr>
+          <p:cNvPr id="4" name="Rectangle 3"/>
+          <p:cNvSpPr/>
+          <p:nvPr/>
+        </p:nvSpPr>
+        <p:spPr>
+          <a:xfrm>
+            <a:off x="1007165" y="4412974"/>
+            <a:ext cx="1881809" cy="1166191"/>
+          </a:xfrm>
+          <a:prstGeom prst="rect">
+            <a:avLst/>
+          </a:prstGeom>
+        </p:spPr>
+        <p:style>
+          <a:lnRef idx="2">
+            <a:schemeClr val="accent1">
+              <a:shade val="50000"/>
+            </a:schemeClr>
+          </a:lnRef>
+          <a:fillRef idx="1">
+            <a:schemeClr val="accent1"/>
+          </a:fillRef>
+          <a:effectRef idx="0">
+            <a:schemeClr val="accent1"/>
+          </a:effectRef>
+          <a:fontRef idx="minor">
+            <a:schemeClr val="lt1"/>
+          </a:fontRef>
+        </p:style>
+        <p:txBody>
+          <a:bodyPr rtlCol="0" anchor="ctr"/>
+          <a:lstStyle/>
+          <a:p>
+            <a:pPr algn="ctr"/>
+            <a:endParaRPr lang="en-US"/>
+          </a:p>
+        </p:txBody>
+      </p:sp>
+      <p:sp>
+        <p:nvSpPr>
+          <p:cNvPr id="6" name="TextBox 5"/>
+          <p:cNvSpPr txBox="1"/>
+          <p:nvPr/>
+        </p:nvSpPr>
+        <p:spPr>
+          <a:xfrm>
+            <a:off x="1179442" y="4532245"/>
+            <a:ext cx="1709532" cy="646331"/>
+          </a:xfrm>
+          <a:prstGeom prst="rect">
+            <a:avLst/>
+          </a:prstGeom>
+          <a:noFill/>
+        </p:spPr>
+        <p:txBody>
+          <a:bodyPr wrap="square" rtlCol="0">
+            <a:spAutoFit/>
+          </a:bodyPr>
+          <a:lstStyle/>
+          <a:p>
+            <a:endParaRPr lang="en-US" dirty="0"/>
+          </a:p>
+          <a:p>
+            <a:r>
+              <a:rPr lang="en-US" dirty="0"/>
+              <a:t>K Best Features</a:t>
+            </a:r>
+          </a:p>
+        </p:txBody>
+      </p:sp>
+      <p:sp>
+        <p:nvSpPr>
+          <p:cNvPr id="8" name="Rectangle 7"/>
+          <p:cNvSpPr/>
+          <p:nvPr/>
+        </p:nvSpPr>
+        <p:spPr>
+          <a:xfrm>
+            <a:off x="4025348" y="3507182"/>
+            <a:ext cx="1477618" cy="848139"/>
+          </a:xfrm>
+          <a:prstGeom prst="rect">
+            <a:avLst/>
+          </a:prstGeom>
+        </p:spPr>
+        <p:style>
+          <a:lnRef idx="2">
+            <a:schemeClr val="accent1">
+              <a:shade val="50000"/>
+            </a:schemeClr>
+          </a:lnRef>
+          <a:fillRef idx="1">
+            <a:schemeClr val="accent1"/>
+          </a:fillRef>
+          <a:effectRef idx="0">
+            <a:schemeClr val="accent1"/>
+          </a:effectRef>
+          <a:fontRef idx="minor">
+            <a:schemeClr val="lt1"/>
+          </a:fontRef>
+        </p:style>
+        <p:txBody>
+          <a:bodyPr rtlCol="0" anchor="ctr"/>
+          <a:lstStyle/>
+          <a:p>
+            <a:pPr algn="ctr"/>
+            <a:endParaRPr lang="en-US"/>
+          </a:p>
+        </p:txBody>
+      </p:sp>
+      <p:sp>
+        <p:nvSpPr>
+          <p:cNvPr id="9" name="Rectangle 8"/>
+          <p:cNvSpPr/>
+          <p:nvPr/>
+        </p:nvSpPr>
+        <p:spPr>
+          <a:xfrm>
+            <a:off x="4025348" y="4731026"/>
+            <a:ext cx="1477618" cy="848139"/>
+          </a:xfrm>
+          <a:prstGeom prst="rect">
+            <a:avLst/>
+          </a:prstGeom>
+        </p:spPr>
+        <p:style>
+          <a:lnRef idx="2">
+            <a:schemeClr val="accent1">
+              <a:shade val="50000"/>
+            </a:schemeClr>
+          </a:lnRef>
+          <a:fillRef idx="1">
+            <a:schemeClr val="accent1"/>
+          </a:fillRef>
+          <a:effectRef idx="0">
+            <a:schemeClr val="accent1"/>
+          </a:effectRef>
+          <a:fontRef idx="minor">
+            <a:schemeClr val="lt1"/>
+          </a:fontRef>
+        </p:style>
+        <p:txBody>
+          <a:bodyPr rtlCol="0" anchor="ctr"/>
+          <a:lstStyle/>
+          <a:p>
+            <a:pPr algn="ctr"/>
+            <a:endParaRPr lang="en-US"/>
+          </a:p>
+        </p:txBody>
+      </p:sp>
+      <p:sp>
+        <p:nvSpPr>
+          <p:cNvPr id="10" name="Rectangle 9"/>
+          <p:cNvSpPr/>
+          <p:nvPr/>
+        </p:nvSpPr>
+        <p:spPr>
+          <a:xfrm>
+            <a:off x="4025348" y="5887830"/>
+            <a:ext cx="1477618" cy="848139"/>
+          </a:xfrm>
+          <a:prstGeom prst="rect">
+            <a:avLst/>
+          </a:prstGeom>
+        </p:spPr>
+        <p:style>
+          <a:lnRef idx="2">
+            <a:schemeClr val="accent1">
+              <a:shade val="50000"/>
+            </a:schemeClr>
+          </a:lnRef>
+          <a:fillRef idx="1">
+            <a:schemeClr val="accent1"/>
+          </a:fillRef>
+          <a:effectRef idx="0">
+            <a:schemeClr val="accent1"/>
+          </a:effectRef>
+          <a:fontRef idx="minor">
+            <a:schemeClr val="lt1"/>
+          </a:fontRef>
+        </p:style>
+        <p:txBody>
+          <a:bodyPr rtlCol="0" anchor="ctr"/>
+          <a:lstStyle/>
+          <a:p>
+            <a:pPr algn="ctr"/>
+            <a:endParaRPr lang="en-US"/>
+          </a:p>
+        </p:txBody>
+      </p:sp>
+      <p:cxnSp>
+        <p:nvCxnSpPr>
+          <p:cNvPr id="12" name="Straight Arrow Connector 11"/>
+          <p:cNvCxnSpPr/>
+          <p:nvPr/>
+        </p:nvCxnSpPr>
+        <p:spPr>
+          <a:xfrm flipV="1">
+            <a:off x="3061252" y="4094922"/>
+            <a:ext cx="768626" cy="760488"/>
+          </a:xfrm>
+          <a:prstGeom prst="straightConnector1">
+            <a:avLst/>
+          </a:prstGeom>
+          <a:ln>
+            <a:tailEnd type="triangle"/>
+          </a:ln>
+        </p:spPr>
+        <p:style>
+          <a:lnRef idx="1">
+            <a:schemeClr val="accent1"/>
+          </a:lnRef>
+          <a:fillRef idx="0">
+            <a:schemeClr val="accent1"/>
+          </a:fillRef>
+          <a:effectRef idx="0">
+            <a:schemeClr val="accent1"/>
+          </a:effectRef>
+          <a:fontRef idx="minor">
+            <a:schemeClr val="tx1"/>
+          </a:fontRef>
+        </p:style>
+      </p:cxnSp>
+      <p:cxnSp>
+        <p:nvCxnSpPr>
+          <p:cNvPr id="14" name="Straight Arrow Connector 13"/>
+          <p:cNvCxnSpPr/>
+          <p:nvPr/>
+        </p:nvCxnSpPr>
+        <p:spPr>
+          <a:xfrm>
+            <a:off x="3072848" y="5178576"/>
+            <a:ext cx="664265" cy="0"/>
+          </a:xfrm>
+          <a:prstGeom prst="straightConnector1">
+            <a:avLst/>
+          </a:prstGeom>
+          <a:ln>
+            <a:tailEnd type="triangle"/>
+          </a:ln>
+        </p:spPr>
+        <p:style>
+          <a:lnRef idx="1">
+            <a:schemeClr val="accent1"/>
+          </a:lnRef>
+          <a:fillRef idx="0">
+            <a:schemeClr val="accent1"/>
+          </a:fillRef>
+          <a:effectRef idx="0">
+            <a:schemeClr val="accent1"/>
+          </a:effectRef>
+          <a:fontRef idx="minor">
+            <a:schemeClr val="tx1"/>
+          </a:fontRef>
+        </p:style>
+      </p:cxnSp>
+      <p:cxnSp>
+        <p:nvCxnSpPr>
+          <p:cNvPr id="16" name="Straight Arrow Connector 15"/>
+          <p:cNvCxnSpPr/>
+          <p:nvPr/>
+        </p:nvCxnSpPr>
+        <p:spPr>
+          <a:xfrm>
+            <a:off x="3061252" y="5579165"/>
+            <a:ext cx="675861" cy="597798"/>
+          </a:xfrm>
+          <a:prstGeom prst="straightConnector1">
+            <a:avLst/>
+          </a:prstGeom>
+          <a:ln>
+            <a:tailEnd type="triangle"/>
+          </a:ln>
+        </p:spPr>
+        <p:style>
+          <a:lnRef idx="1">
+            <a:schemeClr val="accent1"/>
+          </a:lnRef>
+          <a:fillRef idx="0">
+            <a:schemeClr val="accent1"/>
+          </a:fillRef>
+          <a:effectRef idx="0">
+            <a:schemeClr val="accent1"/>
+          </a:effectRef>
+          <a:fontRef idx="minor">
+            <a:schemeClr val="tx1"/>
+          </a:fontRef>
+        </p:style>
+      </p:cxnSp>
+      <p:cxnSp>
+        <p:nvCxnSpPr>
+          <p:cNvPr id="18" name="Straight Arrow Connector 17"/>
+          <p:cNvCxnSpPr/>
+          <p:nvPr/>
+        </p:nvCxnSpPr>
+        <p:spPr>
+          <a:xfrm>
+            <a:off x="5791200" y="3917742"/>
+            <a:ext cx="1232452" cy="614503"/>
+          </a:xfrm>
+          <a:prstGeom prst="straightConnector1">
+            <a:avLst/>
+          </a:prstGeom>
+          <a:ln>
+            <a:tailEnd type="triangle"/>
+          </a:ln>
+        </p:spPr>
+        <p:style>
+          <a:lnRef idx="1">
+            <a:schemeClr val="accent1"/>
+          </a:lnRef>
+          <a:fillRef idx="0">
+            <a:schemeClr val="accent1"/>
+          </a:fillRef>
+          <a:effectRef idx="0">
+            <a:schemeClr val="accent1"/>
+          </a:effectRef>
+          <a:fontRef idx="minor">
+            <a:schemeClr val="tx1"/>
+          </a:fontRef>
+        </p:style>
+      </p:cxnSp>
+      <p:cxnSp>
+        <p:nvCxnSpPr>
+          <p:cNvPr id="20" name="Straight Arrow Connector 19"/>
+          <p:cNvCxnSpPr/>
+          <p:nvPr/>
+        </p:nvCxnSpPr>
+        <p:spPr>
+          <a:xfrm>
+            <a:off x="5698436" y="5155095"/>
+            <a:ext cx="1179442" cy="0"/>
+          </a:xfrm>
+          <a:prstGeom prst="straightConnector1">
+            <a:avLst/>
+          </a:prstGeom>
+          <a:ln>
+            <a:tailEnd type="triangle"/>
+          </a:ln>
+        </p:spPr>
+        <p:style>
+          <a:lnRef idx="1">
+            <a:schemeClr val="accent1"/>
+          </a:lnRef>
+          <a:fillRef idx="0">
+            <a:schemeClr val="accent1"/>
+          </a:fillRef>
+          <a:effectRef idx="0">
+            <a:schemeClr val="accent1"/>
+          </a:effectRef>
+          <a:fontRef idx="minor">
+            <a:schemeClr val="tx1"/>
+          </a:fontRef>
+        </p:style>
+      </p:cxnSp>
+      <p:cxnSp>
+        <p:nvCxnSpPr>
+          <p:cNvPr id="22" name="Straight Arrow Connector 21"/>
+          <p:cNvCxnSpPr/>
+          <p:nvPr/>
+        </p:nvCxnSpPr>
+        <p:spPr>
+          <a:xfrm flipV="1">
+            <a:off x="5698435" y="5711687"/>
+            <a:ext cx="1325217" cy="600212"/>
+          </a:xfrm>
+          <a:prstGeom prst="straightConnector1">
+            <a:avLst/>
+          </a:prstGeom>
+          <a:ln>
+            <a:tailEnd type="triangle"/>
+          </a:ln>
+        </p:spPr>
+        <p:style>
+          <a:lnRef idx="1">
+            <a:schemeClr val="accent1"/>
+          </a:lnRef>
+          <a:fillRef idx="0">
+            <a:schemeClr val="accent1"/>
+          </a:fillRef>
+          <a:effectRef idx="0">
+            <a:schemeClr val="accent1"/>
+          </a:effectRef>
+          <a:fontRef idx="minor">
+            <a:schemeClr val="tx1"/>
+          </a:fontRef>
+        </p:style>
+      </p:cxnSp>
+      <p:sp>
+        <p:nvSpPr>
+          <p:cNvPr id="23" name="Rectangle 22"/>
+          <p:cNvSpPr/>
+          <p:nvPr/>
+        </p:nvSpPr>
+        <p:spPr>
+          <a:xfrm>
+            <a:off x="7219121" y="4532245"/>
+            <a:ext cx="2107096" cy="1237353"/>
+          </a:xfrm>
+          <a:prstGeom prst="rect">
+            <a:avLst/>
+          </a:prstGeom>
+        </p:spPr>
+        <p:style>
+          <a:lnRef idx="2">
+            <a:schemeClr val="accent1">
+              <a:shade val="50000"/>
+            </a:schemeClr>
+          </a:lnRef>
+          <a:fillRef idx="1">
+            <a:schemeClr val="accent1"/>
+          </a:fillRef>
+          <a:effectRef idx="0">
+            <a:schemeClr val="accent1"/>
+          </a:effectRef>
+          <a:fontRef idx="minor">
+            <a:schemeClr val="lt1"/>
+          </a:fontRef>
+        </p:style>
+        <p:txBody>
+          <a:bodyPr rtlCol="0" anchor="ctr"/>
+          <a:lstStyle/>
+          <a:p>
+            <a:pPr algn="ctr"/>
+            <a:endParaRPr lang="en-US"/>
+          </a:p>
+        </p:txBody>
+      </p:sp>
+      <p:sp>
+        <p:nvSpPr>
+          <p:cNvPr id="24" name="TextBox 23"/>
+          <p:cNvSpPr txBox="1"/>
+          <p:nvPr/>
+        </p:nvSpPr>
+        <p:spPr>
+          <a:xfrm>
+            <a:off x="7464288" y="4731026"/>
+            <a:ext cx="1520686" cy="923330"/>
+          </a:xfrm>
+          <a:prstGeom prst="rect">
+            <a:avLst/>
+          </a:prstGeom>
+          <a:noFill/>
+        </p:spPr>
+        <p:txBody>
+          <a:bodyPr wrap="square" rtlCol="0">
+            <a:spAutoFit/>
+          </a:bodyPr>
+          <a:lstStyle/>
+          <a:p>
+            <a:r>
+              <a:rPr lang="en-US" dirty="0"/>
+              <a:t>KNN, SGD or Linear Regression</a:t>
+            </a:r>
+          </a:p>
+        </p:txBody>
+      </p:sp>
+      <p:sp>
+        <p:nvSpPr>
+          <p:cNvPr id="25" name="TextBox 24"/>
+          <p:cNvSpPr txBox="1"/>
+          <p:nvPr/>
+        </p:nvSpPr>
+        <p:spPr>
+          <a:xfrm>
+            <a:off x="4462668" y="3733076"/>
+            <a:ext cx="1007165" cy="369332"/>
+          </a:xfrm>
+          <a:prstGeom prst="rect">
+            <a:avLst/>
+          </a:prstGeom>
+          <a:noFill/>
+        </p:spPr>
+        <p:txBody>
+          <a:bodyPr wrap="square" rtlCol="0">
+            <a:spAutoFit/>
+          </a:bodyPr>
+          <a:lstStyle/>
+          <a:p>
+            <a:r>
+              <a:rPr lang="en-US" dirty="0"/>
+              <a:t>KNN</a:t>
+            </a:r>
+          </a:p>
+        </p:txBody>
+      </p:sp>
+      <p:sp>
+        <p:nvSpPr>
+          <p:cNvPr id="26" name="TextBox 25"/>
+          <p:cNvSpPr txBox="1"/>
+          <p:nvPr/>
+        </p:nvSpPr>
+        <p:spPr>
+          <a:xfrm>
+            <a:off x="4224130" y="4827755"/>
+            <a:ext cx="1484243" cy="646331"/>
+          </a:xfrm>
+          <a:prstGeom prst="rect">
+            <a:avLst/>
+          </a:prstGeom>
+          <a:noFill/>
+        </p:spPr>
+        <p:txBody>
+          <a:bodyPr wrap="square" rtlCol="0">
+            <a:spAutoFit/>
+          </a:bodyPr>
+          <a:lstStyle/>
+          <a:p>
+            <a:r>
+              <a:rPr lang="en-US" dirty="0"/>
+              <a:t>Linear Regression</a:t>
+            </a:r>
+          </a:p>
+        </p:txBody>
+      </p:sp>
+      <p:sp>
+        <p:nvSpPr>
+          <p:cNvPr id="27" name="TextBox 26"/>
+          <p:cNvSpPr txBox="1"/>
+          <p:nvPr/>
+        </p:nvSpPr>
+        <p:spPr>
+          <a:xfrm>
+            <a:off x="4462668" y="6155188"/>
+            <a:ext cx="930966" cy="369332"/>
+          </a:xfrm>
+          <a:prstGeom prst="rect">
+            <a:avLst/>
+          </a:prstGeom>
+          <a:noFill/>
+        </p:spPr>
+        <p:txBody>
+          <a:bodyPr wrap="square" rtlCol="0">
+            <a:spAutoFit/>
+          </a:bodyPr>
+          <a:lstStyle/>
+          <a:p>
+            <a:r>
+              <a:rPr lang="en-US" dirty="0"/>
+              <a:t>SGD</a:t>
+            </a:r>
+          </a:p>
+        </p:txBody>
+      </p:sp>
+      <p:cxnSp>
+        <p:nvCxnSpPr>
+          <p:cNvPr id="29" name="Straight Arrow Connector 28"/>
+          <p:cNvCxnSpPr/>
+          <p:nvPr/>
+        </p:nvCxnSpPr>
+        <p:spPr>
+          <a:xfrm>
+            <a:off x="9488557" y="5150920"/>
+            <a:ext cx="583095" cy="0"/>
+          </a:xfrm>
+          <a:prstGeom prst="straightConnector1">
+            <a:avLst/>
+          </a:prstGeom>
+          <a:ln>
+            <a:tailEnd type="triangle"/>
+          </a:ln>
+        </p:spPr>
+        <p:style>
+          <a:lnRef idx="1">
+            <a:schemeClr val="accent1"/>
+          </a:lnRef>
+          <a:fillRef idx="0">
+            <a:schemeClr val="accent1"/>
+          </a:fillRef>
+          <a:effectRef idx="0">
+            <a:schemeClr val="accent1"/>
+          </a:effectRef>
+          <a:fontRef idx="minor">
+            <a:schemeClr val="tx1"/>
+          </a:fontRef>
+        </p:style>
+      </p:cxnSp>
+      <p:sp>
+        <p:nvSpPr>
+          <p:cNvPr id="30" name="Rectangle 29"/>
+          <p:cNvSpPr/>
+          <p:nvPr/>
+        </p:nvSpPr>
+        <p:spPr>
+          <a:xfrm>
+            <a:off x="10233992" y="4475166"/>
+            <a:ext cx="1467678" cy="1294432"/>
+          </a:xfrm>
+          <a:prstGeom prst="rect">
+            <a:avLst/>
+          </a:prstGeom>
+          <a:solidFill>
+            <a:schemeClr val="bg2"/>
+          </a:solidFill>
+        </p:spPr>
+        <p:style>
+          <a:lnRef idx="2">
+            <a:schemeClr val="accent1">
+              <a:shade val="50000"/>
+            </a:schemeClr>
+          </a:lnRef>
+          <a:fillRef idx="1">
+            <a:schemeClr val="accent1"/>
+          </a:fillRef>
+          <a:effectRef idx="0">
+            <a:schemeClr val="accent1"/>
+          </a:effectRef>
+          <a:fontRef idx="minor">
+            <a:schemeClr val="lt1"/>
+          </a:fontRef>
+        </p:style>
+        <p:txBody>
+          <a:bodyPr rtlCol="0" anchor="ctr"/>
+          <a:lstStyle/>
+          <a:p>
+            <a:pPr algn="ctr"/>
+            <a:endParaRPr lang="en-US"/>
+          </a:p>
+        </p:txBody>
+      </p:sp>
+      <p:sp>
+        <p:nvSpPr>
+          <p:cNvPr id="31" name="TextBox 30"/>
+          <p:cNvSpPr txBox="1"/>
+          <p:nvPr/>
+        </p:nvSpPr>
+        <p:spPr>
+          <a:xfrm>
+            <a:off x="10359886" y="4731026"/>
+            <a:ext cx="1239081" cy="646331"/>
+          </a:xfrm>
+          <a:prstGeom prst="rect">
+            <a:avLst/>
+          </a:prstGeom>
+          <a:noFill/>
+        </p:spPr>
+        <p:txBody>
+          <a:bodyPr wrap="square" rtlCol="0">
+            <a:spAutoFit/>
+          </a:bodyPr>
+          <a:lstStyle/>
+          <a:p>
+            <a:r>
+              <a:rPr lang="en-US" dirty="0"/>
+              <a:t>Final Predictions</a:t>
+            </a:r>
+          </a:p>
+        </p:txBody>
+      </p:sp>
+    </p:spTree>
+    <p:extLst>
+      <p:ext uri="{BB962C8B-B14F-4D97-AF65-F5344CB8AC3E}">
+        <p14:creationId xmlns:p14="http://schemas.microsoft.com/office/powerpoint/2010/main" val="1731066629"/>
+      </p:ext>
+    </p:extLst>
+  </p:cSld>
+  <p:clrMapOvr>
+    <a:masterClrMapping/>
+  </p:clrMapOvr>
+</p:sld>
+</file>
+
+<file path=ppt/slides/slide13.xml><?xml version="1.0" encoding="utf-8"?>
+<p:sld xmlns:a="http://schemas.openxmlformats.org/drawingml/2006/main" xmlns:r="http://schemas.openxmlformats.org/officeDocument/2006/relationships" xmlns:p="http://schemas.openxmlformats.org/presentationml/2006/main">
+  <p:cSld>
+    <p:spTree>
+      <p:nvGrpSpPr>
+        <p:cNvPr id="1" name=""/>
+        <p:cNvGrpSpPr/>
+        <p:nvPr/>
+      </p:nvGrpSpPr>
+      <p:grpSpPr>
+        <a:xfrm>
+          <a:off x="0" y="0"/>
+          <a:ext cx="0" cy="0"/>
+          <a:chOff x="0" y="0"/>
+          <a:chExt cx="0" cy="0"/>
+        </a:xfrm>
+      </p:grpSpPr>
+      <p:sp>
+        <p:nvSpPr>
+          <p:cNvPr id="2" name="Title 1"/>
+          <p:cNvSpPr>
+            <a:spLocks noGrp="1"/>
+          </p:cNvSpPr>
+          <p:nvPr>
+            <p:ph type="title"/>
+          </p:nvPr>
+        </p:nvSpPr>
+        <p:spPr/>
+        <p:txBody>
+          <a:bodyPr/>
+          <a:lstStyle/>
+          <a:p>
+            <a:r>
+              <a:rPr lang="en-US" dirty="0" err="1"/>
+              <a:t>Algorththm</a:t>
+            </a:r>
+            <a:r>
+              <a:rPr lang="en-US" dirty="0"/>
+              <a:t> 1</a:t>
+            </a:r>
+          </a:p>
+        </p:txBody>
+      </p:sp>
+      <p:sp>
+        <p:nvSpPr>
+          <p:cNvPr id="3" name="Content Placeholder 2"/>
+          <p:cNvSpPr>
+            <a:spLocks noGrp="1"/>
+          </p:cNvSpPr>
+          <p:nvPr>
+            <p:ph idx="1"/>
+          </p:nvPr>
+        </p:nvSpPr>
+        <p:spPr/>
+        <p:txBody>
+          <a:bodyPr/>
+          <a:lstStyle/>
+          <a:p>
+            <a:endParaRPr lang="en-US"/>
+          </a:p>
+        </p:txBody>
+      </p:sp>
+    </p:spTree>
+    <p:extLst>
+      <p:ext uri="{BB962C8B-B14F-4D97-AF65-F5344CB8AC3E}">
+        <p14:creationId xmlns:p14="http://schemas.microsoft.com/office/powerpoint/2010/main" val="366130611"/>
+      </p:ext>
+    </p:extLst>
+  </p:cSld>
+  <p:clrMapOvr>
+    <a:masterClrMapping/>
+  </p:clrMapOvr>
+</p:sld>
+</file>
+
 <file path=ppt/slides/slide2.xml><?xml version="1.0" encoding="utf-8"?>
 <p:sld xmlns:a="http://schemas.openxmlformats.org/drawingml/2006/main" xmlns:r="http://schemas.openxmlformats.org/officeDocument/2006/relationships" xmlns:p="http://schemas.openxmlformats.org/presentationml/2006/main">
   <p:cSld>
@@ -3055,7 +4074,7 @@
           <a:p>
             <a:r>
               <a:rPr lang="en-US" dirty="0"/>
-              <a:t>General Idea Behind the Project</a:t>
+              <a:t>Problem</a:t>
             </a:r>
           </a:p>
         </p:txBody>
@@ -3077,8 +4096,14 @@
           <a:p>
             <a:r>
               <a:rPr lang="en-US" dirty="0"/>
-              <a:t>Scheduling procedure times can be difficult and expensive if you get wrong</a:t>
-            </a:r>
+              <a:t>Medical procedure scheduling is often times mostly a crapshoot</a:t>
+            </a:r>
+          </a:p>
+          <a:p>
+            <a:pPr marL="0" indent="0">
+              <a:buNone/>
+            </a:pPr>
+            <a:endParaRPr lang="en-US" dirty="0"/>
           </a:p>
           <a:p>
             <a:r>
@@ -3087,9 +4112,21 @@
             </a:r>
           </a:p>
           <a:p>
+            <a:endParaRPr lang="en-US" dirty="0"/>
+          </a:p>
+          <a:p>
             <a:r>
               <a:rPr lang="en-US" dirty="0"/>
               <a:t>Doctors can also be to fast, causing on missed opportunities to schedule extra patients</a:t>
+            </a:r>
+          </a:p>
+          <a:p>
+            <a:endParaRPr lang="en-US" dirty="0"/>
+          </a:p>
+          <a:p>
+            <a:r>
+              <a:rPr lang="en-US" dirty="0"/>
+              <a:t> Procedures can be thousands of $ so scheduling well saves $</a:t>
             </a:r>
           </a:p>
           <a:p>
@@ -3145,68 +4182,43 @@
           <a:bodyPr/>
           <a:lstStyle/>
           <a:p>
-            <a:r>
-              <a:rPr lang="en-US" dirty="0"/>
-              <a:t>Where I got my Data</a:t>
-            </a:r>
-          </a:p>
-        </p:txBody>
-      </p:sp>
-      <p:sp>
-        <p:nvSpPr>
-          <p:cNvPr id="3" name="Content Placeholder 2"/>
-          <p:cNvSpPr>
-            <a:spLocks noGrp="1"/>
-          </p:cNvSpPr>
+            <a:endParaRPr lang="en-US"/>
+          </a:p>
+        </p:txBody>
+      </p:sp>
+      <p:pic>
+        <p:nvPicPr>
+          <p:cNvPr id="4" name="Content Placeholder 3"/>
+          <p:cNvPicPr>
+            <a:picLocks noGrp="1" noChangeAspect="1"/>
+          </p:cNvPicPr>
           <p:nvPr>
             <p:ph idx="1"/>
           </p:nvPr>
-        </p:nvSpPr>
-        <p:spPr/>
-        <p:txBody>
-          <a:bodyPr/>
-          <a:lstStyle/>
-          <a:p>
-            <a:r>
-              <a:rPr lang="en-US" dirty="0"/>
-              <a:t>I got my data from one Spinal Intervention Specialist at Fresno Surgery Hospital</a:t>
-            </a:r>
-          </a:p>
-          <a:p>
-            <a:r>
-              <a:rPr lang="en-US" dirty="0"/>
-              <a:t>The data is given in a clumsy text format which was a headache to clean, however eventually all data is mapped to a clean csv-file</a:t>
-            </a:r>
-          </a:p>
-          <a:p>
-            <a:endParaRPr lang="en-US" dirty="0"/>
-          </a:p>
-          <a:p>
-            <a:r>
-              <a:rPr lang="en-US" dirty="0"/>
-              <a:t>The data contains a mix of demographic information (name, gender, </a:t>
-            </a:r>
-            <a:r>
-              <a:rPr lang="en-US" dirty="0" err="1"/>
-              <a:t>bmi</a:t>
-            </a:r>
-            <a:r>
-              <a:rPr lang="en-US" dirty="0"/>
-              <a:t> etc.) , procedure information(type of procedure) and date/time info</a:t>
-            </a:r>
-          </a:p>
-          <a:p>
-            <a:pPr marL="0" indent="0">
-              <a:buNone/>
-            </a:pPr>
-            <a:endParaRPr lang="en-US" dirty="0"/>
-          </a:p>
-        </p:txBody>
-      </p:sp>
+        </p:nvPicPr>
+        <p:blipFill>
+          <a:blip r:embed="rId2">
+            <a:extLst>
+              <a:ext uri="{28A0092B-C50C-407E-A947-70E740481C1C}">
+                <a14:useLocalDpi xmlns:a14="http://schemas.microsoft.com/office/drawing/2010/main" val="0"/>
+              </a:ext>
+            </a:extLst>
+          </a:blip>
+          <a:stretch>
+            <a:fillRect/>
+          </a:stretch>
+        </p:blipFill>
+        <p:spPr>
+          <a:xfrm>
+            <a:off x="3305908" y="365125"/>
+            <a:ext cx="4487594" cy="6160935"/>
+          </a:xfrm>
+        </p:spPr>
+      </p:pic>
     </p:spTree>
     <p:extLst>
       <p:ext uri="{BB962C8B-B14F-4D97-AF65-F5344CB8AC3E}">
-        <p14:creationId xmlns:p14="http://schemas.microsoft.com/office/powerpoint/2010/main" val="720093606"/>
+        <p14:creationId xmlns:p14="http://schemas.microsoft.com/office/powerpoint/2010/main" val="3211121273"/>
       </p:ext>
     </p:extLst>
   </p:cSld>
@@ -3290,7 +4302,7 @@
           <a:p>
             <a:r>
               <a:rPr lang="en-US" dirty="0"/>
-              <a:t>Ultimately, I will then map the predictions to 15 Min blocks (the only time blocks available for the doctor to schedule) and compare them to the time blocks that they currently have set-up</a:t>
+              <a:t>I will measure my score in RMSE</a:t>
             </a:r>
           </a:p>
         </p:txBody>
@@ -3299,6 +4311,725 @@
     <p:extLst>
       <p:ext uri="{BB962C8B-B14F-4D97-AF65-F5344CB8AC3E}">
         <p14:creationId xmlns:p14="http://schemas.microsoft.com/office/powerpoint/2010/main" val="739365440"/>
+      </p:ext>
+    </p:extLst>
+  </p:cSld>
+  <p:clrMapOvr>
+    <a:masterClrMapping/>
+  </p:clrMapOvr>
+</p:sld>
+</file>
+
+<file path=ppt/slides/slide5.xml><?xml version="1.0" encoding="utf-8"?>
+<p:sld xmlns:a="http://schemas.openxmlformats.org/drawingml/2006/main" xmlns:r="http://schemas.openxmlformats.org/officeDocument/2006/relationships" xmlns:p="http://schemas.openxmlformats.org/presentationml/2006/main">
+  <p:cSld>
+    <p:spTree>
+      <p:nvGrpSpPr>
+        <p:cNvPr id="1" name=""/>
+        <p:cNvGrpSpPr/>
+        <p:nvPr/>
+      </p:nvGrpSpPr>
+      <p:grpSpPr>
+        <a:xfrm>
+          <a:off x="0" y="0"/>
+          <a:ext cx="0" cy="0"/>
+          <a:chOff x="0" y="0"/>
+          <a:chExt cx="0" cy="0"/>
+        </a:xfrm>
+      </p:grpSpPr>
+      <p:sp>
+        <p:nvSpPr>
+          <p:cNvPr id="2" name="Title 1"/>
+          <p:cNvSpPr>
+            <a:spLocks noGrp="1"/>
+          </p:cNvSpPr>
+          <p:nvPr>
+            <p:ph type="title"/>
+          </p:nvPr>
+        </p:nvSpPr>
+        <p:spPr/>
+        <p:txBody>
+          <a:bodyPr/>
+          <a:lstStyle/>
+          <a:p>
+            <a:r>
+              <a:rPr lang="en-US" dirty="0"/>
+              <a:t>Data Source</a:t>
+            </a:r>
+          </a:p>
+        </p:txBody>
+      </p:sp>
+      <p:sp>
+        <p:nvSpPr>
+          <p:cNvPr id="3" name="Content Placeholder 2"/>
+          <p:cNvSpPr>
+            <a:spLocks noGrp="1"/>
+          </p:cNvSpPr>
+          <p:nvPr>
+            <p:ph idx="1"/>
+          </p:nvPr>
+        </p:nvSpPr>
+        <p:spPr/>
+        <p:txBody>
+          <a:bodyPr/>
+          <a:lstStyle/>
+          <a:p>
+            <a:r>
+              <a:rPr lang="en-US" dirty="0"/>
+              <a:t>I got my data from one Spinal Intervention Specialist at Fresno Surgery Hospital</a:t>
+            </a:r>
+          </a:p>
+          <a:p>
+            <a:pPr marL="0" indent="0">
+              <a:buNone/>
+            </a:pPr>
+            <a:endParaRPr lang="en-US" dirty="0"/>
+          </a:p>
+          <a:p>
+            <a:r>
+              <a:rPr lang="en-US" dirty="0"/>
+              <a:t>The data is given in a clumsy text format which was a headache to clean, however eventually all data is mapped to a clean csv-file</a:t>
+            </a:r>
+          </a:p>
+          <a:p>
+            <a:endParaRPr lang="en-US" dirty="0"/>
+          </a:p>
+          <a:p>
+            <a:r>
+              <a:rPr lang="en-US" dirty="0"/>
+              <a:t> Around 700 total procedures</a:t>
+            </a:r>
+          </a:p>
+        </p:txBody>
+      </p:sp>
+    </p:spTree>
+    <p:extLst>
+      <p:ext uri="{BB962C8B-B14F-4D97-AF65-F5344CB8AC3E}">
+        <p14:creationId xmlns:p14="http://schemas.microsoft.com/office/powerpoint/2010/main" val="720093606"/>
+      </p:ext>
+    </p:extLst>
+  </p:cSld>
+  <p:clrMapOvr>
+    <a:masterClrMapping/>
+  </p:clrMapOvr>
+</p:sld>
+</file>
+
+<file path=ppt/slides/slide6.xml><?xml version="1.0" encoding="utf-8"?>
+<p:sld xmlns:a="http://schemas.openxmlformats.org/drawingml/2006/main" xmlns:r="http://schemas.openxmlformats.org/officeDocument/2006/relationships" xmlns:p="http://schemas.openxmlformats.org/presentationml/2006/main">
+  <p:cSld>
+    <p:spTree>
+      <p:nvGrpSpPr>
+        <p:cNvPr id="1" name=""/>
+        <p:cNvGrpSpPr/>
+        <p:nvPr/>
+      </p:nvGrpSpPr>
+      <p:grpSpPr>
+        <a:xfrm>
+          <a:off x="0" y="0"/>
+          <a:ext cx="0" cy="0"/>
+          <a:chOff x="0" y="0"/>
+          <a:chExt cx="0" cy="0"/>
+        </a:xfrm>
+      </p:grpSpPr>
+      <p:sp>
+        <p:nvSpPr>
+          <p:cNvPr id="2" name="Title 1"/>
+          <p:cNvSpPr>
+            <a:spLocks noGrp="1"/>
+          </p:cNvSpPr>
+          <p:nvPr>
+            <p:ph type="title"/>
+          </p:nvPr>
+        </p:nvSpPr>
+        <p:spPr>
+          <a:xfrm>
+            <a:off x="723900" y="153091"/>
+            <a:ext cx="10515600" cy="297484"/>
+          </a:xfrm>
+        </p:spPr>
+        <p:txBody>
+          <a:bodyPr>
+            <a:normAutofit fontScale="90000"/>
+          </a:bodyPr>
+          <a:lstStyle/>
+          <a:p>
+            <a:pPr algn="ctr"/>
+            <a:r>
+              <a:rPr lang="en-US" dirty="0"/>
+              <a:t>Example of Data</a:t>
+            </a:r>
+          </a:p>
+        </p:txBody>
+      </p:sp>
+      <p:sp>
+        <p:nvSpPr>
+          <p:cNvPr id="3" name="Content Placeholder 2"/>
+          <p:cNvSpPr>
+            <a:spLocks noGrp="1"/>
+          </p:cNvSpPr>
+          <p:nvPr>
+            <p:ph idx="1"/>
+          </p:nvPr>
+        </p:nvSpPr>
+        <p:spPr>
+          <a:xfrm>
+            <a:off x="723900" y="781879"/>
+            <a:ext cx="9526656" cy="3127513"/>
+          </a:xfrm>
+        </p:spPr>
+        <p:txBody>
+          <a:bodyPr>
+            <a:noAutofit/>
+          </a:bodyPr>
+          <a:lstStyle/>
+          <a:p>
+            <a:pPr marL="0" indent="0">
+              <a:buNone/>
+            </a:pPr>
+            <a:r>
+              <a:rPr lang="en-US" sz="1000" dirty="0"/>
+              <a:t>DATE: 10/04/16 @ 1352                                       Fresno Surgical Hospital SCH LIVE                                                     PAGE 1</a:t>
+            </a:r>
+          </a:p>
+          <a:p>
+            <a:pPr marL="0" indent="0">
+              <a:buNone/>
+            </a:pPr>
+            <a:r>
+              <a:rPr lang="en-US" sz="1000" dirty="0"/>
+              <a:t>USER: GARBMI                                    Procedure Times by Surgeon/Date with Patient Demographics                           </a:t>
+            </a:r>
+          </a:p>
+          <a:p>
+            <a:pPr marL="0" indent="0">
+              <a:buNone/>
+            </a:pPr>
+            <a:r>
+              <a:rPr lang="en-US" sz="1000" dirty="0"/>
+              <a:t>Date      Account Number     Age  Gender  ASA Class  BMI   Procedure Name                            Into Rm  Start  End   Procedure Time  Out of Room</a:t>
+            </a:r>
+          </a:p>
+          <a:p>
+            <a:pPr marL="0" indent="0">
+              <a:buNone/>
+            </a:pPr>
+            <a:endParaRPr lang="en-US" sz="1000" dirty="0"/>
+          </a:p>
+          <a:p>
+            <a:pPr marL="0" indent="0">
+              <a:buNone/>
+            </a:pPr>
+            <a:r>
+              <a:rPr lang="en-US" sz="1000" dirty="0"/>
+              <a:t>01/04/16  V185428            64   F                  34.0  LEFT LUMBAR MEDIAL BRANCH RADIOFREQUEN..                  1123                  1137</a:t>
+            </a:r>
+          </a:p>
+          <a:p>
+            <a:pPr marL="0" indent="0">
+              <a:buNone/>
+            </a:pPr>
+            <a:endParaRPr lang="en-US" sz="1000" dirty="0"/>
+          </a:p>
+          <a:p>
+            <a:pPr marL="0" indent="0">
+              <a:buNone/>
+            </a:pPr>
+            <a:r>
+              <a:rPr lang="en-US" sz="1000" dirty="0"/>
+              <a:t>          Coded Allergy:</a:t>
+            </a:r>
+          </a:p>
+          <a:p>
+            <a:pPr marL="0" indent="0">
+              <a:buNone/>
+            </a:pPr>
+            <a:r>
+              <a:rPr lang="en-US" sz="1000" dirty="0"/>
+              <a:t>          NO KNOWN DRUG ALLERGIES                                                         </a:t>
+            </a:r>
+          </a:p>
+          <a:p>
+            <a:pPr marL="0" indent="0">
+              <a:buNone/>
+            </a:pPr>
+            <a:r>
+              <a:rPr lang="en-US" sz="1000" dirty="0"/>
+              <a:t>          CODEINE                                                                         </a:t>
+            </a:r>
+          </a:p>
+          <a:p>
+            <a:pPr marL="0" indent="0">
+              <a:buNone/>
+            </a:pPr>
+            <a:r>
+              <a:rPr lang="en-US" sz="1000" dirty="0"/>
+              <a:t>          ASPIRIN                                                                         </a:t>
+            </a:r>
+          </a:p>
+          <a:p>
+            <a:pPr marL="0" indent="0">
+              <a:buNone/>
+            </a:pPr>
+            <a:endParaRPr lang="en-US" sz="1000" dirty="0"/>
+          </a:p>
+          <a:p>
+            <a:pPr marL="0" indent="0">
+              <a:buNone/>
+            </a:pPr>
+            <a:r>
+              <a:rPr lang="en-US" sz="1000" dirty="0"/>
+              <a:t>          </a:t>
+            </a:r>
+            <a:r>
+              <a:rPr lang="en-US" sz="1000" dirty="0" err="1"/>
+              <a:t>Uncoded</a:t>
+            </a:r>
+            <a:r>
+              <a:rPr lang="en-US" sz="1000" dirty="0"/>
+              <a:t> Allergy:</a:t>
+            </a:r>
+          </a:p>
+          <a:p>
+            <a:pPr marL="0" indent="0">
+              <a:buNone/>
+            </a:pPr>
+            <a:endParaRPr lang="en-US" sz="1000" dirty="0"/>
+          </a:p>
+          <a:p>
+            <a:pPr marL="0" indent="0">
+              <a:buNone/>
+            </a:pPr>
+            <a:r>
+              <a:rPr lang="en-US" sz="1000" dirty="0"/>
+              <a:t>                      CPT Code                                        ICD-10 Code                                        Insurance</a:t>
+            </a:r>
+          </a:p>
+          <a:p>
+            <a:pPr marL="0" indent="0">
+              <a:buNone/>
+            </a:pPr>
+            <a:r>
+              <a:rPr lang="en-US" sz="1000" dirty="0"/>
+              <a:t>                      64635                                           M47.816                                            BLUE SHIELD HMO               </a:t>
+            </a:r>
+          </a:p>
+          <a:p>
+            <a:pPr marL="0" indent="0">
+              <a:buNone/>
+            </a:pPr>
+            <a:r>
+              <a:rPr lang="en-US" sz="1000" dirty="0"/>
+              <a:t>                      64636                                           G54.4                                                                            </a:t>
+            </a:r>
+          </a:p>
+          <a:p>
+            <a:pPr marL="0" indent="0">
+              <a:buNone/>
+            </a:pPr>
+            <a:r>
+              <a:rPr lang="en-US" sz="1000" dirty="0"/>
+              <a:t>                                                                      M51.36                                                                           </a:t>
+            </a:r>
+          </a:p>
+          <a:p>
+            <a:pPr marL="0" indent="0">
+              <a:buNone/>
+            </a:pPr>
+            <a:r>
+              <a:rPr lang="en-US" sz="1000" dirty="0"/>
+              <a:t>                                                                      M51.06                                                                           </a:t>
+            </a:r>
+          </a:p>
+          <a:p>
+            <a:pPr marL="0" indent="0">
+              <a:buNone/>
+            </a:pPr>
+            <a:r>
+              <a:rPr lang="en-US" sz="1000" dirty="0"/>
+              <a:t>                                                                      M96.1                                                                            </a:t>
+            </a:r>
+          </a:p>
+          <a:p>
+            <a:pPr marL="0" indent="0">
+              <a:buNone/>
+            </a:pPr>
+            <a:r>
+              <a:rPr lang="en-US" sz="1000" dirty="0"/>
+              <a:t>                                                                      M54.16                                                                           </a:t>
+            </a:r>
+          </a:p>
+          <a:p>
+            <a:pPr marL="0" indent="0">
+              <a:buNone/>
+            </a:pPr>
+            <a:r>
+              <a:rPr lang="en-US" sz="1000" dirty="0"/>
+              <a:t>                                                                      M12.88                                                                           </a:t>
+            </a:r>
+          </a:p>
+          <a:p>
+            <a:pPr marL="0" indent="0">
+              <a:buNone/>
+            </a:pPr>
+            <a:r>
+              <a:rPr lang="en-US" sz="1000" dirty="0"/>
+              <a:t>                                                                      I10                                                                              </a:t>
+            </a:r>
+          </a:p>
+          <a:p>
+            <a:pPr marL="0" indent="0">
+              <a:buNone/>
+            </a:pPr>
+            <a:r>
+              <a:rPr lang="en-US" sz="1000" dirty="0"/>
+              <a:t>                                                                      Z98.89 </a:t>
+            </a:r>
+          </a:p>
+        </p:txBody>
+      </p:sp>
+    </p:spTree>
+    <p:extLst>
+      <p:ext uri="{BB962C8B-B14F-4D97-AF65-F5344CB8AC3E}">
+        <p14:creationId xmlns:p14="http://schemas.microsoft.com/office/powerpoint/2010/main" val="4115648435"/>
+      </p:ext>
+    </p:extLst>
+  </p:cSld>
+  <p:clrMapOvr>
+    <a:masterClrMapping/>
+  </p:clrMapOvr>
+</p:sld>
+</file>
+
+<file path=ppt/slides/slide7.xml><?xml version="1.0" encoding="utf-8"?>
+<p:sld xmlns:a="http://schemas.openxmlformats.org/drawingml/2006/main" xmlns:r="http://schemas.openxmlformats.org/officeDocument/2006/relationships" xmlns:p="http://schemas.openxmlformats.org/presentationml/2006/main">
+  <p:cSld>
+    <p:spTree>
+      <p:nvGrpSpPr>
+        <p:cNvPr id="1" name=""/>
+        <p:cNvGrpSpPr/>
+        <p:nvPr/>
+      </p:nvGrpSpPr>
+      <p:grpSpPr>
+        <a:xfrm>
+          <a:off x="0" y="0"/>
+          <a:ext cx="0" cy="0"/>
+          <a:chOff x="0" y="0"/>
+          <a:chExt cx="0" cy="0"/>
+        </a:xfrm>
+      </p:grpSpPr>
+      <p:sp>
+        <p:nvSpPr>
+          <p:cNvPr id="2" name="Title 1"/>
+          <p:cNvSpPr>
+            <a:spLocks noGrp="1"/>
+          </p:cNvSpPr>
+          <p:nvPr>
+            <p:ph type="title"/>
+          </p:nvPr>
+        </p:nvSpPr>
+        <p:spPr/>
+        <p:txBody>
+          <a:bodyPr/>
+          <a:lstStyle/>
+          <a:p>
+            <a:r>
+              <a:rPr lang="en-US" dirty="0"/>
+              <a:t>Features</a:t>
+            </a:r>
+          </a:p>
+        </p:txBody>
+      </p:sp>
+      <p:sp>
+        <p:nvSpPr>
+          <p:cNvPr id="3" name="Content Placeholder 2"/>
+          <p:cNvSpPr>
+            <a:spLocks noGrp="1"/>
+          </p:cNvSpPr>
+          <p:nvPr>
+            <p:ph idx="1"/>
+          </p:nvPr>
+        </p:nvSpPr>
+        <p:spPr>
+          <a:xfrm>
+            <a:off x="838200" y="1690688"/>
+            <a:ext cx="10515600" cy="4351338"/>
+          </a:xfrm>
+        </p:spPr>
+        <p:txBody>
+          <a:bodyPr>
+            <a:normAutofit lnSpcReduction="10000"/>
+          </a:bodyPr>
+          <a:lstStyle/>
+          <a:p>
+            <a:r>
+              <a:rPr lang="en-US" dirty="0"/>
+              <a:t>Procedure: The type of procedure being formed, aka Facet Joint Injection</a:t>
+            </a:r>
+          </a:p>
+          <a:p>
+            <a:pPr marL="0" indent="0">
+              <a:buNone/>
+            </a:pPr>
+            <a:endParaRPr lang="en-US" dirty="0"/>
+          </a:p>
+          <a:p>
+            <a:r>
+              <a:rPr lang="en-US" dirty="0"/>
+              <a:t>CPT Codes: What the doctor actually bills for and gets paid for, can be multiple codes per procedure</a:t>
+            </a:r>
+          </a:p>
+          <a:p>
+            <a:endParaRPr lang="en-US" dirty="0"/>
+          </a:p>
+          <a:p>
+            <a:r>
+              <a:rPr lang="en-US" dirty="0"/>
+              <a:t>Demographic Data –AKA Age, Gender etc..</a:t>
+            </a:r>
+          </a:p>
+          <a:p>
+            <a:pPr marL="0" indent="0">
+              <a:buNone/>
+            </a:pPr>
+            <a:endParaRPr lang="en-US" dirty="0"/>
+          </a:p>
+          <a:p>
+            <a:r>
+              <a:rPr lang="en-US" dirty="0"/>
+              <a:t>Specific procedure Data, AKA  What was the month of the procedure, was there one or two rooms available</a:t>
+            </a:r>
+          </a:p>
+          <a:p>
+            <a:endParaRPr lang="en-US" dirty="0"/>
+          </a:p>
+        </p:txBody>
+      </p:sp>
+    </p:spTree>
+    <p:extLst>
+      <p:ext uri="{BB962C8B-B14F-4D97-AF65-F5344CB8AC3E}">
+        <p14:creationId xmlns:p14="http://schemas.microsoft.com/office/powerpoint/2010/main" val="3705598334"/>
+      </p:ext>
+    </p:extLst>
+  </p:cSld>
+  <p:clrMapOvr>
+    <a:masterClrMapping/>
+  </p:clrMapOvr>
+</p:sld>
+</file>
+
+<file path=ppt/slides/slide8.xml><?xml version="1.0" encoding="utf-8"?>
+<p:sld xmlns:a="http://schemas.openxmlformats.org/drawingml/2006/main" xmlns:r="http://schemas.openxmlformats.org/officeDocument/2006/relationships" xmlns:p="http://schemas.openxmlformats.org/presentationml/2006/main">
+  <p:cSld>
+    <p:spTree>
+      <p:nvGrpSpPr>
+        <p:cNvPr id="1" name=""/>
+        <p:cNvGrpSpPr/>
+        <p:nvPr/>
+      </p:nvGrpSpPr>
+      <p:grpSpPr>
+        <a:xfrm>
+          <a:off x="0" y="0"/>
+          <a:ext cx="0" cy="0"/>
+          <a:chOff x="0" y="0"/>
+          <a:chExt cx="0" cy="0"/>
+        </a:xfrm>
+      </p:grpSpPr>
+      <p:pic>
+        <p:nvPicPr>
+          <p:cNvPr id="10" name="Content Placeholder 9"/>
+          <p:cNvPicPr>
+            <a:picLocks noGrp="1" noChangeAspect="1"/>
+          </p:cNvPicPr>
+          <p:nvPr>
+            <p:ph idx="1"/>
+          </p:nvPr>
+        </p:nvPicPr>
+        <p:blipFill>
+          <a:blip r:embed="rId2">
+            <a:extLst>
+              <a:ext uri="{28A0092B-C50C-407E-A947-70E740481C1C}">
+                <a14:useLocalDpi xmlns:a14="http://schemas.microsoft.com/office/drawing/2010/main" val="0"/>
+              </a:ext>
+            </a:extLst>
+          </a:blip>
+          <a:stretch>
+            <a:fillRect/>
+          </a:stretch>
+        </p:blipFill>
+        <p:spPr>
+          <a:xfrm>
+            <a:off x="206448" y="576775"/>
+            <a:ext cx="11794330" cy="5936567"/>
+          </a:xfrm>
+        </p:spPr>
+      </p:pic>
+    </p:spTree>
+    <p:extLst>
+      <p:ext uri="{BB962C8B-B14F-4D97-AF65-F5344CB8AC3E}">
+        <p14:creationId xmlns:p14="http://schemas.microsoft.com/office/powerpoint/2010/main" val="1629685798"/>
+      </p:ext>
+    </p:extLst>
+  </p:cSld>
+  <p:clrMapOvr>
+    <a:masterClrMapping/>
+  </p:clrMapOvr>
+</p:sld>
+</file>
+
+<file path=ppt/slides/slide9.xml><?xml version="1.0" encoding="utf-8"?>
+<p:sld xmlns:a="http://schemas.openxmlformats.org/drawingml/2006/main" xmlns:r="http://schemas.openxmlformats.org/officeDocument/2006/relationships" xmlns:p="http://schemas.openxmlformats.org/presentationml/2006/main">
+  <p:cSld>
+    <p:spTree>
+      <p:nvGrpSpPr>
+        <p:cNvPr id="1" name=""/>
+        <p:cNvGrpSpPr/>
+        <p:nvPr/>
+      </p:nvGrpSpPr>
+      <p:grpSpPr>
+        <a:xfrm>
+          <a:off x="0" y="0"/>
+          <a:ext cx="0" cy="0"/>
+          <a:chOff x="0" y="0"/>
+          <a:chExt cx="0" cy="0"/>
+        </a:xfrm>
+      </p:grpSpPr>
+      <p:sp>
+        <p:nvSpPr>
+          <p:cNvPr id="2" name="Title 1"/>
+          <p:cNvSpPr>
+            <a:spLocks noGrp="1"/>
+          </p:cNvSpPr>
+          <p:nvPr>
+            <p:ph type="title"/>
+          </p:nvPr>
+        </p:nvSpPr>
+        <p:spPr/>
+        <p:txBody>
+          <a:bodyPr/>
+          <a:lstStyle/>
+          <a:p>
+            <a:r>
+              <a:rPr lang="en-US" dirty="0"/>
+              <a:t>Average values and Null Accuracy</a:t>
+            </a:r>
+          </a:p>
+        </p:txBody>
+      </p:sp>
+      <p:sp>
+        <p:nvSpPr>
+          <p:cNvPr id="3" name="Content Placeholder 2"/>
+          <p:cNvSpPr>
+            <a:spLocks noGrp="1"/>
+          </p:cNvSpPr>
+          <p:nvPr>
+            <p:ph idx="1"/>
+          </p:nvPr>
+        </p:nvSpPr>
+        <p:spPr>
+          <a:xfrm>
+            <a:off x="838200" y="1690688"/>
+            <a:ext cx="10515600" cy="4351338"/>
+          </a:xfrm>
+        </p:spPr>
+        <p:txBody>
+          <a:bodyPr>
+            <a:normAutofit lnSpcReduction="10000"/>
+          </a:bodyPr>
+          <a:lstStyle/>
+          <a:p>
+            <a:pPr marL="0" indent="0">
+              <a:buNone/>
+            </a:pPr>
+            <a:r>
+              <a:rPr lang="en-US" dirty="0"/>
+              <a:t>Average Time: 34.18 MIN</a:t>
+            </a:r>
+          </a:p>
+          <a:p>
+            <a:pPr marL="0" indent="0">
+              <a:buNone/>
+            </a:pPr>
+            <a:endParaRPr lang="en-US" dirty="0"/>
+          </a:p>
+          <a:p>
+            <a:pPr marL="0" indent="0">
+              <a:buNone/>
+            </a:pPr>
+            <a:r>
+              <a:rPr lang="en-US" dirty="0"/>
+              <a:t>Null score is using the average value:</a:t>
+            </a:r>
+          </a:p>
+          <a:p>
+            <a:pPr marL="0" indent="0">
+              <a:buNone/>
+            </a:pPr>
+            <a:r>
+              <a:rPr lang="en-US" dirty="0"/>
+              <a:t>RMSE : 17.0352177771</a:t>
+            </a:r>
+          </a:p>
+          <a:p>
+            <a:pPr marL="0" indent="0">
+              <a:buNone/>
+            </a:pPr>
+            <a:r>
+              <a:rPr lang="en-US" dirty="0"/>
+              <a:t>ABS:   11.0595509957</a:t>
+            </a:r>
+          </a:p>
+          <a:p>
+            <a:pPr marL="0" indent="0">
+              <a:buNone/>
+            </a:pPr>
+            <a:endParaRPr lang="en-US" dirty="0"/>
+          </a:p>
+          <a:p>
+            <a:pPr marL="0" indent="0">
+              <a:buNone/>
+            </a:pPr>
+            <a:r>
+              <a:rPr lang="en-US" dirty="0"/>
+              <a:t>Null Score using average lengths of procedures:</a:t>
+            </a:r>
+          </a:p>
+          <a:p>
+            <a:pPr marL="0" indent="0">
+              <a:buNone/>
+            </a:pPr>
+            <a:r>
+              <a:rPr lang="en-US" dirty="0"/>
+              <a:t>RMSE: 10.234851065</a:t>
+            </a:r>
+          </a:p>
+          <a:p>
+            <a:pPr marL="0" indent="0">
+              <a:buNone/>
+            </a:pPr>
+            <a:r>
+              <a:rPr lang="en-US" dirty="0"/>
+              <a:t>ABS: 6.62104695097 </a:t>
+            </a:r>
+          </a:p>
+          <a:p>
+            <a:pPr marL="0" indent="0">
+              <a:buNone/>
+            </a:pPr>
+            <a:endParaRPr lang="en-US" dirty="0"/>
+          </a:p>
+          <a:p>
+            <a:pPr marL="0" indent="0">
+              <a:buNone/>
+            </a:pPr>
+            <a:endParaRPr lang="en-US" dirty="0"/>
+          </a:p>
+        </p:txBody>
+      </p:sp>
+    </p:spTree>
+    <p:extLst>
+      <p:ext uri="{BB962C8B-B14F-4D97-AF65-F5344CB8AC3E}">
+        <p14:creationId xmlns:p14="http://schemas.microsoft.com/office/powerpoint/2010/main" val="522856598"/>
       </p:ext>
     </p:extLst>
   </p:cSld>

--- a/JVK-HOS Project/PREDICTING _PROCEDURE _TIMES.pptx
+++ b/JVK-HOS Project/PREDICTING _PROCEDURE _TIMES.pptx
@@ -2,7 +2,7 @@
 <file path=ppt/presentation.xml><?xml version="1.0" encoding="utf-8"?>
 <p:presentation xmlns:a="http://schemas.openxmlformats.org/drawingml/2006/main" xmlns:r="http://schemas.openxmlformats.org/officeDocument/2006/relationships" xmlns:p="http://schemas.openxmlformats.org/presentationml/2006/main" saveSubsetFonts="1">
   <p:sldMasterIdLst>
-    <p:sldMasterId id="2147483648" r:id="rId1"/>
+    <p:sldMasterId id="2147483866" r:id="rId1"/>
   </p:sldMasterIdLst>
   <p:sldIdLst>
     <p:sldId id="256" r:id="rId2"/>
@@ -10,14 +10,25 @@
     <p:sldId id="266" r:id="rId4"/>
     <p:sldId id="259" r:id="rId5"/>
     <p:sldId id="258" r:id="rId6"/>
-    <p:sldId id="261" r:id="rId7"/>
+    <p:sldId id="276" r:id="rId7"/>
     <p:sldId id="263" r:id="rId8"/>
-    <p:sldId id="265" r:id="rId9"/>
-    <p:sldId id="262" r:id="rId10"/>
-    <p:sldId id="264" r:id="rId11"/>
-    <p:sldId id="267" r:id="rId12"/>
-    <p:sldId id="268" r:id="rId13"/>
-    <p:sldId id="269" r:id="rId14"/>
+    <p:sldId id="278" r:id="rId9"/>
+    <p:sldId id="277" r:id="rId10"/>
+    <p:sldId id="265" r:id="rId11"/>
+    <p:sldId id="281" r:id="rId12"/>
+    <p:sldId id="279" r:id="rId13"/>
+    <p:sldId id="262" r:id="rId14"/>
+    <p:sldId id="275" r:id="rId15"/>
+    <p:sldId id="268" r:id="rId16"/>
+    <p:sldId id="283" r:id="rId17"/>
+    <p:sldId id="284" r:id="rId18"/>
+    <p:sldId id="272" r:id="rId19"/>
+    <p:sldId id="273" r:id="rId20"/>
+    <p:sldId id="274" r:id="rId21"/>
+    <p:sldId id="285" r:id="rId22"/>
+    <p:sldId id="270" r:id="rId23"/>
+    <p:sldId id="282" r:id="rId24"/>
+    <p:sldId id="286" r:id="rId25"/>
   </p:sldIdLst>
   <p:sldSz cx="12192000" cy="6858000"/>
   <p:notesSz cx="6858000" cy="9144000"/>
@@ -25,7 +36,7 @@
     <a:defPPr>
       <a:defRPr lang="en-US"/>
     </a:defPPr>
-    <a:lvl1pPr marL="0" algn="l" defTabSz="914400" rtl="0" eaLnBrk="1" latinLnBrk="0" hangingPunct="1">
+    <a:lvl1pPr marL="0" algn="l" defTabSz="457200" rtl="0" eaLnBrk="1" latinLnBrk="0" hangingPunct="1">
       <a:defRPr sz="1800" kern="1200">
         <a:solidFill>
           <a:schemeClr val="tx1"/>
@@ -35,7 +46,7 @@
         <a:cs typeface="+mn-cs"/>
       </a:defRPr>
     </a:lvl1pPr>
-    <a:lvl2pPr marL="457200" algn="l" defTabSz="914400" rtl="0" eaLnBrk="1" latinLnBrk="0" hangingPunct="1">
+    <a:lvl2pPr marL="457200" algn="l" defTabSz="457200" rtl="0" eaLnBrk="1" latinLnBrk="0" hangingPunct="1">
       <a:defRPr sz="1800" kern="1200">
         <a:solidFill>
           <a:schemeClr val="tx1"/>
@@ -45,7 +56,7 @@
         <a:cs typeface="+mn-cs"/>
       </a:defRPr>
     </a:lvl2pPr>
-    <a:lvl3pPr marL="914400" algn="l" defTabSz="914400" rtl="0" eaLnBrk="1" latinLnBrk="0" hangingPunct="1">
+    <a:lvl3pPr marL="914400" algn="l" defTabSz="457200" rtl="0" eaLnBrk="1" latinLnBrk="0" hangingPunct="1">
       <a:defRPr sz="1800" kern="1200">
         <a:solidFill>
           <a:schemeClr val="tx1"/>
@@ -55,7 +66,7 @@
         <a:cs typeface="+mn-cs"/>
       </a:defRPr>
     </a:lvl3pPr>
-    <a:lvl4pPr marL="1371600" algn="l" defTabSz="914400" rtl="0" eaLnBrk="1" latinLnBrk="0" hangingPunct="1">
+    <a:lvl4pPr marL="1371600" algn="l" defTabSz="457200" rtl="0" eaLnBrk="1" latinLnBrk="0" hangingPunct="1">
       <a:defRPr sz="1800" kern="1200">
         <a:solidFill>
           <a:schemeClr val="tx1"/>
@@ -65,7 +76,7 @@
         <a:cs typeface="+mn-cs"/>
       </a:defRPr>
     </a:lvl4pPr>
-    <a:lvl5pPr marL="1828800" algn="l" defTabSz="914400" rtl="0" eaLnBrk="1" latinLnBrk="0" hangingPunct="1">
+    <a:lvl5pPr marL="1828800" algn="l" defTabSz="457200" rtl="0" eaLnBrk="1" latinLnBrk="0" hangingPunct="1">
       <a:defRPr sz="1800" kern="1200">
         <a:solidFill>
           <a:schemeClr val="tx1"/>
@@ -75,7 +86,7 @@
         <a:cs typeface="+mn-cs"/>
       </a:defRPr>
     </a:lvl5pPr>
-    <a:lvl6pPr marL="2286000" algn="l" defTabSz="914400" rtl="0" eaLnBrk="1" latinLnBrk="0" hangingPunct="1">
+    <a:lvl6pPr marL="2286000" algn="l" defTabSz="457200" rtl="0" eaLnBrk="1" latinLnBrk="0" hangingPunct="1">
       <a:defRPr sz="1800" kern="1200">
         <a:solidFill>
           <a:schemeClr val="tx1"/>
@@ -85,7 +96,7 @@
         <a:cs typeface="+mn-cs"/>
       </a:defRPr>
     </a:lvl6pPr>
-    <a:lvl7pPr marL="2743200" algn="l" defTabSz="914400" rtl="0" eaLnBrk="1" latinLnBrk="0" hangingPunct="1">
+    <a:lvl7pPr marL="2743200" algn="l" defTabSz="457200" rtl="0" eaLnBrk="1" latinLnBrk="0" hangingPunct="1">
       <a:defRPr sz="1800" kern="1200">
         <a:solidFill>
           <a:schemeClr val="tx1"/>
@@ -95,7 +106,7 @@
         <a:cs typeface="+mn-cs"/>
       </a:defRPr>
     </a:lvl7pPr>
-    <a:lvl8pPr marL="3200400" algn="l" defTabSz="914400" rtl="0" eaLnBrk="1" latinLnBrk="0" hangingPunct="1">
+    <a:lvl8pPr marL="3200400" algn="l" defTabSz="457200" rtl="0" eaLnBrk="1" latinLnBrk="0" hangingPunct="1">
       <a:defRPr sz="1800" kern="1200">
         <a:solidFill>
           <a:schemeClr val="tx1"/>
@@ -105,7 +116,7 @@
         <a:cs typeface="+mn-cs"/>
       </a:defRPr>
     </a:lvl8pPr>
-    <a:lvl9pPr marL="3657600" algn="l" defTabSz="914400" rtl="0" eaLnBrk="1" latinLnBrk="0" hangingPunct="1">
+    <a:lvl9pPr marL="3657600" algn="l" defTabSz="457200" rtl="0" eaLnBrk="1" latinLnBrk="0" hangingPunct="1">
       <a:defRPr sz="1800" kern="1200">
         <a:solidFill>
           <a:schemeClr val="tx1"/>
@@ -125,7 +136,7 @@
 </file>
 
 <file path=ppt/slideLayouts/slideLayout1.xml><?xml version="1.0" encoding="utf-8"?>
-<p:sldLayout xmlns:a="http://schemas.openxmlformats.org/drawingml/2006/main" xmlns:r="http://schemas.openxmlformats.org/officeDocument/2006/relationships" xmlns:p="http://schemas.openxmlformats.org/presentationml/2006/main" type="title" preserve="1">
+<p:sldLayout xmlns:a="http://schemas.openxmlformats.org/drawingml/2006/main" xmlns:r="http://schemas.openxmlformats.org/officeDocument/2006/relationships" xmlns:p="http://schemas.openxmlformats.org/presentationml/2006/main" showMasterSp="0" type="title" preserve="1">
   <p:cSld name="Title Slide">
     <p:spTree>
       <p:nvGrpSpPr>
@@ -143,6 +154,82 @@
       </p:grpSpPr>
       <p:sp>
         <p:nvSpPr>
+          <p:cNvPr id="7" name="Rectangle 6"/>
+          <p:cNvSpPr/>
+          <p:nvPr/>
+        </p:nvSpPr>
+        <p:spPr>
+          <a:xfrm>
+            <a:off x="3175" y="6400800"/>
+            <a:ext cx="12188825" cy="457200"/>
+          </a:xfrm>
+          <a:prstGeom prst="rect">
+            <a:avLst/>
+          </a:prstGeom>
+          <a:solidFill>
+            <a:schemeClr val="accent2"/>
+          </a:solidFill>
+          <a:ln>
+            <a:noFill/>
+          </a:ln>
+        </p:spPr>
+        <p:style>
+          <a:lnRef idx="2">
+            <a:schemeClr val="accent1">
+              <a:shade val="50000"/>
+            </a:schemeClr>
+          </a:lnRef>
+          <a:fillRef idx="1">
+            <a:schemeClr val="accent1"/>
+          </a:fillRef>
+          <a:effectRef idx="0">
+            <a:schemeClr val="accent1"/>
+          </a:effectRef>
+          <a:fontRef idx="minor">
+            <a:schemeClr val="lt1"/>
+          </a:fontRef>
+        </p:style>
+      </p:sp>
+      <p:sp>
+        <p:nvSpPr>
+          <p:cNvPr id="8" name="Rectangle 7"/>
+          <p:cNvSpPr/>
+          <p:nvPr/>
+        </p:nvSpPr>
+        <p:spPr>
+          <a:xfrm>
+            <a:off x="15" y="6334316"/>
+            <a:ext cx="12188825" cy="64008"/>
+          </a:xfrm>
+          <a:prstGeom prst="rect">
+            <a:avLst/>
+          </a:prstGeom>
+          <a:solidFill>
+            <a:schemeClr val="accent1"/>
+          </a:solidFill>
+          <a:ln>
+            <a:noFill/>
+          </a:ln>
+        </p:spPr>
+        <p:style>
+          <a:lnRef idx="2">
+            <a:schemeClr val="accent1">
+              <a:shade val="50000"/>
+            </a:schemeClr>
+          </a:lnRef>
+          <a:fillRef idx="1">
+            <a:schemeClr val="accent1"/>
+          </a:fillRef>
+          <a:effectRef idx="0">
+            <a:schemeClr val="accent1"/>
+          </a:effectRef>
+          <a:fontRef idx="minor">
+            <a:schemeClr val="lt1"/>
+          </a:fontRef>
+        </p:style>
+      </p:sp>
+      <p:sp>
+        <p:nvSpPr>
           <p:cNvPr id="2" name="Title 1"/>
           <p:cNvSpPr>
             <a:spLocks noGrp="1"/>
@@ -153,15 +240,27 @@
         </p:nvSpPr>
         <p:spPr>
           <a:xfrm>
-            <a:off x="1524000" y="1122363"/>
-            <a:ext cx="9144000" cy="2387600"/>
-          </a:xfrm>
-        </p:spPr>
-        <p:txBody>
-          <a:bodyPr anchor="b"/>
+            <a:off x="1097280" y="758952"/>
+            <a:ext cx="10058400" cy="3566160"/>
+          </a:xfrm>
+        </p:spPr>
+        <p:txBody>
+          <a:bodyPr anchor="b">
+            <a:normAutofit/>
+          </a:bodyPr>
           <a:lstStyle>
-            <a:lvl1pPr algn="ctr">
-              <a:defRPr sz="6000"/>
+            <a:lvl1pPr algn="l">
+              <a:lnSpc>
+                <a:spcPct val="85000"/>
+              </a:lnSpc>
+              <a:defRPr sz="8000" spc="-50" baseline="0">
+                <a:solidFill>
+                  <a:schemeClr val="tx1">
+                    <a:lumMod val="85000"/>
+                    <a:lumOff val="15000"/>
+                  </a:schemeClr>
+                </a:solidFill>
+              </a:defRPr>
             </a:lvl1pPr>
           </a:lstStyle>
           <a:p>
@@ -169,6 +268,7 @@
               <a:rPr lang="en-US"/>
               <a:t>Click to edit Master title style</a:t>
             </a:r>
+            <a:endParaRPr lang="en-US" dirty="0"/>
           </a:p>
         </p:txBody>
       </p:sp>
@@ -184,48 +284,55 @@
         </p:nvSpPr>
         <p:spPr>
           <a:xfrm>
-            <a:off x="1524000" y="3602038"/>
-            <a:ext cx="9144000" cy="1655762"/>
-          </a:xfrm>
-        </p:spPr>
-        <p:txBody>
-          <a:bodyPr/>
+            <a:off x="1100051" y="4455621"/>
+            <a:ext cx="10058400" cy="1143000"/>
+          </a:xfrm>
+        </p:spPr>
+        <p:txBody>
+          <a:bodyPr lIns="91440" rIns="91440">
+            <a:normAutofit/>
+          </a:bodyPr>
           <a:lstStyle>
-            <a:lvl1pPr marL="0" indent="0" algn="ctr">
-              <a:buNone/>
-              <a:defRPr sz="2400"/>
+            <a:lvl1pPr marL="0" indent="0" algn="l">
+              <a:buNone/>
+              <a:defRPr sz="2400" cap="all" spc="200" baseline="0">
+                <a:solidFill>
+                  <a:schemeClr val="tx2"/>
+                </a:solidFill>
+                <a:latin typeface="+mj-lt"/>
+              </a:defRPr>
             </a:lvl1pPr>
             <a:lvl2pPr marL="457200" indent="0" algn="ctr">
               <a:buNone/>
-              <a:defRPr sz="2000"/>
+              <a:defRPr sz="2400"/>
             </a:lvl2pPr>
             <a:lvl3pPr marL="914400" indent="0" algn="ctr">
               <a:buNone/>
-              <a:defRPr sz="1800"/>
+              <a:defRPr sz="2400"/>
             </a:lvl3pPr>
             <a:lvl4pPr marL="1371600" indent="0" algn="ctr">
               <a:buNone/>
-              <a:defRPr sz="1600"/>
+              <a:defRPr sz="2000"/>
             </a:lvl4pPr>
             <a:lvl5pPr marL="1828800" indent="0" algn="ctr">
               <a:buNone/>
-              <a:defRPr sz="1600"/>
+              <a:defRPr sz="2000"/>
             </a:lvl5pPr>
             <a:lvl6pPr marL="2286000" indent="0" algn="ctr">
               <a:buNone/>
-              <a:defRPr sz="1600"/>
+              <a:defRPr sz="2000"/>
             </a:lvl6pPr>
             <a:lvl7pPr marL="2743200" indent="0" algn="ctr">
               <a:buNone/>
-              <a:defRPr sz="1600"/>
+              <a:defRPr sz="2000"/>
             </a:lvl7pPr>
             <a:lvl8pPr marL="3200400" indent="0" algn="ctr">
               <a:buNone/>
-              <a:defRPr sz="1600"/>
+              <a:defRPr sz="2000"/>
             </a:lvl8pPr>
             <a:lvl9pPr marL="3657600" indent="0" algn="ctr">
               <a:buNone/>
-              <a:defRPr sz="1600"/>
+              <a:defRPr sz="2000"/>
             </a:lvl9pPr>
           </a:lstStyle>
           <a:p>
@@ -233,6 +340,7 @@
               <a:rPr lang="en-US"/>
               <a:t>Click to edit Master subtitle style</a:t>
             </a:r>
+            <a:endParaRPr lang="en-US" dirty="0"/>
           </a:p>
         </p:txBody>
       </p:sp>
@@ -253,7 +361,7 @@
           <a:p>
             <a:fld id="{8E782B7B-5ADA-4838-B531-EF3ABBE6980E}" type="datetimeFigureOut">
               <a:rPr lang="en-US" smtClean="0"/>
-              <a:t>12/5/2016</a:t>
+              <a:t>12/13/2016</a:t>
             </a:fld>
             <a:endParaRPr lang="en-US"/>
           </a:p>
@@ -301,10 +409,48 @@
           </a:p>
         </p:txBody>
       </p:sp>
+      <p:cxnSp>
+        <p:nvCxnSpPr>
+          <p:cNvPr id="9" name="Straight Connector 8"/>
+          <p:cNvCxnSpPr/>
+          <p:nvPr/>
+        </p:nvCxnSpPr>
+        <p:spPr>
+          <a:xfrm>
+            <a:off x="1207658" y="4343400"/>
+            <a:ext cx="9875520" cy="0"/>
+          </a:xfrm>
+          <a:prstGeom prst="line">
+            <a:avLst/>
+          </a:prstGeom>
+          <a:ln w="6350">
+            <a:solidFill>
+              <a:schemeClr val="tx1">
+                <a:lumMod val="50000"/>
+                <a:lumOff val="50000"/>
+              </a:schemeClr>
+            </a:solidFill>
+          </a:ln>
+        </p:spPr>
+        <p:style>
+          <a:lnRef idx="1">
+            <a:schemeClr val="accent1"/>
+          </a:lnRef>
+          <a:fillRef idx="0">
+            <a:schemeClr val="accent1"/>
+          </a:fillRef>
+          <a:effectRef idx="0">
+            <a:schemeClr val="accent1"/>
+          </a:effectRef>
+          <a:fontRef idx="minor">
+            <a:schemeClr val="tx1"/>
+          </a:fontRef>
+        </p:style>
+      </p:cxnSp>
     </p:spTree>
     <p:extLst>
       <p:ext uri="{BB962C8B-B14F-4D97-AF65-F5344CB8AC3E}">
-        <p14:creationId xmlns:p14="http://schemas.microsoft.com/office/powerpoint/2010/main" val="694685753"/>
+        <p14:creationId xmlns:p14="http://schemas.microsoft.com/office/powerpoint/2010/main" val="4101549274"/>
       </p:ext>
     </p:extLst>
   </p:cSld>
@@ -350,6 +496,7 @@
               <a:rPr lang="en-US"/>
               <a:t>Click to edit Master title style</a:t>
             </a:r>
+            <a:endParaRPr lang="en-US" dirty="0"/>
           </a:p>
         </p:txBody>
       </p:sp>
@@ -365,7 +512,7 @@
         </p:nvSpPr>
         <p:spPr/>
         <p:txBody>
-          <a:bodyPr vert="eaVert"/>
+          <a:bodyPr vert="eaVert" lIns="45720" tIns="0" rIns="45720" bIns="0"/>
           <a:lstStyle/>
           <a:p>
             <a:pPr lvl="0"/>
@@ -401,6 +548,7 @@
               <a:rPr lang="en-US"/>
               <a:t>Fifth level</a:t>
             </a:r>
+            <a:endParaRPr lang="en-US" dirty="0"/>
           </a:p>
         </p:txBody>
       </p:sp>
@@ -421,7 +569,7 @@
           <a:p>
             <a:fld id="{8E782B7B-5ADA-4838-B531-EF3ABBE6980E}" type="datetimeFigureOut">
               <a:rPr lang="en-US" smtClean="0"/>
-              <a:t>12/5/2016</a:t>
+              <a:t>12/13/2016</a:t>
             </a:fld>
             <a:endParaRPr lang="en-US"/>
           </a:p>
@@ -472,7 +620,7 @@
     </p:spTree>
     <p:extLst>
       <p:ext uri="{BB962C8B-B14F-4D97-AF65-F5344CB8AC3E}">
-        <p14:creationId xmlns:p14="http://schemas.microsoft.com/office/powerpoint/2010/main" val="2409640679"/>
+        <p14:creationId xmlns:p14="http://schemas.microsoft.com/office/powerpoint/2010/main" val="895536092"/>
       </p:ext>
     </p:extLst>
   </p:cSld>
@@ -483,7 +631,7 @@
 </file>
 
 <file path=ppt/slideLayouts/slideLayout11.xml><?xml version="1.0" encoding="utf-8"?>
-<p:sldLayout xmlns:a="http://schemas.openxmlformats.org/drawingml/2006/main" xmlns:r="http://schemas.openxmlformats.org/officeDocument/2006/relationships" xmlns:p="http://schemas.openxmlformats.org/presentationml/2006/main" type="vertTitleAndTx" preserve="1">
+<p:sldLayout xmlns:a="http://schemas.openxmlformats.org/drawingml/2006/main" xmlns:r="http://schemas.openxmlformats.org/officeDocument/2006/relationships" xmlns:p="http://schemas.openxmlformats.org/presentationml/2006/main" showMasterSp="0" type="vertTitleAndTx" preserve="1">
   <p:cSld name="Vertical Title and Text">
     <p:spTree>
       <p:nvGrpSpPr>
@@ -501,6 +649,82 @@
       </p:grpSpPr>
       <p:sp>
         <p:nvSpPr>
+          <p:cNvPr id="7" name="Rectangle 6"/>
+          <p:cNvSpPr/>
+          <p:nvPr/>
+        </p:nvSpPr>
+        <p:spPr>
+          <a:xfrm>
+            <a:off x="3175" y="6400800"/>
+            <a:ext cx="12188825" cy="457200"/>
+          </a:xfrm>
+          <a:prstGeom prst="rect">
+            <a:avLst/>
+          </a:prstGeom>
+          <a:solidFill>
+            <a:schemeClr val="accent2"/>
+          </a:solidFill>
+          <a:ln>
+            <a:noFill/>
+          </a:ln>
+        </p:spPr>
+        <p:style>
+          <a:lnRef idx="2">
+            <a:schemeClr val="accent1">
+              <a:shade val="50000"/>
+            </a:schemeClr>
+          </a:lnRef>
+          <a:fillRef idx="1">
+            <a:schemeClr val="accent1"/>
+          </a:fillRef>
+          <a:effectRef idx="0">
+            <a:schemeClr val="accent1"/>
+          </a:effectRef>
+          <a:fontRef idx="minor">
+            <a:schemeClr val="lt1"/>
+          </a:fontRef>
+        </p:style>
+      </p:sp>
+      <p:sp>
+        <p:nvSpPr>
+          <p:cNvPr id="8" name="Rectangle 7"/>
+          <p:cNvSpPr/>
+          <p:nvPr/>
+        </p:nvSpPr>
+        <p:spPr>
+          <a:xfrm>
+            <a:off x="15" y="6334316"/>
+            <a:ext cx="12188825" cy="64008"/>
+          </a:xfrm>
+          <a:prstGeom prst="rect">
+            <a:avLst/>
+          </a:prstGeom>
+          <a:solidFill>
+            <a:schemeClr val="accent1"/>
+          </a:solidFill>
+          <a:ln>
+            <a:noFill/>
+          </a:ln>
+        </p:spPr>
+        <p:style>
+          <a:lnRef idx="2">
+            <a:schemeClr val="accent1">
+              <a:shade val="50000"/>
+            </a:schemeClr>
+          </a:lnRef>
+          <a:fillRef idx="1">
+            <a:schemeClr val="accent1"/>
+          </a:fillRef>
+          <a:effectRef idx="0">
+            <a:schemeClr val="accent1"/>
+          </a:effectRef>
+          <a:fontRef idx="minor">
+            <a:schemeClr val="lt1"/>
+          </a:fontRef>
+        </p:style>
+      </p:sp>
+      <p:sp>
+        <p:nvSpPr>
           <p:cNvPr id="2" name="Vertical Title 1"/>
           <p:cNvSpPr>
             <a:spLocks noGrp="1"/>
@@ -511,8 +735,8 @@
         </p:nvSpPr>
         <p:spPr>
           <a:xfrm>
-            <a:off x="8724900" y="365125"/>
-            <a:ext cx="2628900" cy="5811838"/>
+            <a:off x="8724900" y="412302"/>
+            <a:ext cx="2628900" cy="5759898"/>
           </a:xfrm>
         </p:spPr>
         <p:txBody>
@@ -523,6 +747,7 @@
               <a:rPr lang="en-US"/>
               <a:t>Click to edit Master title style</a:t>
             </a:r>
+            <a:endParaRPr lang="en-US" dirty="0"/>
           </a:p>
         </p:txBody>
       </p:sp>
@@ -538,12 +763,12 @@
         </p:nvSpPr>
         <p:spPr>
           <a:xfrm>
-            <a:off x="838200" y="365125"/>
-            <a:ext cx="7734300" cy="5811838"/>
-          </a:xfrm>
-        </p:spPr>
-        <p:txBody>
-          <a:bodyPr vert="eaVert"/>
+            <a:off x="838200" y="412302"/>
+            <a:ext cx="7734300" cy="5759898"/>
+          </a:xfrm>
+        </p:spPr>
+        <p:txBody>
+          <a:bodyPr vert="eaVert" lIns="45720" tIns="0" rIns="45720" bIns="0"/>
           <a:lstStyle/>
           <a:p>
             <a:pPr lvl="0"/>
@@ -579,6 +804,7 @@
               <a:rPr lang="en-US"/>
               <a:t>Fifth level</a:t>
             </a:r>
+            <a:endParaRPr lang="en-US" dirty="0"/>
           </a:p>
         </p:txBody>
       </p:sp>
@@ -599,7 +825,7 @@
           <a:p>
             <a:fld id="{8E782B7B-5ADA-4838-B531-EF3ABBE6980E}" type="datetimeFigureOut">
               <a:rPr lang="en-US" smtClean="0"/>
-              <a:t>12/5/2016</a:t>
+              <a:t>12/13/2016</a:t>
             </a:fld>
             <a:endParaRPr lang="en-US"/>
           </a:p>
@@ -650,7 +876,7 @@
     </p:spTree>
     <p:extLst>
       <p:ext uri="{BB962C8B-B14F-4D97-AF65-F5344CB8AC3E}">
-        <p14:creationId xmlns:p14="http://schemas.microsoft.com/office/powerpoint/2010/main" val="3452778891"/>
+        <p14:creationId xmlns:p14="http://schemas.microsoft.com/office/powerpoint/2010/main" val="4214451296"/>
       </p:ext>
     </p:extLst>
   </p:cSld>
@@ -696,6 +922,7 @@
               <a:rPr lang="en-US"/>
               <a:t>Click to edit Master title style</a:t>
             </a:r>
+            <a:endParaRPr lang="en-US" dirty="0"/>
           </a:p>
         </p:txBody>
       </p:sp>
@@ -747,6 +974,7 @@
               <a:rPr lang="en-US"/>
               <a:t>Fifth level</a:t>
             </a:r>
+            <a:endParaRPr lang="en-US" dirty="0"/>
           </a:p>
         </p:txBody>
       </p:sp>
@@ -767,7 +995,7 @@
           <a:p>
             <a:fld id="{8E782B7B-5ADA-4838-B531-EF3ABBE6980E}" type="datetimeFigureOut">
               <a:rPr lang="en-US" smtClean="0"/>
-              <a:t>12/5/2016</a:t>
+              <a:t>12/13/2016</a:t>
             </a:fld>
             <a:endParaRPr lang="en-US"/>
           </a:p>
@@ -818,7 +1046,7 @@
     </p:spTree>
     <p:extLst>
       <p:ext uri="{BB962C8B-B14F-4D97-AF65-F5344CB8AC3E}">
-        <p14:creationId xmlns:p14="http://schemas.microsoft.com/office/powerpoint/2010/main" val="2465723661"/>
+        <p14:creationId xmlns:p14="http://schemas.microsoft.com/office/powerpoint/2010/main" val="1867577294"/>
       </p:ext>
     </p:extLst>
   </p:cSld>
@@ -829,8 +1057,16 @@
 </file>
 
 <file path=ppt/slideLayouts/slideLayout3.xml><?xml version="1.0" encoding="utf-8"?>
-<p:sldLayout xmlns:a="http://schemas.openxmlformats.org/drawingml/2006/main" xmlns:r="http://schemas.openxmlformats.org/officeDocument/2006/relationships" xmlns:p="http://schemas.openxmlformats.org/presentationml/2006/main" type="secHead" preserve="1">
+<p:sldLayout xmlns:a="http://schemas.openxmlformats.org/drawingml/2006/main" xmlns:r="http://schemas.openxmlformats.org/officeDocument/2006/relationships" xmlns:p="http://schemas.openxmlformats.org/presentationml/2006/main" showMasterSp="0" type="secHead" preserve="1">
   <p:cSld name="Section Header">
+    <p:bg>
+      <p:bgPr>
+        <a:solidFill>
+          <a:schemeClr val="bg1"/>
+        </a:solidFill>
+        <a:effectLst/>
+      </p:bgPr>
+    </p:bg>
     <p:spTree>
       <p:nvGrpSpPr>
         <p:cNvPr id="1" name=""/>
@@ -847,6 +1083,82 @@
       </p:grpSpPr>
       <p:sp>
         <p:nvSpPr>
+          <p:cNvPr id="7" name="Rectangle 6"/>
+          <p:cNvSpPr/>
+          <p:nvPr/>
+        </p:nvSpPr>
+        <p:spPr>
+          <a:xfrm>
+            <a:off x="3175" y="6400800"/>
+            <a:ext cx="12188825" cy="457200"/>
+          </a:xfrm>
+          <a:prstGeom prst="rect">
+            <a:avLst/>
+          </a:prstGeom>
+          <a:solidFill>
+            <a:schemeClr val="accent2"/>
+          </a:solidFill>
+          <a:ln>
+            <a:noFill/>
+          </a:ln>
+        </p:spPr>
+        <p:style>
+          <a:lnRef idx="2">
+            <a:schemeClr val="accent1">
+              <a:shade val="50000"/>
+            </a:schemeClr>
+          </a:lnRef>
+          <a:fillRef idx="1">
+            <a:schemeClr val="accent1"/>
+          </a:fillRef>
+          <a:effectRef idx="0">
+            <a:schemeClr val="accent1"/>
+          </a:effectRef>
+          <a:fontRef idx="minor">
+            <a:schemeClr val="lt1"/>
+          </a:fontRef>
+        </p:style>
+      </p:sp>
+      <p:sp>
+        <p:nvSpPr>
+          <p:cNvPr id="8" name="Rectangle 7"/>
+          <p:cNvSpPr/>
+          <p:nvPr/>
+        </p:nvSpPr>
+        <p:spPr>
+          <a:xfrm>
+            <a:off x="15" y="6334316"/>
+            <a:ext cx="12188825" cy="64008"/>
+          </a:xfrm>
+          <a:prstGeom prst="rect">
+            <a:avLst/>
+          </a:prstGeom>
+          <a:solidFill>
+            <a:schemeClr val="accent1"/>
+          </a:solidFill>
+          <a:ln>
+            <a:noFill/>
+          </a:ln>
+        </p:spPr>
+        <p:style>
+          <a:lnRef idx="2">
+            <a:schemeClr val="accent1">
+              <a:shade val="50000"/>
+            </a:schemeClr>
+          </a:lnRef>
+          <a:fillRef idx="1">
+            <a:schemeClr val="accent1"/>
+          </a:fillRef>
+          <a:effectRef idx="0">
+            <a:schemeClr val="accent1"/>
+          </a:effectRef>
+          <a:fontRef idx="minor">
+            <a:schemeClr val="lt1"/>
+          </a:fontRef>
+        </p:style>
+      </p:sp>
+      <p:sp>
+        <p:nvSpPr>
           <p:cNvPr id="2" name="Title 1"/>
           <p:cNvSpPr>
             <a:spLocks noGrp="1"/>
@@ -857,57 +1169,71 @@
         </p:nvSpPr>
         <p:spPr>
           <a:xfrm>
-            <a:off x="831850" y="1709738"/>
-            <a:ext cx="10515600" cy="2852737"/>
-          </a:xfrm>
-        </p:spPr>
-        <p:txBody>
-          <a:bodyPr anchor="b"/>
+            <a:off x="1097280" y="758952"/>
+            <a:ext cx="10058400" cy="3566160"/>
+          </a:xfrm>
+        </p:spPr>
+        <p:txBody>
+          <a:bodyPr anchor="b" anchorCtr="0">
+            <a:normAutofit/>
+          </a:bodyPr>
           <a:lstStyle>
             <a:lvl1pPr>
-              <a:defRPr sz="6000"/>
-            </a:lvl1pPr>
-          </a:lstStyle>
-          <a:p>
-            <a:r>
-              <a:rPr lang="en-US"/>
-              <a:t>Click to edit Master title style</a:t>
-            </a:r>
-          </a:p>
-        </p:txBody>
-      </p:sp>
-      <p:sp>
-        <p:nvSpPr>
-          <p:cNvPr id="3" name="Text Placeholder 2"/>
-          <p:cNvSpPr>
-            <a:spLocks noGrp="1"/>
-          </p:cNvSpPr>
-          <p:nvPr>
-            <p:ph type="body" idx="1"/>
-          </p:nvPr>
-        </p:nvSpPr>
-        <p:spPr>
-          <a:xfrm>
-            <a:off x="831850" y="4589463"/>
-            <a:ext cx="10515600" cy="1500187"/>
-          </a:xfrm>
-        </p:spPr>
-        <p:txBody>
-          <a:bodyPr/>
-          <a:lstStyle>
-            <a:lvl1pPr marL="0" indent="0">
-              <a:buNone/>
-              <a:defRPr sz="2400">
+              <a:lnSpc>
+                <a:spcPct val="85000"/>
+              </a:lnSpc>
+              <a:defRPr sz="8000" b="0">
                 <a:solidFill>
                   <a:schemeClr val="tx1">
-                    <a:tint val="75000"/>
+                    <a:lumMod val="85000"/>
+                    <a:lumOff val="15000"/>
                   </a:schemeClr>
                 </a:solidFill>
               </a:defRPr>
             </a:lvl1pPr>
+          </a:lstStyle>
+          <a:p>
+            <a:r>
+              <a:rPr lang="en-US"/>
+              <a:t>Click to edit Master title style</a:t>
+            </a:r>
+            <a:endParaRPr lang="en-US" dirty="0"/>
+          </a:p>
+        </p:txBody>
+      </p:sp>
+      <p:sp>
+        <p:nvSpPr>
+          <p:cNvPr id="3" name="Text Placeholder 2"/>
+          <p:cNvSpPr>
+            <a:spLocks noGrp="1"/>
+          </p:cNvSpPr>
+          <p:nvPr>
+            <p:ph type="body" idx="1"/>
+          </p:nvPr>
+        </p:nvSpPr>
+        <p:spPr>
+          <a:xfrm>
+            <a:off x="1097280" y="4453128"/>
+            <a:ext cx="10058400" cy="1143000"/>
+          </a:xfrm>
+        </p:spPr>
+        <p:txBody>
+          <a:bodyPr lIns="91440" rIns="91440" anchor="t" anchorCtr="0">
+            <a:normAutofit/>
+          </a:bodyPr>
+          <a:lstStyle>
+            <a:lvl1pPr marL="0" indent="0">
+              <a:buNone/>
+              <a:defRPr sz="2400" cap="all" spc="200" baseline="0">
+                <a:solidFill>
+                  <a:schemeClr val="tx2"/>
+                </a:solidFill>
+                <a:latin typeface="+mj-lt"/>
+              </a:defRPr>
+            </a:lvl1pPr>
             <a:lvl2pPr marL="457200" indent="0">
               <a:buNone/>
-              <a:defRPr sz="2000">
+              <a:defRPr sz="1800">
                 <a:solidFill>
                   <a:schemeClr val="tx1">
                     <a:tint val="75000"/>
@@ -917,7 +1243,7 @@
             </a:lvl2pPr>
             <a:lvl3pPr marL="914400" indent="0">
               <a:buNone/>
-              <a:defRPr sz="1800">
+              <a:defRPr sz="1600">
                 <a:solidFill>
                   <a:schemeClr val="tx1">
                     <a:tint val="75000"/>
@@ -927,7 +1253,7 @@
             </a:lvl3pPr>
             <a:lvl4pPr marL="1371600" indent="0">
               <a:buNone/>
-              <a:defRPr sz="1600">
+              <a:defRPr sz="1400">
                 <a:solidFill>
                   <a:schemeClr val="tx1">
                     <a:tint val="75000"/>
@@ -937,7 +1263,7 @@
             </a:lvl4pPr>
             <a:lvl5pPr marL="1828800" indent="0">
               <a:buNone/>
-              <a:defRPr sz="1600">
+              <a:defRPr sz="1400">
                 <a:solidFill>
                   <a:schemeClr val="tx1">
                     <a:tint val="75000"/>
@@ -947,7 +1273,7 @@
             </a:lvl5pPr>
             <a:lvl6pPr marL="2286000" indent="0">
               <a:buNone/>
-              <a:defRPr sz="1600">
+              <a:defRPr sz="1400">
                 <a:solidFill>
                   <a:schemeClr val="tx1">
                     <a:tint val="75000"/>
@@ -957,7 +1283,7 @@
             </a:lvl6pPr>
             <a:lvl7pPr marL="2743200" indent="0">
               <a:buNone/>
-              <a:defRPr sz="1600">
+              <a:defRPr sz="1400">
                 <a:solidFill>
                   <a:schemeClr val="tx1">
                     <a:tint val="75000"/>
@@ -967,7 +1293,7 @@
             </a:lvl7pPr>
             <a:lvl8pPr marL="3200400" indent="0">
               <a:buNone/>
-              <a:defRPr sz="1600">
+              <a:defRPr sz="1400">
                 <a:solidFill>
                   <a:schemeClr val="tx1">
                     <a:tint val="75000"/>
@@ -977,7 +1303,7 @@
             </a:lvl8pPr>
             <a:lvl9pPr marL="3657600" indent="0">
               <a:buNone/>
-              <a:defRPr sz="1600">
+              <a:defRPr sz="1400">
                 <a:solidFill>
                   <a:schemeClr val="tx1">
                     <a:tint val="75000"/>
@@ -1012,7 +1338,7 @@
           <a:p>
             <a:fld id="{8E782B7B-5ADA-4838-B531-EF3ABBE6980E}" type="datetimeFigureOut">
               <a:rPr lang="en-US" smtClean="0"/>
-              <a:t>12/5/2016</a:t>
+              <a:t>12/13/2016</a:t>
             </a:fld>
             <a:endParaRPr lang="en-US"/>
           </a:p>
@@ -1060,10 +1386,48 @@
           </a:p>
         </p:txBody>
       </p:sp>
+      <p:cxnSp>
+        <p:nvCxnSpPr>
+          <p:cNvPr id="9" name="Straight Connector 8"/>
+          <p:cNvCxnSpPr/>
+          <p:nvPr/>
+        </p:nvCxnSpPr>
+        <p:spPr>
+          <a:xfrm>
+            <a:off x="1207658" y="4343400"/>
+            <a:ext cx="9875520" cy="0"/>
+          </a:xfrm>
+          <a:prstGeom prst="line">
+            <a:avLst/>
+          </a:prstGeom>
+          <a:ln w="6350">
+            <a:solidFill>
+              <a:schemeClr val="tx1">
+                <a:lumMod val="50000"/>
+                <a:lumOff val="50000"/>
+              </a:schemeClr>
+            </a:solidFill>
+          </a:ln>
+        </p:spPr>
+        <p:style>
+          <a:lnRef idx="1">
+            <a:schemeClr val="accent1"/>
+          </a:lnRef>
+          <a:fillRef idx="0">
+            <a:schemeClr val="accent1"/>
+          </a:fillRef>
+          <a:effectRef idx="0">
+            <a:schemeClr val="accent1"/>
+          </a:effectRef>
+          <a:fontRef idx="minor">
+            <a:schemeClr val="tx1"/>
+          </a:fontRef>
+        </p:style>
+      </p:cxnSp>
     </p:spTree>
     <p:extLst>
       <p:ext uri="{BB962C8B-B14F-4D97-AF65-F5344CB8AC3E}">
-        <p14:creationId xmlns:p14="http://schemas.microsoft.com/office/powerpoint/2010/main" val="1825483876"/>
+        <p14:creationId xmlns:p14="http://schemas.microsoft.com/office/powerpoint/2010/main" val="2332917539"/>
       </p:ext>
     </p:extLst>
   </p:cSld>
@@ -1092,7 +1456,7 @@
       </p:grpSpPr>
       <p:sp>
         <p:nvSpPr>
-          <p:cNvPr id="2" name="Title 1"/>
+          <p:cNvPr id="8" name="Title 7"/>
           <p:cNvSpPr>
             <a:spLocks noGrp="1"/>
           </p:cNvSpPr>
@@ -1100,7 +1464,12 @@
             <p:ph type="title"/>
           </p:nvPr>
         </p:nvSpPr>
-        <p:spPr/>
+        <p:spPr>
+          <a:xfrm>
+            <a:off x="1097280" y="286603"/>
+            <a:ext cx="10058400" cy="1450757"/>
+          </a:xfrm>
+        </p:spPr>
         <p:txBody>
           <a:bodyPr/>
           <a:lstStyle/>
@@ -1109,6 +1478,7 @@
               <a:rPr lang="en-US"/>
               <a:t>Click to edit Master title style</a:t>
             </a:r>
+            <a:endParaRPr lang="en-US" dirty="0"/>
           </a:p>
         </p:txBody>
       </p:sp>
@@ -1124,8 +1494,8 @@
         </p:nvSpPr>
         <p:spPr>
           <a:xfrm>
-            <a:off x="838200" y="1825625"/>
-            <a:ext cx="5181600" cy="4351338"/>
+            <a:off x="1097278" y="1845734"/>
+            <a:ext cx="4937760" cy="4023360"/>
           </a:xfrm>
         </p:spPr>
         <p:txBody>
@@ -1165,6 +1535,7 @@
               <a:rPr lang="en-US"/>
               <a:t>Fifth level</a:t>
             </a:r>
+            <a:endParaRPr lang="en-US" dirty="0"/>
           </a:p>
         </p:txBody>
       </p:sp>
@@ -1180,8 +1551,8 @@
         </p:nvSpPr>
         <p:spPr>
           <a:xfrm>
-            <a:off x="6172200" y="1825625"/>
-            <a:ext cx="5181600" cy="4351338"/>
+            <a:off x="6217920" y="1845735"/>
+            <a:ext cx="4937760" cy="4023360"/>
           </a:xfrm>
         </p:spPr>
         <p:txBody>
@@ -1221,6 +1592,7 @@
               <a:rPr lang="en-US"/>
               <a:t>Fifth level</a:t>
             </a:r>
+            <a:endParaRPr lang="en-US" dirty="0"/>
           </a:p>
         </p:txBody>
       </p:sp>
@@ -1241,7 +1613,7 @@
           <a:p>
             <a:fld id="{8E782B7B-5ADA-4838-B531-EF3ABBE6980E}" type="datetimeFigureOut">
               <a:rPr lang="en-US" smtClean="0"/>
-              <a:t>12/5/2016</a:t>
+              <a:t>12/13/2016</a:t>
             </a:fld>
             <a:endParaRPr lang="en-US"/>
           </a:p>
@@ -1292,7 +1664,7 @@
     </p:spTree>
     <p:extLst>
       <p:ext uri="{BB962C8B-B14F-4D97-AF65-F5344CB8AC3E}">
-        <p14:creationId xmlns:p14="http://schemas.microsoft.com/office/powerpoint/2010/main" val="2333029835"/>
+        <p14:creationId xmlns:p14="http://schemas.microsoft.com/office/powerpoint/2010/main" val="1734012313"/>
       </p:ext>
     </p:extLst>
   </p:cSld>
@@ -1321,7 +1693,7 @@
       </p:grpSpPr>
       <p:sp>
         <p:nvSpPr>
-          <p:cNvPr id="2" name="Title 1"/>
+          <p:cNvPr id="10" name="Title 9"/>
           <p:cNvSpPr>
             <a:spLocks noGrp="1"/>
           </p:cNvSpPr>
@@ -1331,8 +1703,8 @@
         </p:nvSpPr>
         <p:spPr>
           <a:xfrm>
-            <a:off x="839788" y="365125"/>
-            <a:ext cx="10515600" cy="1325563"/>
+            <a:off x="1097280" y="286603"/>
+            <a:ext cx="10058400" cy="1450757"/>
           </a:xfrm>
         </p:spPr>
         <p:txBody>
@@ -1343,6 +1715,7 @@
               <a:rPr lang="en-US"/>
               <a:t>Click to edit Master title style</a:t>
             </a:r>
+            <a:endParaRPr lang="en-US" dirty="0"/>
           </a:p>
         </p:txBody>
       </p:sp>
@@ -1358,16 +1731,22 @@
         </p:nvSpPr>
         <p:spPr>
           <a:xfrm>
-            <a:off x="839788" y="1681163"/>
-            <a:ext cx="5157787" cy="823912"/>
-          </a:xfrm>
-        </p:spPr>
-        <p:txBody>
-          <a:bodyPr anchor="b"/>
+            <a:off x="1097280" y="1846052"/>
+            <a:ext cx="4937760" cy="736282"/>
+          </a:xfrm>
+        </p:spPr>
+        <p:txBody>
+          <a:bodyPr lIns="91440" rIns="91440" anchor="ctr">
+            <a:normAutofit/>
+          </a:bodyPr>
           <a:lstStyle>
             <a:lvl1pPr marL="0" indent="0">
               <a:buNone/>
-              <a:defRPr sz="2400" b="1"/>
+              <a:defRPr sz="2000" b="0" cap="all" baseline="0">
+                <a:solidFill>
+                  <a:schemeClr val="tx2"/>
+                </a:solidFill>
+              </a:defRPr>
             </a:lvl1pPr>
             <a:lvl2pPr marL="457200" indent="0">
               <a:buNone/>
@@ -1423,8 +1802,8 @@
         </p:nvSpPr>
         <p:spPr>
           <a:xfrm>
-            <a:off x="839788" y="2505075"/>
-            <a:ext cx="5157787" cy="3684588"/>
+            <a:off x="1097280" y="2582334"/>
+            <a:ext cx="4937760" cy="3378200"/>
           </a:xfrm>
         </p:spPr>
         <p:txBody>
@@ -1464,6 +1843,7 @@
               <a:rPr lang="en-US"/>
               <a:t>Fifth level</a:t>
             </a:r>
+            <a:endParaRPr lang="en-US" dirty="0"/>
           </a:p>
         </p:txBody>
       </p:sp>
@@ -1479,16 +1859,22 @@
         </p:nvSpPr>
         <p:spPr>
           <a:xfrm>
-            <a:off x="6172200" y="1681163"/>
-            <a:ext cx="5183188" cy="823912"/>
-          </a:xfrm>
-        </p:spPr>
-        <p:txBody>
-          <a:bodyPr anchor="b"/>
+            <a:off x="6217920" y="1846052"/>
+            <a:ext cx="4937760" cy="736282"/>
+          </a:xfrm>
+        </p:spPr>
+        <p:txBody>
+          <a:bodyPr lIns="91440" rIns="91440" anchor="ctr">
+            <a:normAutofit/>
+          </a:bodyPr>
           <a:lstStyle>
             <a:lvl1pPr marL="0" indent="0">
               <a:buNone/>
-              <a:defRPr sz="2400" b="1"/>
+              <a:defRPr sz="2000" b="0" cap="all" baseline="0">
+                <a:solidFill>
+                  <a:schemeClr val="tx2"/>
+                </a:solidFill>
+              </a:defRPr>
             </a:lvl1pPr>
             <a:lvl2pPr marL="457200" indent="0">
               <a:buNone/>
@@ -1544,8 +1930,8 @@
         </p:nvSpPr>
         <p:spPr>
           <a:xfrm>
-            <a:off x="6172200" y="2505075"/>
-            <a:ext cx="5183188" cy="3684588"/>
+            <a:off x="6217920" y="2582334"/>
+            <a:ext cx="4937760" cy="3378200"/>
           </a:xfrm>
         </p:spPr>
         <p:txBody>
@@ -1585,6 +1971,7 @@
               <a:rPr lang="en-US"/>
               <a:t>Fifth level</a:t>
             </a:r>
+            <a:endParaRPr lang="en-US" dirty="0"/>
           </a:p>
         </p:txBody>
       </p:sp>
@@ -1605,7 +1992,7 @@
           <a:p>
             <a:fld id="{8E782B7B-5ADA-4838-B531-EF3ABBE6980E}" type="datetimeFigureOut">
               <a:rPr lang="en-US" smtClean="0"/>
-              <a:t>12/5/2016</a:t>
+              <a:t>12/13/2016</a:t>
             </a:fld>
             <a:endParaRPr lang="en-US"/>
           </a:p>
@@ -1656,7 +2043,7 @@
     </p:spTree>
     <p:extLst>
       <p:ext uri="{BB962C8B-B14F-4D97-AF65-F5344CB8AC3E}">
-        <p14:creationId xmlns:p14="http://schemas.microsoft.com/office/powerpoint/2010/main" val="791676624"/>
+        <p14:creationId xmlns:p14="http://schemas.microsoft.com/office/powerpoint/2010/main" val="753341083"/>
       </p:ext>
     </p:extLst>
   </p:cSld>
@@ -1702,6 +2089,7 @@
               <a:rPr lang="en-US"/>
               <a:t>Click to edit Master title style</a:t>
             </a:r>
+            <a:endParaRPr lang="en-US" dirty="0"/>
           </a:p>
         </p:txBody>
       </p:sp>
@@ -1722,7 +2110,7 @@
           <a:p>
             <a:fld id="{8E782B7B-5ADA-4838-B531-EF3ABBE6980E}" type="datetimeFigureOut">
               <a:rPr lang="en-US" smtClean="0"/>
-              <a:t>12/5/2016</a:t>
+              <a:t>12/13/2016</a:t>
             </a:fld>
             <a:endParaRPr lang="en-US"/>
           </a:p>
@@ -1773,7 +2161,7 @@
     </p:spTree>
     <p:extLst>
       <p:ext uri="{BB962C8B-B14F-4D97-AF65-F5344CB8AC3E}">
-        <p14:creationId xmlns:p14="http://schemas.microsoft.com/office/powerpoint/2010/main" val="1709563798"/>
+        <p14:creationId xmlns:p14="http://schemas.microsoft.com/office/powerpoint/2010/main" val="2838286220"/>
       </p:ext>
     </p:extLst>
   </p:cSld>
@@ -1784,7 +2172,7 @@
 </file>
 
 <file path=ppt/slideLayouts/slideLayout7.xml><?xml version="1.0" encoding="utf-8"?>
-<p:sldLayout xmlns:a="http://schemas.openxmlformats.org/drawingml/2006/main" xmlns:r="http://schemas.openxmlformats.org/officeDocument/2006/relationships" xmlns:p="http://schemas.openxmlformats.org/presentationml/2006/main" type="blank" preserve="1">
+<p:sldLayout xmlns:a="http://schemas.openxmlformats.org/drawingml/2006/main" xmlns:r="http://schemas.openxmlformats.org/officeDocument/2006/relationships" xmlns:p="http://schemas.openxmlformats.org/presentationml/2006/main" showMasterSp="0" type="blank" preserve="1">
   <p:cSld name="Blank">
     <p:spTree>
       <p:nvGrpSpPr>
@@ -1802,7 +2190,83 @@
       </p:grpSpPr>
       <p:sp>
         <p:nvSpPr>
-          <p:cNvPr id="2" name="Date Placeholder 1"/>
+          <p:cNvPr id="5" name="Rectangle 4"/>
+          <p:cNvSpPr/>
+          <p:nvPr/>
+        </p:nvSpPr>
+        <p:spPr>
+          <a:xfrm>
+            <a:off x="3175" y="6400800"/>
+            <a:ext cx="12188825" cy="457200"/>
+          </a:xfrm>
+          <a:prstGeom prst="rect">
+            <a:avLst/>
+          </a:prstGeom>
+          <a:solidFill>
+            <a:schemeClr val="accent2"/>
+          </a:solidFill>
+          <a:ln>
+            <a:noFill/>
+          </a:ln>
+        </p:spPr>
+        <p:style>
+          <a:lnRef idx="2">
+            <a:schemeClr val="accent1">
+              <a:shade val="50000"/>
+            </a:schemeClr>
+          </a:lnRef>
+          <a:fillRef idx="1">
+            <a:schemeClr val="accent1"/>
+          </a:fillRef>
+          <a:effectRef idx="0">
+            <a:schemeClr val="accent1"/>
+          </a:effectRef>
+          <a:fontRef idx="minor">
+            <a:schemeClr val="lt1"/>
+          </a:fontRef>
+        </p:style>
+      </p:sp>
+      <p:sp>
+        <p:nvSpPr>
+          <p:cNvPr id="6" name="Rectangle 5"/>
+          <p:cNvSpPr/>
+          <p:nvPr/>
+        </p:nvSpPr>
+        <p:spPr>
+          <a:xfrm>
+            <a:off x="15" y="6334316"/>
+            <a:ext cx="12188825" cy="64008"/>
+          </a:xfrm>
+          <a:prstGeom prst="rect">
+            <a:avLst/>
+          </a:prstGeom>
+          <a:solidFill>
+            <a:schemeClr val="accent1"/>
+          </a:solidFill>
+          <a:ln>
+            <a:noFill/>
+          </a:ln>
+        </p:spPr>
+        <p:style>
+          <a:lnRef idx="2">
+            <a:schemeClr val="accent1">
+              <a:shade val="50000"/>
+            </a:schemeClr>
+          </a:lnRef>
+          <a:fillRef idx="1">
+            <a:schemeClr val="accent1"/>
+          </a:fillRef>
+          <a:effectRef idx="0">
+            <a:schemeClr val="accent1"/>
+          </a:effectRef>
+          <a:fontRef idx="minor">
+            <a:schemeClr val="lt1"/>
+          </a:fontRef>
+        </p:style>
+      </p:sp>
+      <p:sp>
+        <p:nvSpPr>
+          <p:cNvPr id="7" name="Date Placeholder 6"/>
           <p:cNvSpPr>
             <a:spLocks noGrp="1"/>
           </p:cNvSpPr>
@@ -1817,7 +2281,7 @@
           <a:p>
             <a:fld id="{8E782B7B-5ADA-4838-B531-EF3ABBE6980E}" type="datetimeFigureOut">
               <a:rPr lang="en-US" smtClean="0"/>
-              <a:t>12/5/2016</a:t>
+              <a:t>12/13/2016</a:t>
             </a:fld>
             <a:endParaRPr lang="en-US"/>
           </a:p>
@@ -1825,7 +2289,7 @@
       </p:sp>
       <p:sp>
         <p:nvSpPr>
-          <p:cNvPr id="3" name="Footer Placeholder 2"/>
+          <p:cNvPr id="8" name="Footer Placeholder 7"/>
           <p:cNvSpPr>
             <a:spLocks noGrp="1"/>
           </p:cNvSpPr>
@@ -1836,7 +2300,15 @@
         <p:spPr/>
         <p:txBody>
           <a:bodyPr/>
-          <a:lstStyle/>
+          <a:lstStyle>
+            <a:lvl1pPr>
+              <a:defRPr>
+                <a:solidFill>
+                  <a:srgbClr val="FFFFFF"/>
+                </a:solidFill>
+              </a:defRPr>
+            </a:lvl1pPr>
+          </a:lstStyle>
           <a:p>
             <a:endParaRPr lang="en-US"/>
           </a:p>
@@ -1844,7 +2316,7 @@
       </p:sp>
       <p:sp>
         <p:nvSpPr>
-          <p:cNvPr id="4" name="Slide Number Placeholder 3"/>
+          <p:cNvPr id="9" name="Slide Number Placeholder 8"/>
           <p:cNvSpPr>
             <a:spLocks noGrp="1"/>
           </p:cNvSpPr>
@@ -1868,7 +2340,7 @@
     </p:spTree>
     <p:extLst>
       <p:ext uri="{BB962C8B-B14F-4D97-AF65-F5344CB8AC3E}">
-        <p14:creationId xmlns:p14="http://schemas.microsoft.com/office/powerpoint/2010/main" val="2118145445"/>
+        <p14:creationId xmlns:p14="http://schemas.microsoft.com/office/powerpoint/2010/main" val="399665090"/>
       </p:ext>
     </p:extLst>
   </p:cSld>
@@ -1879,7 +2351,7 @@
 </file>
 
 <file path=ppt/slideLayouts/slideLayout8.xml><?xml version="1.0" encoding="utf-8"?>
-<p:sldLayout xmlns:a="http://schemas.openxmlformats.org/drawingml/2006/main" xmlns:r="http://schemas.openxmlformats.org/officeDocument/2006/relationships" xmlns:p="http://schemas.openxmlformats.org/presentationml/2006/main" type="objTx" preserve="1">
+<p:sldLayout xmlns:a="http://schemas.openxmlformats.org/drawingml/2006/main" xmlns:r="http://schemas.openxmlformats.org/officeDocument/2006/relationships" xmlns:p="http://schemas.openxmlformats.org/presentationml/2006/main" showMasterSp="0" type="objTx" preserve="1">
   <p:cSld name="Content with Caption">
     <p:spTree>
       <p:nvGrpSpPr>
@@ -1897,6 +2369,82 @@
       </p:grpSpPr>
       <p:sp>
         <p:nvSpPr>
+          <p:cNvPr id="8" name="Rectangle 7"/>
+          <p:cNvSpPr/>
+          <p:nvPr/>
+        </p:nvSpPr>
+        <p:spPr>
+          <a:xfrm>
+            <a:off x="16" y="0"/>
+            <a:ext cx="4050791" cy="6858000"/>
+          </a:xfrm>
+          <a:prstGeom prst="rect">
+            <a:avLst/>
+          </a:prstGeom>
+          <a:solidFill>
+            <a:schemeClr val="accent2"/>
+          </a:solidFill>
+          <a:ln>
+            <a:noFill/>
+          </a:ln>
+        </p:spPr>
+        <p:style>
+          <a:lnRef idx="2">
+            <a:schemeClr val="accent1">
+              <a:shade val="50000"/>
+            </a:schemeClr>
+          </a:lnRef>
+          <a:fillRef idx="1">
+            <a:schemeClr val="accent1"/>
+          </a:fillRef>
+          <a:effectRef idx="0">
+            <a:schemeClr val="accent1"/>
+          </a:effectRef>
+          <a:fontRef idx="minor">
+            <a:schemeClr val="lt1"/>
+          </a:fontRef>
+        </p:style>
+      </p:sp>
+      <p:sp>
+        <p:nvSpPr>
+          <p:cNvPr id="9" name="Rectangle 8"/>
+          <p:cNvSpPr/>
+          <p:nvPr/>
+        </p:nvSpPr>
+        <p:spPr>
+          <a:xfrm>
+            <a:off x="4040071" y="0"/>
+            <a:ext cx="64008" cy="6858000"/>
+          </a:xfrm>
+          <a:prstGeom prst="rect">
+            <a:avLst/>
+          </a:prstGeom>
+          <a:solidFill>
+            <a:schemeClr val="accent1"/>
+          </a:solidFill>
+          <a:ln>
+            <a:noFill/>
+          </a:ln>
+        </p:spPr>
+        <p:style>
+          <a:lnRef idx="2">
+            <a:schemeClr val="accent1">
+              <a:shade val="50000"/>
+            </a:schemeClr>
+          </a:lnRef>
+          <a:fillRef idx="1">
+            <a:schemeClr val="accent1"/>
+          </a:fillRef>
+          <a:effectRef idx="0">
+            <a:schemeClr val="accent1"/>
+          </a:effectRef>
+          <a:fontRef idx="minor">
+            <a:schemeClr val="lt1"/>
+          </a:fontRef>
+        </p:style>
+      </p:sp>
+      <p:sp>
+        <p:nvSpPr>
           <p:cNvPr id="2" name="Title 1"/>
           <p:cNvSpPr>
             <a:spLocks noGrp="1"/>
@@ -1907,15 +2455,21 @@
         </p:nvSpPr>
         <p:spPr>
           <a:xfrm>
-            <a:off x="839788" y="457200"/>
-            <a:ext cx="3932237" cy="1600200"/>
-          </a:xfrm>
-        </p:spPr>
-        <p:txBody>
-          <a:bodyPr anchor="b"/>
+            <a:off x="457200" y="594359"/>
+            <a:ext cx="3200400" cy="2286000"/>
+          </a:xfrm>
+        </p:spPr>
+        <p:txBody>
+          <a:bodyPr anchor="b">
+            <a:normAutofit/>
+          </a:bodyPr>
           <a:lstStyle>
             <a:lvl1pPr>
-              <a:defRPr sz="3200"/>
+              <a:defRPr sz="3600" b="0">
+                <a:solidFill>
+                  <a:srgbClr val="FFFFFF"/>
+                </a:solidFill>
+              </a:defRPr>
             </a:lvl1pPr>
           </a:lstStyle>
           <a:p>
@@ -1923,6 +2477,7 @@
               <a:rPr lang="en-US"/>
               <a:t>Click to edit Master title style</a:t>
             </a:r>
+            <a:endParaRPr lang="en-US" dirty="0"/>
           </a:p>
         </p:txBody>
       </p:sp>
@@ -1938,199 +2493,208 @@
         </p:nvSpPr>
         <p:spPr>
           <a:xfrm>
-            <a:off x="5183188" y="987425"/>
-            <a:ext cx="6172200" cy="4873625"/>
-          </a:xfrm>
-        </p:spPr>
+            <a:off x="4800600" y="731520"/>
+            <a:ext cx="6492240" cy="5257800"/>
+          </a:xfrm>
+        </p:spPr>
+        <p:txBody>
+          <a:bodyPr/>
+          <a:lstStyle/>
+          <a:p>
+            <a:pPr lvl="0"/>
+            <a:r>
+              <a:rPr lang="en-US"/>
+              <a:t>Edit Master text styles</a:t>
+            </a:r>
+          </a:p>
+          <a:p>
+            <a:pPr lvl="1"/>
+            <a:r>
+              <a:rPr lang="en-US"/>
+              <a:t>Second level</a:t>
+            </a:r>
+          </a:p>
+          <a:p>
+            <a:pPr lvl="2"/>
+            <a:r>
+              <a:rPr lang="en-US"/>
+              <a:t>Third level</a:t>
+            </a:r>
+          </a:p>
+          <a:p>
+            <a:pPr lvl="3"/>
+            <a:r>
+              <a:rPr lang="en-US"/>
+              <a:t>Fourth level</a:t>
+            </a:r>
+          </a:p>
+          <a:p>
+            <a:pPr lvl="4"/>
+            <a:r>
+              <a:rPr lang="en-US"/>
+              <a:t>Fifth level</a:t>
+            </a:r>
+            <a:endParaRPr lang="en-US" dirty="0"/>
+          </a:p>
+        </p:txBody>
+      </p:sp>
+      <p:sp>
+        <p:nvSpPr>
+          <p:cNvPr id="4" name="Text Placeholder 3"/>
+          <p:cNvSpPr>
+            <a:spLocks noGrp="1"/>
+          </p:cNvSpPr>
+          <p:nvPr>
+            <p:ph type="body" sz="half" idx="2"/>
+          </p:nvPr>
+        </p:nvSpPr>
+        <p:spPr>
+          <a:xfrm>
+            <a:off x="457200" y="2926080"/>
+            <a:ext cx="3200400" cy="3379124"/>
+          </a:xfrm>
+        </p:spPr>
+        <p:txBody>
+          <a:bodyPr lIns="91440" rIns="91440">
+            <a:normAutofit/>
+          </a:bodyPr>
+          <a:lstStyle>
+            <a:lvl1pPr marL="0" indent="0">
+              <a:buNone/>
+              <a:defRPr sz="1500">
+                <a:solidFill>
+                  <a:srgbClr val="FFFFFF"/>
+                </a:solidFill>
+              </a:defRPr>
+            </a:lvl1pPr>
+            <a:lvl2pPr marL="457200" indent="0">
+              <a:buNone/>
+              <a:defRPr sz="1200"/>
+            </a:lvl2pPr>
+            <a:lvl3pPr marL="914400" indent="0">
+              <a:buNone/>
+              <a:defRPr sz="1000"/>
+            </a:lvl3pPr>
+            <a:lvl4pPr marL="1371600" indent="0">
+              <a:buNone/>
+              <a:defRPr sz="900"/>
+            </a:lvl4pPr>
+            <a:lvl5pPr marL="1828800" indent="0">
+              <a:buNone/>
+              <a:defRPr sz="900"/>
+            </a:lvl5pPr>
+            <a:lvl6pPr marL="2286000" indent="0">
+              <a:buNone/>
+              <a:defRPr sz="900"/>
+            </a:lvl6pPr>
+            <a:lvl7pPr marL="2743200" indent="0">
+              <a:buNone/>
+              <a:defRPr sz="900"/>
+            </a:lvl7pPr>
+            <a:lvl8pPr marL="3200400" indent="0">
+              <a:buNone/>
+              <a:defRPr sz="900"/>
+            </a:lvl8pPr>
+            <a:lvl9pPr marL="3657600" indent="0">
+              <a:buNone/>
+              <a:defRPr sz="900"/>
+            </a:lvl9pPr>
+          </a:lstStyle>
+          <a:p>
+            <a:pPr lvl="0"/>
+            <a:r>
+              <a:rPr lang="en-US"/>
+              <a:t>Edit Master text styles</a:t>
+            </a:r>
+          </a:p>
+        </p:txBody>
+      </p:sp>
+      <p:sp>
+        <p:nvSpPr>
+          <p:cNvPr id="5" name="Date Placeholder 4"/>
+          <p:cNvSpPr>
+            <a:spLocks noGrp="1"/>
+          </p:cNvSpPr>
+          <p:nvPr>
+            <p:ph type="dt" sz="half" idx="10"/>
+          </p:nvPr>
+        </p:nvSpPr>
+        <p:spPr>
+          <a:xfrm>
+            <a:off x="465512" y="6459785"/>
+            <a:ext cx="2618510" cy="365125"/>
+          </a:xfrm>
+        </p:spPr>
+        <p:txBody>
+          <a:bodyPr/>
+          <a:lstStyle>
+            <a:lvl1pPr algn="l">
+              <a:defRPr/>
+            </a:lvl1pPr>
+          </a:lstStyle>
+          <a:p>
+            <a:fld id="{8E782B7B-5ADA-4838-B531-EF3ABBE6980E}" type="datetimeFigureOut">
+              <a:rPr lang="en-US" smtClean="0"/>
+              <a:t>12/13/2016</a:t>
+            </a:fld>
+            <a:endParaRPr lang="en-US"/>
+          </a:p>
+        </p:txBody>
+      </p:sp>
+      <p:sp>
+        <p:nvSpPr>
+          <p:cNvPr id="6" name="Footer Placeholder 5"/>
+          <p:cNvSpPr>
+            <a:spLocks noGrp="1"/>
+          </p:cNvSpPr>
+          <p:nvPr>
+            <p:ph type="ftr" sz="quarter" idx="11"/>
+          </p:nvPr>
+        </p:nvSpPr>
+        <p:spPr>
+          <a:xfrm>
+            <a:off x="4800600" y="6459785"/>
+            <a:ext cx="4648200" cy="365125"/>
+          </a:xfrm>
+        </p:spPr>
+        <p:txBody>
+          <a:bodyPr/>
+          <a:lstStyle>
+            <a:lvl1pPr algn="l">
+              <a:defRPr>
+                <a:solidFill>
+                  <a:schemeClr val="tx2"/>
+                </a:solidFill>
+              </a:defRPr>
+            </a:lvl1pPr>
+          </a:lstStyle>
+          <a:p>
+            <a:endParaRPr lang="en-US"/>
+          </a:p>
+        </p:txBody>
+      </p:sp>
+      <p:sp>
+        <p:nvSpPr>
+          <p:cNvPr id="7" name="Slide Number Placeholder 6"/>
+          <p:cNvSpPr>
+            <a:spLocks noGrp="1"/>
+          </p:cNvSpPr>
+          <p:nvPr>
+            <p:ph type="sldNum" sz="quarter" idx="12"/>
+          </p:nvPr>
+        </p:nvSpPr>
+        <p:spPr/>
         <p:txBody>
           <a:bodyPr/>
           <a:lstStyle>
             <a:lvl1pPr>
-              <a:defRPr sz="3200"/>
+              <a:defRPr>
+                <a:solidFill>
+                  <a:schemeClr val="tx2"/>
+                </a:solidFill>
+              </a:defRPr>
             </a:lvl1pPr>
-            <a:lvl2pPr>
-              <a:defRPr sz="2800"/>
-            </a:lvl2pPr>
-            <a:lvl3pPr>
-              <a:defRPr sz="2400"/>
-            </a:lvl3pPr>
-            <a:lvl4pPr>
-              <a:defRPr sz="2000"/>
-            </a:lvl4pPr>
-            <a:lvl5pPr>
-              <a:defRPr sz="2000"/>
-            </a:lvl5pPr>
-            <a:lvl6pPr>
-              <a:defRPr sz="2000"/>
-            </a:lvl6pPr>
-            <a:lvl7pPr>
-              <a:defRPr sz="2000"/>
-            </a:lvl7pPr>
-            <a:lvl8pPr>
-              <a:defRPr sz="2000"/>
-            </a:lvl8pPr>
-            <a:lvl9pPr>
-              <a:defRPr sz="2000"/>
-            </a:lvl9pPr>
           </a:lstStyle>
-          <a:p>
-            <a:pPr lvl="0"/>
-            <a:r>
-              <a:rPr lang="en-US"/>
-              <a:t>Edit Master text styles</a:t>
-            </a:r>
-          </a:p>
-          <a:p>
-            <a:pPr lvl="1"/>
-            <a:r>
-              <a:rPr lang="en-US"/>
-              <a:t>Second level</a:t>
-            </a:r>
-          </a:p>
-          <a:p>
-            <a:pPr lvl="2"/>
-            <a:r>
-              <a:rPr lang="en-US"/>
-              <a:t>Third level</a:t>
-            </a:r>
-          </a:p>
-          <a:p>
-            <a:pPr lvl="3"/>
-            <a:r>
-              <a:rPr lang="en-US"/>
-              <a:t>Fourth level</a:t>
-            </a:r>
-          </a:p>
-          <a:p>
-            <a:pPr lvl="4"/>
-            <a:r>
-              <a:rPr lang="en-US"/>
-              <a:t>Fifth level</a:t>
-            </a:r>
-          </a:p>
-        </p:txBody>
-      </p:sp>
-      <p:sp>
-        <p:nvSpPr>
-          <p:cNvPr id="4" name="Text Placeholder 3"/>
-          <p:cNvSpPr>
-            <a:spLocks noGrp="1"/>
-          </p:cNvSpPr>
-          <p:nvPr>
-            <p:ph type="body" sz="half" idx="2"/>
-          </p:nvPr>
-        </p:nvSpPr>
-        <p:spPr>
-          <a:xfrm>
-            <a:off x="839788" y="2057400"/>
-            <a:ext cx="3932237" cy="3811588"/>
-          </a:xfrm>
-        </p:spPr>
-        <p:txBody>
-          <a:bodyPr/>
-          <a:lstStyle>
-            <a:lvl1pPr marL="0" indent="0">
-              <a:buNone/>
-              <a:defRPr sz="1600"/>
-            </a:lvl1pPr>
-            <a:lvl2pPr marL="457200" indent="0">
-              <a:buNone/>
-              <a:defRPr sz="1400"/>
-            </a:lvl2pPr>
-            <a:lvl3pPr marL="914400" indent="0">
-              <a:buNone/>
-              <a:defRPr sz="1200"/>
-            </a:lvl3pPr>
-            <a:lvl4pPr marL="1371600" indent="0">
-              <a:buNone/>
-              <a:defRPr sz="1000"/>
-            </a:lvl4pPr>
-            <a:lvl5pPr marL="1828800" indent="0">
-              <a:buNone/>
-              <a:defRPr sz="1000"/>
-            </a:lvl5pPr>
-            <a:lvl6pPr marL="2286000" indent="0">
-              <a:buNone/>
-              <a:defRPr sz="1000"/>
-            </a:lvl6pPr>
-            <a:lvl7pPr marL="2743200" indent="0">
-              <a:buNone/>
-              <a:defRPr sz="1000"/>
-            </a:lvl7pPr>
-            <a:lvl8pPr marL="3200400" indent="0">
-              <a:buNone/>
-              <a:defRPr sz="1000"/>
-            </a:lvl8pPr>
-            <a:lvl9pPr marL="3657600" indent="0">
-              <a:buNone/>
-              <a:defRPr sz="1000"/>
-            </a:lvl9pPr>
-          </a:lstStyle>
-          <a:p>
-            <a:pPr lvl="0"/>
-            <a:r>
-              <a:rPr lang="en-US"/>
-              <a:t>Edit Master text styles</a:t>
-            </a:r>
-          </a:p>
-        </p:txBody>
-      </p:sp>
-      <p:sp>
-        <p:nvSpPr>
-          <p:cNvPr id="5" name="Date Placeholder 4"/>
-          <p:cNvSpPr>
-            <a:spLocks noGrp="1"/>
-          </p:cNvSpPr>
-          <p:nvPr>
-            <p:ph type="dt" sz="half" idx="10"/>
-          </p:nvPr>
-        </p:nvSpPr>
-        <p:spPr/>
-        <p:txBody>
-          <a:bodyPr/>
-          <a:lstStyle/>
-          <a:p>
-            <a:fld id="{8E782B7B-5ADA-4838-B531-EF3ABBE6980E}" type="datetimeFigureOut">
-              <a:rPr lang="en-US" smtClean="0"/>
-              <a:t>12/5/2016</a:t>
-            </a:fld>
-            <a:endParaRPr lang="en-US"/>
-          </a:p>
-        </p:txBody>
-      </p:sp>
-      <p:sp>
-        <p:nvSpPr>
-          <p:cNvPr id="6" name="Footer Placeholder 5"/>
-          <p:cNvSpPr>
-            <a:spLocks noGrp="1"/>
-          </p:cNvSpPr>
-          <p:nvPr>
-            <p:ph type="ftr" sz="quarter" idx="11"/>
-          </p:nvPr>
-        </p:nvSpPr>
-        <p:spPr/>
-        <p:txBody>
-          <a:bodyPr/>
-          <a:lstStyle/>
-          <a:p>
-            <a:endParaRPr lang="en-US"/>
-          </a:p>
-        </p:txBody>
-      </p:sp>
-      <p:sp>
-        <p:nvSpPr>
-          <p:cNvPr id="7" name="Slide Number Placeholder 6"/>
-          <p:cNvSpPr>
-            <a:spLocks noGrp="1"/>
-          </p:cNvSpPr>
-          <p:nvPr>
-            <p:ph type="sldNum" sz="quarter" idx="12"/>
-          </p:nvPr>
-        </p:nvSpPr>
-        <p:spPr/>
-        <p:txBody>
-          <a:bodyPr/>
-          <a:lstStyle/>
           <a:p>
             <a:fld id="{782B7607-0B5E-4723-A1B4-E4B18D089A7F}" type="slidenum">
               <a:rPr lang="en-US" smtClean="0"/>
@@ -2143,7 +2707,7 @@
     </p:spTree>
     <p:extLst>
       <p:ext uri="{BB962C8B-B14F-4D97-AF65-F5344CB8AC3E}">
-        <p14:creationId xmlns:p14="http://schemas.microsoft.com/office/powerpoint/2010/main" val="2367284322"/>
+        <p14:creationId xmlns:p14="http://schemas.microsoft.com/office/powerpoint/2010/main" val="3060408806"/>
       </p:ext>
     </p:extLst>
   </p:cSld>
@@ -2154,7 +2718,7 @@
 </file>
 
 <file path=ppt/slideLayouts/slideLayout9.xml><?xml version="1.0" encoding="utf-8"?>
-<p:sldLayout xmlns:a="http://schemas.openxmlformats.org/drawingml/2006/main" xmlns:r="http://schemas.openxmlformats.org/officeDocument/2006/relationships" xmlns:p="http://schemas.openxmlformats.org/presentationml/2006/main" type="picTx" preserve="1">
+<p:sldLayout xmlns:a="http://schemas.openxmlformats.org/drawingml/2006/main" xmlns:r="http://schemas.openxmlformats.org/officeDocument/2006/relationships" xmlns:p="http://schemas.openxmlformats.org/presentationml/2006/main" showMasterSp="0" type="picTx" preserve="1">
   <p:cSld name="Picture with Caption">
     <p:spTree>
       <p:nvGrpSpPr>
@@ -2172,6 +2736,82 @@
       </p:grpSpPr>
       <p:sp>
         <p:nvSpPr>
+          <p:cNvPr id="8" name="Rectangle 7"/>
+          <p:cNvSpPr/>
+          <p:nvPr/>
+        </p:nvSpPr>
+        <p:spPr>
+          <a:xfrm>
+            <a:off x="0" y="4953000"/>
+            <a:ext cx="12188825" cy="1905000"/>
+          </a:xfrm>
+          <a:prstGeom prst="rect">
+            <a:avLst/>
+          </a:prstGeom>
+          <a:solidFill>
+            <a:schemeClr val="accent2"/>
+          </a:solidFill>
+          <a:ln>
+            <a:noFill/>
+          </a:ln>
+        </p:spPr>
+        <p:style>
+          <a:lnRef idx="2">
+            <a:schemeClr val="accent1">
+              <a:shade val="50000"/>
+            </a:schemeClr>
+          </a:lnRef>
+          <a:fillRef idx="1">
+            <a:schemeClr val="accent1"/>
+          </a:fillRef>
+          <a:effectRef idx="0">
+            <a:schemeClr val="accent1"/>
+          </a:effectRef>
+          <a:fontRef idx="minor">
+            <a:schemeClr val="lt1"/>
+          </a:fontRef>
+        </p:style>
+      </p:sp>
+      <p:sp>
+        <p:nvSpPr>
+          <p:cNvPr id="9" name="Rectangle 8"/>
+          <p:cNvSpPr/>
+          <p:nvPr/>
+        </p:nvSpPr>
+        <p:spPr>
+          <a:xfrm>
+            <a:off x="15" y="4915076"/>
+            <a:ext cx="12188825" cy="64008"/>
+          </a:xfrm>
+          <a:prstGeom prst="rect">
+            <a:avLst/>
+          </a:prstGeom>
+          <a:solidFill>
+            <a:schemeClr val="accent1"/>
+          </a:solidFill>
+          <a:ln>
+            <a:noFill/>
+          </a:ln>
+        </p:spPr>
+        <p:style>
+          <a:lnRef idx="2">
+            <a:schemeClr val="accent1">
+              <a:shade val="50000"/>
+            </a:schemeClr>
+          </a:lnRef>
+          <a:fillRef idx="1">
+            <a:schemeClr val="accent1"/>
+          </a:fillRef>
+          <a:effectRef idx="0">
+            <a:schemeClr val="accent1"/>
+          </a:effectRef>
+          <a:fontRef idx="minor">
+            <a:schemeClr val="lt1"/>
+          </a:fontRef>
+        </p:style>
+      </p:sp>
+      <p:sp>
+        <p:nvSpPr>
           <p:cNvPr id="2" name="Title 1"/>
           <p:cNvSpPr>
             <a:spLocks noGrp="1"/>
@@ -2182,15 +2822,21 @@
         </p:nvSpPr>
         <p:spPr>
           <a:xfrm>
-            <a:off x="839788" y="457200"/>
-            <a:ext cx="3932237" cy="1600200"/>
-          </a:xfrm>
-        </p:spPr>
-        <p:txBody>
-          <a:bodyPr anchor="b"/>
+            <a:off x="1097280" y="5074920"/>
+            <a:ext cx="10113645" cy="822960"/>
+          </a:xfrm>
+        </p:spPr>
+        <p:txBody>
+          <a:bodyPr lIns="91440" tIns="0" rIns="91440" bIns="0" anchor="b">
+            <a:noAutofit/>
+          </a:bodyPr>
           <a:lstStyle>
             <a:lvl1pPr>
-              <a:defRPr sz="3200"/>
+              <a:defRPr sz="3600" b="0">
+                <a:solidFill>
+                  <a:srgbClr val="FFFFFF"/>
+                </a:solidFill>
+              </a:defRPr>
             </a:lvl1pPr>
           </a:lstStyle>
           <a:p>
@@ -2198,6 +2844,7 @@
               <a:rPr lang="en-US"/>
               <a:t>Click to edit Master title style</a:t>
             </a:r>
+            <a:endParaRPr lang="en-US" dirty="0"/>
           </a:p>
         </p:txBody>
       </p:sp>
@@ -2205,7 +2852,7 @@
         <p:nvSpPr>
           <p:cNvPr id="3" name="Picture Placeholder 2"/>
           <p:cNvSpPr>
-            <a:spLocks noGrp="1"/>
+            <a:spLocks noGrp="1" noChangeAspect="1"/>
           </p:cNvSpPr>
           <p:nvPr>
             <p:ph type="pic" idx="1"/>
@@ -2213,12 +2860,17 @@
         </p:nvSpPr>
         <p:spPr>
           <a:xfrm>
-            <a:off x="5183188" y="987425"/>
-            <a:ext cx="6172200" cy="4873625"/>
-          </a:xfrm>
-        </p:spPr>
-        <p:txBody>
-          <a:bodyPr/>
+            <a:off x="15" y="0"/>
+            <a:ext cx="12191985" cy="4915076"/>
+          </a:xfrm>
+          <a:solidFill>
+            <a:schemeClr val="bg2">
+              <a:lumMod val="90000"/>
+            </a:schemeClr>
+          </a:solidFill>
+        </p:spPr>
+        <p:txBody>
+          <a:bodyPr lIns="457200" tIns="457200" anchor="t"/>
           <a:lstStyle>
             <a:lvl1pPr marL="0" indent="0">
               <a:buNone/>
@@ -2258,7 +2910,11 @@
             </a:lvl9pPr>
           </a:lstStyle>
           <a:p>
-            <a:endParaRPr lang="en-US"/>
+            <a:r>
+              <a:rPr lang="en-US"/>
+              <a:t>Click icon to add picture</a:t>
+            </a:r>
+            <a:endParaRPr lang="en-US" dirty="0"/>
           </a:p>
         </p:txBody>
       </p:sp>
@@ -2274,48 +2930,60 @@
         </p:nvSpPr>
         <p:spPr>
           <a:xfrm>
-            <a:off x="839788" y="2057400"/>
-            <a:ext cx="3932237" cy="3811588"/>
-          </a:xfrm>
-        </p:spPr>
-        <p:txBody>
-          <a:bodyPr/>
+            <a:off x="1097280" y="5907024"/>
+            <a:ext cx="10113264" cy="594360"/>
+          </a:xfrm>
+        </p:spPr>
+        <p:txBody>
+          <a:bodyPr lIns="91440" tIns="0" rIns="91440" bIns="0">
+            <a:normAutofit/>
+          </a:bodyPr>
           <a:lstStyle>
             <a:lvl1pPr marL="0" indent="0">
-              <a:buNone/>
-              <a:defRPr sz="1600"/>
+              <a:spcBef>
+                <a:spcPts val="0"/>
+              </a:spcBef>
+              <a:spcAft>
+                <a:spcPts val="600"/>
+              </a:spcAft>
+              <a:buNone/>
+              <a:defRPr sz="1500">
+                <a:solidFill>
+                  <a:srgbClr val="FFFFFF"/>
+                </a:solidFill>
+              </a:defRPr>
             </a:lvl1pPr>
             <a:lvl2pPr marL="457200" indent="0">
               <a:buNone/>
-              <a:defRPr sz="1400"/>
+              <a:defRPr sz="1200"/>
             </a:lvl2pPr>
             <a:lvl3pPr marL="914400" indent="0">
               <a:buNone/>
-              <a:defRPr sz="1200"/>
+              <a:defRPr sz="1000"/>
             </a:lvl3pPr>
             <a:lvl4pPr marL="1371600" indent="0">
               <a:buNone/>
-              <a:defRPr sz="1000"/>
+              <a:defRPr sz="900"/>
             </a:lvl4pPr>
             <a:lvl5pPr marL="1828800" indent="0">
               <a:buNone/>
-              <a:defRPr sz="1000"/>
+              <a:defRPr sz="900"/>
             </a:lvl5pPr>
             <a:lvl6pPr marL="2286000" indent="0">
               <a:buNone/>
-              <a:defRPr sz="1000"/>
+              <a:defRPr sz="900"/>
             </a:lvl6pPr>
             <a:lvl7pPr marL="2743200" indent="0">
               <a:buNone/>
-              <a:defRPr sz="1000"/>
+              <a:defRPr sz="900"/>
             </a:lvl7pPr>
             <a:lvl8pPr marL="3200400" indent="0">
               <a:buNone/>
-              <a:defRPr sz="1000"/>
+              <a:defRPr sz="900"/>
             </a:lvl8pPr>
             <a:lvl9pPr marL="3657600" indent="0">
               <a:buNone/>
-              <a:defRPr sz="1000"/>
+              <a:defRPr sz="900"/>
             </a:lvl9pPr>
           </a:lstStyle>
           <a:p>
@@ -2344,7 +3012,7 @@
           <a:p>
             <a:fld id="{8E782B7B-5ADA-4838-B531-EF3ABBE6980E}" type="datetimeFigureOut">
               <a:rPr lang="en-US" smtClean="0"/>
-              <a:t>12/5/2016</a:t>
+              <a:t>12/13/2016</a:t>
             </a:fld>
             <a:endParaRPr lang="en-US"/>
           </a:p>
@@ -2395,7 +3063,7 @@
     </p:spTree>
     <p:extLst>
       <p:ext uri="{BB962C8B-B14F-4D97-AF65-F5344CB8AC3E}">
-        <p14:creationId xmlns:p14="http://schemas.microsoft.com/office/powerpoint/2010/main" val="1529235186"/>
+        <p14:creationId xmlns:p14="http://schemas.microsoft.com/office/powerpoint/2010/main" val="582799676"/>
       </p:ext>
     </p:extLst>
   </p:cSld>
@@ -2429,125 +3097,201 @@
       </p:grpSpPr>
       <p:sp>
         <p:nvSpPr>
-          <p:cNvPr id="2" name="Title Placeholder 1"/>
-          <p:cNvSpPr>
-            <a:spLocks noGrp="1"/>
-          </p:cNvSpPr>
-          <p:nvPr>
-            <p:ph type="title"/>
-          </p:nvPr>
-        </p:nvSpPr>
-        <p:spPr>
-          <a:xfrm>
-            <a:off x="838200" y="365125"/>
-            <a:ext cx="10515600" cy="1325563"/>
+          <p:cNvPr id="7" name="Rectangle 6"/>
+          <p:cNvSpPr/>
+          <p:nvPr/>
+        </p:nvSpPr>
+        <p:spPr>
+          <a:xfrm>
+            <a:off x="1" y="6400800"/>
+            <a:ext cx="12192000" cy="457200"/>
           </a:xfrm>
           <a:prstGeom prst="rect">
             <a:avLst/>
           </a:prstGeom>
-        </p:spPr>
-        <p:txBody>
-          <a:bodyPr vert="horz" lIns="91440" tIns="45720" rIns="91440" bIns="45720" rtlCol="0" anchor="ctr">
-            <a:normAutofit/>
-          </a:bodyPr>
-          <a:lstStyle/>
-          <a:p>
-            <a:r>
-              <a:rPr lang="en-US"/>
-              <a:t>Click to edit Master title style</a:t>
-            </a:r>
-          </a:p>
-        </p:txBody>
-      </p:sp>
-      <p:sp>
-        <p:nvSpPr>
-          <p:cNvPr id="3" name="Text Placeholder 2"/>
-          <p:cNvSpPr>
-            <a:spLocks noGrp="1"/>
-          </p:cNvSpPr>
-          <p:nvPr>
-            <p:ph type="body" idx="1"/>
-          </p:nvPr>
-        </p:nvSpPr>
-        <p:spPr>
-          <a:xfrm>
-            <a:off x="838200" y="1825625"/>
-            <a:ext cx="10515600" cy="4351338"/>
+          <a:solidFill>
+            <a:schemeClr val="accent2"/>
+          </a:solidFill>
+          <a:ln>
+            <a:noFill/>
+          </a:ln>
+        </p:spPr>
+        <p:style>
+          <a:lnRef idx="2">
+            <a:schemeClr val="accent1">
+              <a:shade val="50000"/>
+            </a:schemeClr>
+          </a:lnRef>
+          <a:fillRef idx="1">
+            <a:schemeClr val="accent1"/>
+          </a:fillRef>
+          <a:effectRef idx="0">
+            <a:schemeClr val="accent1"/>
+          </a:effectRef>
+          <a:fontRef idx="minor">
+            <a:schemeClr val="lt1"/>
+          </a:fontRef>
+        </p:style>
+      </p:sp>
+      <p:sp>
+        <p:nvSpPr>
+          <p:cNvPr id="9" name="Rectangle 8"/>
+          <p:cNvSpPr/>
+          <p:nvPr/>
+        </p:nvSpPr>
+        <p:spPr>
+          <a:xfrm>
+            <a:off x="15" y="6334316"/>
+            <a:ext cx="12191985" cy="66484"/>
           </a:xfrm>
           <a:prstGeom prst="rect">
             <a:avLst/>
           </a:prstGeom>
-        </p:spPr>
-        <p:txBody>
-          <a:bodyPr vert="horz" lIns="91440" tIns="45720" rIns="91440" bIns="45720" rtlCol="0">
-            <a:normAutofit/>
-          </a:bodyPr>
-          <a:lstStyle/>
-          <a:p>
-            <a:pPr lvl="0"/>
-            <a:r>
-              <a:rPr lang="en-US"/>
-              <a:t>Edit Master text styles</a:t>
-            </a:r>
-          </a:p>
-          <a:p>
-            <a:pPr lvl="1"/>
-            <a:r>
-              <a:rPr lang="en-US"/>
-              <a:t>Second level</a:t>
-            </a:r>
-          </a:p>
-          <a:p>
-            <a:pPr lvl="2"/>
-            <a:r>
-              <a:rPr lang="en-US"/>
-              <a:t>Third level</a:t>
-            </a:r>
-          </a:p>
-          <a:p>
-            <a:pPr lvl="3"/>
-            <a:r>
-              <a:rPr lang="en-US"/>
-              <a:t>Fourth level</a:t>
-            </a:r>
-          </a:p>
-          <a:p>
-            <a:pPr lvl="4"/>
-            <a:r>
-              <a:rPr lang="en-US"/>
-              <a:t>Fifth level</a:t>
-            </a:r>
-          </a:p>
-        </p:txBody>
-      </p:sp>
-      <p:sp>
-        <p:nvSpPr>
-          <p:cNvPr id="4" name="Date Placeholder 3"/>
-          <p:cNvSpPr>
-            <a:spLocks noGrp="1"/>
-          </p:cNvSpPr>
-          <p:nvPr>
-            <p:ph type="dt" sz="half" idx="2"/>
-          </p:nvPr>
-        </p:nvSpPr>
-        <p:spPr>
-          <a:xfrm>
-            <a:off x="838200" y="6356350"/>
-            <a:ext cx="2743200" cy="365125"/>
+          <a:solidFill>
+            <a:schemeClr val="accent1"/>
+          </a:solidFill>
+          <a:ln>
+            <a:noFill/>
+          </a:ln>
+        </p:spPr>
+        <p:style>
+          <a:lnRef idx="2">
+            <a:schemeClr val="accent1">
+              <a:shade val="50000"/>
+            </a:schemeClr>
+          </a:lnRef>
+          <a:fillRef idx="1">
+            <a:schemeClr val="accent1"/>
+          </a:fillRef>
+          <a:effectRef idx="0">
+            <a:schemeClr val="accent1"/>
+          </a:effectRef>
+          <a:fontRef idx="minor">
+            <a:schemeClr val="lt1"/>
+          </a:fontRef>
+        </p:style>
+      </p:sp>
+      <p:sp>
+        <p:nvSpPr>
+          <p:cNvPr id="2" name="Title Placeholder 1"/>
+          <p:cNvSpPr>
+            <a:spLocks noGrp="1"/>
+          </p:cNvSpPr>
+          <p:nvPr>
+            <p:ph type="title"/>
+          </p:nvPr>
+        </p:nvSpPr>
+        <p:spPr>
+          <a:xfrm>
+            <a:off x="1097280" y="286603"/>
+            <a:ext cx="10058400" cy="1450757"/>
           </a:xfrm>
           <a:prstGeom prst="rect">
             <a:avLst/>
           </a:prstGeom>
         </p:spPr>
         <p:txBody>
+          <a:bodyPr vert="horz" lIns="91440" tIns="45720" rIns="91440" bIns="45720" rtlCol="0" anchor="b">
+            <a:normAutofit/>
+          </a:bodyPr>
+          <a:lstStyle/>
+          <a:p>
+            <a:r>
+              <a:rPr lang="en-US"/>
+              <a:t>Click to edit Master title style</a:t>
+            </a:r>
+            <a:endParaRPr lang="en-US" dirty="0"/>
+          </a:p>
+        </p:txBody>
+      </p:sp>
+      <p:sp>
+        <p:nvSpPr>
+          <p:cNvPr id="3" name="Text Placeholder 2"/>
+          <p:cNvSpPr>
+            <a:spLocks noGrp="1"/>
+          </p:cNvSpPr>
+          <p:nvPr>
+            <p:ph type="body" idx="1"/>
+          </p:nvPr>
+        </p:nvSpPr>
+        <p:spPr>
+          <a:xfrm>
+            <a:off x="1097280" y="1845734"/>
+            <a:ext cx="10058400" cy="4023360"/>
+          </a:xfrm>
+          <a:prstGeom prst="rect">
+            <a:avLst/>
+          </a:prstGeom>
+        </p:spPr>
+        <p:txBody>
+          <a:bodyPr vert="horz" lIns="0" tIns="45720" rIns="0" bIns="45720" rtlCol="0">
+            <a:normAutofit/>
+          </a:bodyPr>
+          <a:lstStyle/>
+          <a:p>
+            <a:pPr lvl="0"/>
+            <a:r>
+              <a:rPr lang="en-US"/>
+              <a:t>Edit Master text styles</a:t>
+            </a:r>
+          </a:p>
+          <a:p>
+            <a:pPr lvl="1"/>
+            <a:r>
+              <a:rPr lang="en-US"/>
+              <a:t>Second level</a:t>
+            </a:r>
+          </a:p>
+          <a:p>
+            <a:pPr lvl="2"/>
+            <a:r>
+              <a:rPr lang="en-US"/>
+              <a:t>Third level</a:t>
+            </a:r>
+          </a:p>
+          <a:p>
+            <a:pPr lvl="3"/>
+            <a:r>
+              <a:rPr lang="en-US"/>
+              <a:t>Fourth level</a:t>
+            </a:r>
+          </a:p>
+          <a:p>
+            <a:pPr lvl="4"/>
+            <a:r>
+              <a:rPr lang="en-US"/>
+              <a:t>Fifth level</a:t>
+            </a:r>
+            <a:endParaRPr lang="en-US" dirty="0"/>
+          </a:p>
+        </p:txBody>
+      </p:sp>
+      <p:sp>
+        <p:nvSpPr>
+          <p:cNvPr id="4" name="Date Placeholder 3"/>
+          <p:cNvSpPr>
+            <a:spLocks noGrp="1"/>
+          </p:cNvSpPr>
+          <p:nvPr>
+            <p:ph type="dt" sz="half" idx="2"/>
+          </p:nvPr>
+        </p:nvSpPr>
+        <p:spPr>
+          <a:xfrm>
+            <a:off x="1097280" y="6459785"/>
+            <a:ext cx="2472271" cy="365125"/>
+          </a:xfrm>
+          <a:prstGeom prst="rect">
+            <a:avLst/>
+          </a:prstGeom>
+        </p:spPr>
+        <p:txBody>
           <a:bodyPr vert="horz" lIns="91440" tIns="45720" rIns="91440" bIns="45720" rtlCol="0" anchor="ctr"/>
           <a:lstStyle>
             <a:lvl1pPr algn="l">
-              <a:defRPr sz="1200">
+              <a:defRPr sz="900">
                 <a:solidFill>
-                  <a:schemeClr val="tx1">
-                    <a:tint val="75000"/>
-                  </a:schemeClr>
+                  <a:srgbClr val="FFFFFF"/>
                 </a:solidFill>
               </a:defRPr>
             </a:lvl1pPr>
@@ -2555,7 +3299,7 @@
           <a:p>
             <a:fld id="{8E782B7B-5ADA-4838-B531-EF3ABBE6980E}" type="datetimeFigureOut">
               <a:rPr lang="en-US" smtClean="0"/>
-              <a:t>12/5/2016</a:t>
+              <a:t>12/13/2016</a:t>
             </a:fld>
             <a:endParaRPr lang="en-US"/>
           </a:p>
@@ -2573,8 +3317,8 @@
         </p:nvSpPr>
         <p:spPr>
           <a:xfrm>
-            <a:off x="4038600" y="6356350"/>
-            <a:ext cx="4114800" cy="365125"/>
+            <a:off x="3686185" y="6459785"/>
+            <a:ext cx="4822804" cy="365125"/>
           </a:xfrm>
           <a:prstGeom prst="rect">
             <a:avLst/>
@@ -2584,11 +3328,9 @@
           <a:bodyPr vert="horz" lIns="91440" tIns="45720" rIns="91440" bIns="45720" rtlCol="0" anchor="ctr"/>
           <a:lstStyle>
             <a:lvl1pPr algn="ctr">
-              <a:defRPr sz="1200">
+              <a:defRPr sz="900" cap="all" baseline="0">
                 <a:solidFill>
-                  <a:schemeClr val="tx1">
-                    <a:tint val="75000"/>
-                  </a:schemeClr>
+                  <a:srgbClr val="FFFFFF"/>
                 </a:solidFill>
               </a:defRPr>
             </a:lvl1pPr>
@@ -2610,8 +3352,8 @@
         </p:nvSpPr>
         <p:spPr>
           <a:xfrm>
-            <a:off x="8610600" y="6356350"/>
-            <a:ext cx="2743200" cy="365125"/>
+            <a:off x="9900458" y="6459785"/>
+            <a:ext cx="1312025" cy="365125"/>
           </a:xfrm>
           <a:prstGeom prst="rect">
             <a:avLst/>
@@ -2621,11 +3363,9 @@
           <a:bodyPr vert="horz" lIns="91440" tIns="45720" rIns="91440" bIns="45720" rtlCol="0" anchor="ctr"/>
           <a:lstStyle>
             <a:lvl1pPr algn="r">
-              <a:defRPr sz="1200">
+              <a:defRPr sz="1050">
                 <a:solidFill>
-                  <a:schemeClr val="tx1">
-                    <a:tint val="75000"/>
-                  </a:schemeClr>
+                  <a:srgbClr val="FFFFFF"/>
                 </a:solidFill>
               </a:defRPr>
             </a:lvl1pPr>
@@ -2639,40 +3379,81 @@
           </a:p>
         </p:txBody>
       </p:sp>
+      <p:cxnSp>
+        <p:nvCxnSpPr>
+          <p:cNvPr id="10" name="Straight Connector 9"/>
+          <p:cNvCxnSpPr/>
+          <p:nvPr/>
+        </p:nvCxnSpPr>
+        <p:spPr>
+          <a:xfrm>
+            <a:off x="1193532" y="1737845"/>
+            <a:ext cx="9966960" cy="0"/>
+          </a:xfrm>
+          <a:prstGeom prst="line">
+            <a:avLst/>
+          </a:prstGeom>
+          <a:ln w="6350">
+            <a:solidFill>
+              <a:schemeClr val="tx1">
+                <a:lumMod val="50000"/>
+                <a:lumOff val="50000"/>
+              </a:schemeClr>
+            </a:solidFill>
+          </a:ln>
+        </p:spPr>
+        <p:style>
+          <a:lnRef idx="1">
+            <a:schemeClr val="accent1"/>
+          </a:lnRef>
+          <a:fillRef idx="0">
+            <a:schemeClr val="accent1"/>
+          </a:fillRef>
+          <a:effectRef idx="0">
+            <a:schemeClr val="accent1"/>
+          </a:effectRef>
+          <a:fontRef idx="minor">
+            <a:schemeClr val="tx1"/>
+          </a:fontRef>
+        </p:style>
+      </p:cxnSp>
     </p:spTree>
     <p:extLst>
       <p:ext uri="{BB962C8B-B14F-4D97-AF65-F5344CB8AC3E}">
-        <p14:creationId xmlns:p14="http://schemas.microsoft.com/office/powerpoint/2010/main" val="1362289283"/>
+        <p14:creationId xmlns:p14="http://schemas.microsoft.com/office/powerpoint/2010/main" val="3469041681"/>
       </p:ext>
     </p:extLst>
   </p:cSld>
   <p:clrMap bg1="lt1" tx1="dk1" bg2="lt2" tx2="dk2" accent1="accent1" accent2="accent2" accent3="accent3" accent4="accent4" accent5="accent5" accent6="accent6" hlink="hlink" folHlink="folHlink"/>
   <p:sldLayoutIdLst>
-    <p:sldLayoutId id="2147483649" r:id="rId1"/>
-    <p:sldLayoutId id="2147483650" r:id="rId2"/>
-    <p:sldLayoutId id="2147483651" r:id="rId3"/>
-    <p:sldLayoutId id="2147483652" r:id="rId4"/>
-    <p:sldLayoutId id="2147483653" r:id="rId5"/>
-    <p:sldLayoutId id="2147483654" r:id="rId6"/>
-    <p:sldLayoutId id="2147483655" r:id="rId7"/>
-    <p:sldLayoutId id="2147483656" r:id="rId8"/>
-    <p:sldLayoutId id="2147483657" r:id="rId9"/>
-    <p:sldLayoutId id="2147483658" r:id="rId10"/>
-    <p:sldLayoutId id="2147483659" r:id="rId11"/>
+    <p:sldLayoutId id="2147483867" r:id="rId1"/>
+    <p:sldLayoutId id="2147483868" r:id="rId2"/>
+    <p:sldLayoutId id="2147483869" r:id="rId3"/>
+    <p:sldLayoutId id="2147483870" r:id="rId4"/>
+    <p:sldLayoutId id="2147483871" r:id="rId5"/>
+    <p:sldLayoutId id="2147483872" r:id="rId6"/>
+    <p:sldLayoutId id="2147483873" r:id="rId7"/>
+    <p:sldLayoutId id="2147483874" r:id="rId8"/>
+    <p:sldLayoutId id="2147483875" r:id="rId9"/>
+    <p:sldLayoutId id="2147483876" r:id="rId10"/>
+    <p:sldLayoutId id="2147483877" r:id="rId11"/>
   </p:sldLayoutIdLst>
   <p:txStyles>
     <p:titleStyle>
       <a:lvl1pPr algn="l" defTabSz="914400" rtl="0" eaLnBrk="1" latinLnBrk="0" hangingPunct="1">
         <a:lnSpc>
-          <a:spcPct val="90000"/>
+          <a:spcPct val="85000"/>
         </a:lnSpc>
         <a:spcBef>
           <a:spcPct val="0"/>
         </a:spcBef>
         <a:buNone/>
-        <a:defRPr sz="4400" kern="1200">
+        <a:defRPr sz="4800" kern="1200" spc="-50" baseline="0">
           <a:solidFill>
-            <a:schemeClr val="tx1"/>
+            <a:schemeClr val="tx1">
+              <a:lumMod val="75000"/>
+              <a:lumOff val="25000"/>
+            </a:schemeClr>
           </a:solidFill>
           <a:latin typeface="+mj-lt"/>
           <a:ea typeface="+mj-ea"/>
@@ -2681,162 +3462,244 @@
       </a:lvl1pPr>
     </p:titleStyle>
     <p:bodyStyle>
-      <a:lvl1pPr marL="228600" indent="-228600" algn="l" defTabSz="914400" rtl="0" eaLnBrk="1" latinLnBrk="0" hangingPunct="1">
+      <a:lvl1pPr marL="91440" indent="-91440" algn="l" defTabSz="914400" rtl="0" eaLnBrk="1" latinLnBrk="0" hangingPunct="1">
         <a:lnSpc>
           <a:spcPct val="90000"/>
         </a:lnSpc>
         <a:spcBef>
-          <a:spcPts val="1000"/>
+          <a:spcPts val="1200"/>
         </a:spcBef>
-        <a:buFont typeface="Arial" panose="020B0604020202020204" pitchFamily="34" charset="0"/>
-        <a:buChar char="•"/>
-        <a:defRPr sz="2800" kern="1200">
+        <a:spcAft>
+          <a:spcPts val="200"/>
+        </a:spcAft>
+        <a:buClr>
+          <a:schemeClr val="accent1"/>
+        </a:buClr>
+        <a:buSzPct val="100000"/>
+        <a:buFont typeface="Calibri" panose="020F0502020204030204" pitchFamily="34" charset="0"/>
+        <a:buChar char=" "/>
+        <a:defRPr sz="2000" kern="1200">
           <a:solidFill>
-            <a:schemeClr val="tx1"/>
+            <a:schemeClr val="tx1">
+              <a:lumMod val="75000"/>
+              <a:lumOff val="25000"/>
+            </a:schemeClr>
           </a:solidFill>
           <a:latin typeface="+mn-lt"/>
           <a:ea typeface="+mn-ea"/>
           <a:cs typeface="+mn-cs"/>
         </a:defRPr>
       </a:lvl1pPr>
-      <a:lvl2pPr marL="685800" indent="-228600" algn="l" defTabSz="914400" rtl="0" eaLnBrk="1" latinLnBrk="0" hangingPunct="1">
+      <a:lvl2pPr marL="384048" indent="-182880" algn="l" defTabSz="914400" rtl="0" eaLnBrk="1" latinLnBrk="0" hangingPunct="1">
         <a:lnSpc>
           <a:spcPct val="90000"/>
         </a:lnSpc>
         <a:spcBef>
-          <a:spcPts val="500"/>
+          <a:spcPts val="200"/>
         </a:spcBef>
-        <a:buFont typeface="Arial" panose="020B0604020202020204" pitchFamily="34" charset="0"/>
-        <a:buChar char="•"/>
-        <a:defRPr sz="2400" kern="1200">
+        <a:spcAft>
+          <a:spcPts val="400"/>
+        </a:spcAft>
+        <a:buClr>
+          <a:schemeClr val="accent1"/>
+        </a:buClr>
+        <a:buFont typeface="Calibri" pitchFamily="34" charset="0"/>
+        <a:buChar char="◦"/>
+        <a:defRPr sz="1800" kern="1200">
           <a:solidFill>
-            <a:schemeClr val="tx1"/>
+            <a:schemeClr val="tx1">
+              <a:lumMod val="75000"/>
+              <a:lumOff val="25000"/>
+            </a:schemeClr>
           </a:solidFill>
           <a:latin typeface="+mn-lt"/>
           <a:ea typeface="+mn-ea"/>
           <a:cs typeface="+mn-cs"/>
         </a:defRPr>
       </a:lvl2pPr>
-      <a:lvl3pPr marL="1143000" indent="-228600" algn="l" defTabSz="914400" rtl="0" eaLnBrk="1" latinLnBrk="0" hangingPunct="1">
+      <a:lvl3pPr marL="566928" indent="-182880" algn="l" defTabSz="914400" rtl="0" eaLnBrk="1" latinLnBrk="0" hangingPunct="1">
         <a:lnSpc>
           <a:spcPct val="90000"/>
         </a:lnSpc>
         <a:spcBef>
-          <a:spcPts val="500"/>
+          <a:spcPts val="200"/>
         </a:spcBef>
-        <a:buFont typeface="Arial" panose="020B0604020202020204" pitchFamily="34" charset="0"/>
-        <a:buChar char="•"/>
-        <a:defRPr sz="2000" kern="1200">
+        <a:spcAft>
+          <a:spcPts val="400"/>
+        </a:spcAft>
+        <a:buClr>
+          <a:schemeClr val="accent1"/>
+        </a:buClr>
+        <a:buFont typeface="Calibri" pitchFamily="34" charset="0"/>
+        <a:buChar char="◦"/>
+        <a:defRPr sz="1400" kern="1200">
           <a:solidFill>
-            <a:schemeClr val="tx1"/>
+            <a:schemeClr val="tx1">
+              <a:lumMod val="75000"/>
+              <a:lumOff val="25000"/>
+            </a:schemeClr>
           </a:solidFill>
           <a:latin typeface="+mn-lt"/>
           <a:ea typeface="+mn-ea"/>
           <a:cs typeface="+mn-cs"/>
         </a:defRPr>
       </a:lvl3pPr>
-      <a:lvl4pPr marL="1600200" indent="-228600" algn="l" defTabSz="914400" rtl="0" eaLnBrk="1" latinLnBrk="0" hangingPunct="1">
+      <a:lvl4pPr marL="749808" indent="-182880" algn="l" defTabSz="914400" rtl="0" eaLnBrk="1" latinLnBrk="0" hangingPunct="1">
         <a:lnSpc>
           <a:spcPct val="90000"/>
         </a:lnSpc>
         <a:spcBef>
-          <a:spcPts val="500"/>
+          <a:spcPts val="200"/>
         </a:spcBef>
-        <a:buFont typeface="Arial" panose="020B0604020202020204" pitchFamily="34" charset="0"/>
-        <a:buChar char="•"/>
-        <a:defRPr sz="1800" kern="1200">
+        <a:spcAft>
+          <a:spcPts val="400"/>
+        </a:spcAft>
+        <a:buClr>
+          <a:schemeClr val="accent1"/>
+        </a:buClr>
+        <a:buFont typeface="Calibri" pitchFamily="34" charset="0"/>
+        <a:buChar char="◦"/>
+        <a:defRPr sz="1400" kern="1200">
           <a:solidFill>
-            <a:schemeClr val="tx1"/>
+            <a:schemeClr val="tx1">
+              <a:lumMod val="75000"/>
+              <a:lumOff val="25000"/>
+            </a:schemeClr>
           </a:solidFill>
           <a:latin typeface="+mn-lt"/>
           <a:ea typeface="+mn-ea"/>
           <a:cs typeface="+mn-cs"/>
         </a:defRPr>
       </a:lvl4pPr>
-      <a:lvl5pPr marL="2057400" indent="-228600" algn="l" defTabSz="914400" rtl="0" eaLnBrk="1" latinLnBrk="0" hangingPunct="1">
+      <a:lvl5pPr marL="932688" indent="-182880" algn="l" defTabSz="914400" rtl="0" eaLnBrk="1" latinLnBrk="0" hangingPunct="1">
         <a:lnSpc>
           <a:spcPct val="90000"/>
         </a:lnSpc>
         <a:spcBef>
-          <a:spcPts val="500"/>
+          <a:spcPts val="200"/>
         </a:spcBef>
-        <a:buFont typeface="Arial" panose="020B0604020202020204" pitchFamily="34" charset="0"/>
-        <a:buChar char="•"/>
-        <a:defRPr sz="1800" kern="1200">
+        <a:spcAft>
+          <a:spcPts val="400"/>
+        </a:spcAft>
+        <a:buClr>
+          <a:schemeClr val="accent1"/>
+        </a:buClr>
+        <a:buFont typeface="Calibri" pitchFamily="34" charset="0"/>
+        <a:buChar char="◦"/>
+        <a:defRPr sz="1400" kern="1200">
           <a:solidFill>
-            <a:schemeClr val="tx1"/>
+            <a:schemeClr val="tx1">
+              <a:lumMod val="75000"/>
+              <a:lumOff val="25000"/>
+            </a:schemeClr>
           </a:solidFill>
           <a:latin typeface="+mn-lt"/>
           <a:ea typeface="+mn-ea"/>
           <a:cs typeface="+mn-cs"/>
         </a:defRPr>
       </a:lvl5pPr>
-      <a:lvl6pPr marL="2514600" indent="-228600" algn="l" defTabSz="914400" rtl="0" eaLnBrk="1" latinLnBrk="0" hangingPunct="1">
+      <a:lvl6pPr marL="1100000" indent="-228600" algn="l" defTabSz="914400" rtl="0" eaLnBrk="1" latinLnBrk="0" hangingPunct="1">
         <a:lnSpc>
           <a:spcPct val="90000"/>
         </a:lnSpc>
         <a:spcBef>
-          <a:spcPts val="500"/>
+          <a:spcPts val="200"/>
         </a:spcBef>
-        <a:buFont typeface="Arial" panose="020B0604020202020204" pitchFamily="34" charset="0"/>
-        <a:buChar char="•"/>
-        <a:defRPr sz="1800" kern="1200">
+        <a:spcAft>
+          <a:spcPts val="400"/>
+        </a:spcAft>
+        <a:buClr>
+          <a:schemeClr val="accent1"/>
+        </a:buClr>
+        <a:buFont typeface="Calibri" pitchFamily="34" charset="0"/>
+        <a:buChar char="◦"/>
+        <a:defRPr sz="1400" kern="1200">
           <a:solidFill>
-            <a:schemeClr val="tx1"/>
+            <a:schemeClr val="tx1">
+              <a:lumMod val="75000"/>
+              <a:lumOff val="25000"/>
+            </a:schemeClr>
           </a:solidFill>
           <a:latin typeface="+mn-lt"/>
           <a:ea typeface="+mn-ea"/>
           <a:cs typeface="+mn-cs"/>
         </a:defRPr>
       </a:lvl6pPr>
-      <a:lvl7pPr marL="2971800" indent="-228600" algn="l" defTabSz="914400" rtl="0" eaLnBrk="1" latinLnBrk="0" hangingPunct="1">
+      <a:lvl7pPr marL="1300000" indent="-228600" algn="l" defTabSz="914400" rtl="0" eaLnBrk="1" latinLnBrk="0" hangingPunct="1">
         <a:lnSpc>
           <a:spcPct val="90000"/>
         </a:lnSpc>
         <a:spcBef>
-          <a:spcPts val="500"/>
+          <a:spcPts val="200"/>
         </a:spcBef>
-        <a:buFont typeface="Arial" panose="020B0604020202020204" pitchFamily="34" charset="0"/>
-        <a:buChar char="•"/>
-        <a:defRPr sz="1800" kern="1200">
+        <a:spcAft>
+          <a:spcPts val="400"/>
+        </a:spcAft>
+        <a:buClr>
+          <a:schemeClr val="accent1"/>
+        </a:buClr>
+        <a:buFont typeface="Calibri" pitchFamily="34" charset="0"/>
+        <a:buChar char="◦"/>
+        <a:defRPr sz="1400" kern="1200">
           <a:solidFill>
-            <a:schemeClr val="tx1"/>
+            <a:schemeClr val="tx1">
+              <a:lumMod val="75000"/>
+              <a:lumOff val="25000"/>
+            </a:schemeClr>
           </a:solidFill>
           <a:latin typeface="+mn-lt"/>
           <a:ea typeface="+mn-ea"/>
           <a:cs typeface="+mn-cs"/>
         </a:defRPr>
       </a:lvl7pPr>
-      <a:lvl8pPr marL="3429000" indent="-228600" algn="l" defTabSz="914400" rtl="0" eaLnBrk="1" latinLnBrk="0" hangingPunct="1">
+      <a:lvl8pPr marL="1500000" indent="-228600" algn="l" defTabSz="914400" rtl="0" eaLnBrk="1" latinLnBrk="0" hangingPunct="1">
         <a:lnSpc>
           <a:spcPct val="90000"/>
         </a:lnSpc>
         <a:spcBef>
-          <a:spcPts val="500"/>
+          <a:spcPts val="200"/>
         </a:spcBef>
-        <a:buFont typeface="Arial" panose="020B0604020202020204" pitchFamily="34" charset="0"/>
-        <a:buChar char="•"/>
-        <a:defRPr sz="1800" kern="1200">
+        <a:spcAft>
+          <a:spcPts val="400"/>
+        </a:spcAft>
+        <a:buClr>
+          <a:schemeClr val="accent1"/>
+        </a:buClr>
+        <a:buFont typeface="Calibri" pitchFamily="34" charset="0"/>
+        <a:buChar char="◦"/>
+        <a:defRPr sz="1400" kern="1200">
           <a:solidFill>
-            <a:schemeClr val="tx1"/>
+            <a:schemeClr val="tx1">
+              <a:lumMod val="75000"/>
+              <a:lumOff val="25000"/>
+            </a:schemeClr>
           </a:solidFill>
           <a:latin typeface="+mn-lt"/>
           <a:ea typeface="+mn-ea"/>
           <a:cs typeface="+mn-cs"/>
         </a:defRPr>
       </a:lvl8pPr>
-      <a:lvl9pPr marL="3886200" indent="-228600" algn="l" defTabSz="914400" rtl="0" eaLnBrk="1" latinLnBrk="0" hangingPunct="1">
+      <a:lvl9pPr marL="1700000" indent="-228600" algn="l" defTabSz="914400" rtl="0" eaLnBrk="1" latinLnBrk="0" hangingPunct="1">
         <a:lnSpc>
           <a:spcPct val="90000"/>
         </a:lnSpc>
         <a:spcBef>
-          <a:spcPts val="500"/>
+          <a:spcPts val="200"/>
         </a:spcBef>
-        <a:buFont typeface="Arial" panose="020B0604020202020204" pitchFamily="34" charset="0"/>
-        <a:buChar char="•"/>
-        <a:defRPr sz="1800" kern="1200">
+        <a:spcAft>
+          <a:spcPts val="400"/>
+        </a:spcAft>
+        <a:buClr>
+          <a:schemeClr val="accent1"/>
+        </a:buClr>
+        <a:buFont typeface="Calibri" pitchFamily="34" charset="0"/>
+        <a:buChar char="◦"/>
+        <a:defRPr sz="1400" kern="1200">
           <a:solidFill>
-            <a:schemeClr val="tx1"/>
+            <a:schemeClr val="tx1">
+              <a:lumMod val="75000"/>
+              <a:lumOff val="25000"/>
+            </a:schemeClr>
           </a:solidFill>
           <a:latin typeface="+mn-lt"/>
           <a:ea typeface="+mn-ea"/>
@@ -2972,11 +3835,13 @@
         </p:nvSpPr>
         <p:spPr/>
         <p:txBody>
-          <a:bodyPr/>
-          <a:lstStyle/>
-          <a:p>
-            <a:r>
-              <a:rPr lang="en-US" dirty="0"/>
+          <a:bodyPr>
+            <a:normAutofit/>
+          </a:bodyPr>
+          <a:lstStyle/>
+          <a:p>
+            <a:r>
+              <a:rPr lang="en-US" b="1" dirty="0"/>
               <a:t>PREDICTING  PROCEDURE  TIMES</a:t>
             </a:r>
           </a:p>
@@ -3031,90 +3896,39 @@
           <a:chExt cx="0" cy="0"/>
         </a:xfrm>
       </p:grpSpPr>
-      <p:sp>
-        <p:nvSpPr>
-          <p:cNvPr id="2" name="Title 1"/>
-          <p:cNvSpPr>
-            <a:spLocks noGrp="1"/>
-          </p:cNvSpPr>
-          <p:nvPr>
-            <p:ph type="title"/>
-          </p:nvPr>
-        </p:nvSpPr>
-        <p:spPr/>
-        <p:txBody>
-          <a:bodyPr/>
-          <a:lstStyle/>
-          <a:p>
-            <a:r>
-              <a:rPr lang="en-US" dirty="0"/>
-              <a:t>Algorithm Selection</a:t>
-            </a:r>
-          </a:p>
-        </p:txBody>
-      </p:sp>
-      <p:sp>
-        <p:nvSpPr>
-          <p:cNvPr id="3" name="Content Placeholder 2"/>
-          <p:cNvSpPr>
-            <a:spLocks noGrp="1"/>
-          </p:cNvSpPr>
+      <p:pic>
+        <p:nvPicPr>
+          <p:cNvPr id="10" name="Content Placeholder 9"/>
+          <p:cNvPicPr>
+            <a:picLocks noGrp="1" noChangeAspect="1"/>
+          </p:cNvPicPr>
           <p:nvPr>
             <p:ph idx="1"/>
           </p:nvPr>
-        </p:nvSpPr>
-        <p:spPr/>
-        <p:txBody>
-          <a:bodyPr/>
-          <a:lstStyle/>
-          <a:p>
-            <a:r>
-              <a:rPr lang="en-US" dirty="0"/>
-              <a:t>Simpler algorithms like KNN and Linear Regression Seem to work better then more complicated algorithms like Random Forest</a:t>
-            </a:r>
-          </a:p>
-          <a:p>
-            <a:endParaRPr lang="en-US" dirty="0"/>
-          </a:p>
-          <a:p>
-            <a:r>
-              <a:rPr lang="en-US" dirty="0"/>
-              <a:t>This is most likely due to the relatively small amount of data I have available</a:t>
-            </a:r>
-          </a:p>
-          <a:p>
-            <a:endParaRPr lang="en-US" dirty="0"/>
-          </a:p>
-          <a:p>
-            <a:r>
-              <a:rPr lang="en-US" dirty="0"/>
-              <a:t>Eventually I narrowed in on 3 main algorithms: KNN, Linear Regression and SGD and ensembled combinations of all three</a:t>
-            </a:r>
-          </a:p>
-          <a:p>
-            <a:endParaRPr lang="en-US" dirty="0"/>
-          </a:p>
-          <a:p>
-            <a:endParaRPr lang="en-US" dirty="0"/>
-          </a:p>
-          <a:p>
-            <a:pPr marL="0" indent="0">
-              <a:buNone/>
-            </a:pPr>
-            <a:endParaRPr lang="en-US" dirty="0"/>
-          </a:p>
-          <a:p>
-            <a:endParaRPr lang="en-US" dirty="0"/>
-          </a:p>
-          <a:p>
-            <a:endParaRPr lang="en-US" dirty="0"/>
-          </a:p>
-        </p:txBody>
-      </p:sp>
+        </p:nvPicPr>
+        <p:blipFill>
+          <a:blip r:embed="rId2">
+            <a:extLst>
+              <a:ext uri="{28A0092B-C50C-407E-A947-70E740481C1C}">
+                <a14:useLocalDpi xmlns:a14="http://schemas.microsoft.com/office/drawing/2010/main" val="0"/>
+              </a:ext>
+            </a:extLst>
+          </a:blip>
+          <a:stretch>
+            <a:fillRect/>
+          </a:stretch>
+        </p:blipFill>
+        <p:spPr>
+          <a:xfrm>
+            <a:off x="232952" y="351488"/>
+            <a:ext cx="11794330" cy="5936567"/>
+          </a:xfrm>
+        </p:spPr>
+      </p:pic>
     </p:spTree>
     <p:extLst>
       <p:ext uri="{BB962C8B-B14F-4D97-AF65-F5344CB8AC3E}">
-        <p14:creationId xmlns:p14="http://schemas.microsoft.com/office/powerpoint/2010/main" val="2240850356"/>
+        <p14:creationId xmlns:p14="http://schemas.microsoft.com/office/powerpoint/2010/main" val="1629685798"/>
       </p:ext>
     </p:extLst>
   </p:cSld>
@@ -3141,87 +3955,174 @@
           <a:chExt cx="0" cy="0"/>
         </a:xfrm>
       </p:grpSpPr>
-      <p:sp>
-        <p:nvSpPr>
-          <p:cNvPr id="2" name="Title 1"/>
-          <p:cNvSpPr>
-            <a:spLocks noGrp="1"/>
-          </p:cNvSpPr>
-          <p:nvPr>
-            <p:ph type="title"/>
-          </p:nvPr>
-        </p:nvSpPr>
-        <p:spPr/>
-        <p:txBody>
-          <a:bodyPr/>
-          <a:lstStyle/>
-          <a:p>
-            <a:r>
-              <a:rPr lang="en-US" dirty="0"/>
-              <a:t>Feature Selection</a:t>
-            </a:r>
-          </a:p>
-        </p:txBody>
-      </p:sp>
-      <p:sp>
-        <p:nvSpPr>
-          <p:cNvPr id="3" name="Content Placeholder 2"/>
-          <p:cNvSpPr>
-            <a:spLocks noGrp="1"/>
-          </p:cNvSpPr>
+      <p:pic>
+        <p:nvPicPr>
+          <p:cNvPr id="10" name="Content Placeholder 9"/>
+          <p:cNvPicPr>
+            <a:picLocks noGrp="1" noChangeAspect="1"/>
+          </p:cNvPicPr>
           <p:nvPr>
             <p:ph idx="1"/>
           </p:nvPr>
-        </p:nvSpPr>
-        <p:spPr/>
-        <p:txBody>
-          <a:bodyPr/>
-          <a:lstStyle/>
-          <a:p>
-            <a:pPr marL="0" indent="0">
-              <a:buNone/>
-            </a:pPr>
-            <a:r>
-              <a:rPr lang="en-US" dirty="0"/>
-              <a:t>To select my features I used stepwise feature selection, which means selecting the K Best feature for 1 feature – through my total list of features. </a:t>
-            </a:r>
-          </a:p>
-          <a:p>
-            <a:pPr marL="0" indent="0">
-              <a:buNone/>
-            </a:pPr>
-            <a:endParaRPr lang="en-US" dirty="0"/>
-          </a:p>
-          <a:p>
-            <a:pPr marL="0" indent="0">
-              <a:buNone/>
-            </a:pPr>
-            <a:endParaRPr lang="en-US" dirty="0"/>
-          </a:p>
-          <a:p>
-            <a:pPr marL="0" indent="0">
-              <a:buNone/>
-            </a:pPr>
-            <a:endParaRPr lang="en-US" dirty="0"/>
-          </a:p>
-          <a:p>
-            <a:pPr marL="0" indent="0">
-              <a:buNone/>
-            </a:pPr>
-            <a:endParaRPr lang="en-US" dirty="0"/>
-          </a:p>
-          <a:p>
-            <a:pPr marL="0" indent="0">
-              <a:buNone/>
-            </a:pPr>
-            <a:endParaRPr lang="en-US" dirty="0"/>
-          </a:p>
-        </p:txBody>
-      </p:sp>
+        </p:nvPicPr>
+        <p:blipFill>
+          <a:blip r:embed="rId2">
+            <a:extLst>
+              <a:ext uri="{28A0092B-C50C-407E-A947-70E740481C1C}">
+                <a14:useLocalDpi xmlns:a14="http://schemas.microsoft.com/office/drawing/2010/main" val="0"/>
+              </a:ext>
+            </a:extLst>
+          </a:blip>
+          <a:stretch>
+            <a:fillRect/>
+          </a:stretch>
+        </p:blipFill>
+        <p:spPr>
+          <a:xfrm>
+            <a:off x="232952" y="351488"/>
+            <a:ext cx="11794330" cy="5936567"/>
+          </a:xfrm>
+        </p:spPr>
+      </p:pic>
+      <p:sp>
+        <p:nvSpPr>
+          <p:cNvPr id="2" name="TextBox 1"/>
+          <p:cNvSpPr txBox="1"/>
+          <p:nvPr/>
+        </p:nvSpPr>
+        <p:spPr>
+          <a:xfrm>
+            <a:off x="7288696" y="980661"/>
+            <a:ext cx="2743200" cy="646331"/>
+          </a:xfrm>
+          <a:prstGeom prst="rect">
+            <a:avLst/>
+          </a:prstGeom>
+          <a:noFill/>
+        </p:spPr>
+        <p:txBody>
+          <a:bodyPr wrap="square" rtlCol="0">
+            <a:spAutoFit/>
+          </a:bodyPr>
+          <a:lstStyle/>
+          <a:p>
+            <a:r>
+              <a:rPr lang="en-US" dirty="0">
+                <a:solidFill>
+                  <a:srgbClr val="FF0000"/>
+                </a:solidFill>
+              </a:rPr>
+              <a:t>Spinal Cord Stimulators take a while!</a:t>
+            </a:r>
+          </a:p>
+        </p:txBody>
+      </p:sp>
+      <p:cxnSp>
+        <p:nvCxnSpPr>
+          <p:cNvPr id="4" name="Straight Arrow Connector 3"/>
+          <p:cNvCxnSpPr/>
+          <p:nvPr/>
+        </p:nvCxnSpPr>
+        <p:spPr>
+          <a:xfrm flipH="1">
+            <a:off x="7248939" y="1868557"/>
+            <a:ext cx="477078" cy="795130"/>
+          </a:xfrm>
+          <a:prstGeom prst="straightConnector1">
+            <a:avLst/>
+          </a:prstGeom>
+          <a:ln>
+            <a:tailEnd type="triangle"/>
+          </a:ln>
+        </p:spPr>
+        <p:style>
+          <a:lnRef idx="1">
+            <a:schemeClr val="accent1"/>
+          </a:lnRef>
+          <a:fillRef idx="0">
+            <a:schemeClr val="accent1"/>
+          </a:fillRef>
+          <a:effectRef idx="0">
+            <a:schemeClr val="accent1"/>
+          </a:effectRef>
+          <a:fontRef idx="minor">
+            <a:schemeClr val="tx1"/>
+          </a:fontRef>
+        </p:style>
+      </p:cxnSp>
+      <p:cxnSp>
+        <p:nvCxnSpPr>
+          <p:cNvPr id="6" name="Straight Arrow Connector 5"/>
+          <p:cNvCxnSpPr/>
+          <p:nvPr/>
+        </p:nvCxnSpPr>
+        <p:spPr>
+          <a:xfrm>
+            <a:off x="8660296" y="1747774"/>
+            <a:ext cx="394719" cy="823148"/>
+          </a:xfrm>
+          <a:prstGeom prst="straightConnector1">
+            <a:avLst/>
+          </a:prstGeom>
+          <a:ln>
+            <a:tailEnd type="triangle"/>
+          </a:ln>
+        </p:spPr>
+        <p:style>
+          <a:lnRef idx="1">
+            <a:schemeClr val="accent1"/>
+          </a:lnRef>
+          <a:fillRef idx="0">
+            <a:schemeClr val="accent1"/>
+          </a:fillRef>
+          <a:effectRef idx="0">
+            <a:schemeClr val="accent1"/>
+          </a:effectRef>
+          <a:fontRef idx="minor">
+            <a:schemeClr val="tx1"/>
+          </a:fontRef>
+        </p:style>
+      </p:cxnSp>
+      <p:cxnSp>
+        <p:nvCxnSpPr>
+          <p:cNvPr id="8" name="Straight Arrow Connector 7"/>
+          <p:cNvCxnSpPr/>
+          <p:nvPr/>
+        </p:nvCxnSpPr>
+        <p:spPr>
+          <a:xfrm flipH="1">
+            <a:off x="6520070" y="1626992"/>
+            <a:ext cx="516834" cy="241565"/>
+          </a:xfrm>
+          <a:prstGeom prst="straightConnector1">
+            <a:avLst/>
+          </a:prstGeom>
+          <a:ln>
+            <a:solidFill>
+              <a:schemeClr val="accent1"/>
+            </a:solidFill>
+            <a:tailEnd type="triangle"/>
+          </a:ln>
+        </p:spPr>
+        <p:style>
+          <a:lnRef idx="1">
+            <a:schemeClr val="accent1"/>
+          </a:lnRef>
+          <a:fillRef idx="0">
+            <a:schemeClr val="accent1"/>
+          </a:fillRef>
+          <a:effectRef idx="0">
+            <a:schemeClr val="accent1"/>
+          </a:effectRef>
+          <a:fontRef idx="minor">
+            <a:schemeClr val="tx1"/>
+          </a:fontRef>
+        </p:style>
+      </p:cxnSp>
     </p:spTree>
     <p:extLst>
       <p:ext uri="{BB962C8B-B14F-4D97-AF65-F5344CB8AC3E}">
-        <p14:creationId xmlns:p14="http://schemas.microsoft.com/office/powerpoint/2010/main" val="1291102610"/>
+        <p14:creationId xmlns:p14="http://schemas.microsoft.com/office/powerpoint/2010/main" val="3895156134"/>
       </p:ext>
     </p:extLst>
   </p:cSld>
@@ -3265,697 +4166,44 @@
           <a:p>
             <a:r>
               <a:rPr lang="en-US" dirty="0"/>
-              <a:t>Ensemble creation</a:t>
-            </a:r>
-          </a:p>
-        </p:txBody>
-      </p:sp>
-      <p:sp>
-        <p:nvSpPr>
-          <p:cNvPr id="3" name="Content Placeholder 2"/>
-          <p:cNvSpPr>
-            <a:spLocks noGrp="1"/>
-          </p:cNvSpPr>
+              <a:t>However … CPT codes are best</a:t>
+            </a:r>
+          </a:p>
+        </p:txBody>
+      </p:sp>
+      <p:pic>
+        <p:nvPicPr>
+          <p:cNvPr id="4" name="Content Placeholder 3"/>
+          <p:cNvPicPr>
+            <a:picLocks noGrp="1" noChangeAspect="1"/>
+          </p:cNvPicPr>
           <p:nvPr>
             <p:ph idx="1"/>
           </p:nvPr>
-        </p:nvSpPr>
-        <p:spPr/>
-        <p:txBody>
-          <a:bodyPr/>
-          <a:lstStyle/>
-          <a:p>
-            <a:pPr marL="0" indent="0">
-              <a:buNone/>
-            </a:pPr>
-            <a:r>
-              <a:rPr lang="en-US" dirty="0"/>
-              <a:t>I used the predictions of some combination of Linear Regression, KNN and SGD as features which I fed into a another KNN, SGD or Linear Regression Algorithm</a:t>
-            </a:r>
-          </a:p>
-          <a:p>
-            <a:pPr marL="0" indent="0">
-              <a:buNone/>
-            </a:pPr>
-            <a:endParaRPr lang="en-US" dirty="0"/>
-          </a:p>
-        </p:txBody>
-      </p:sp>
-      <p:sp>
-        <p:nvSpPr>
-          <p:cNvPr id="4" name="Rectangle 3"/>
-          <p:cNvSpPr/>
-          <p:nvPr/>
-        </p:nvSpPr>
-        <p:spPr>
-          <a:xfrm>
-            <a:off x="1007165" y="4412974"/>
-            <a:ext cx="1881809" cy="1166191"/>
-          </a:xfrm>
-          <a:prstGeom prst="rect">
-            <a:avLst/>
-          </a:prstGeom>
-        </p:spPr>
-        <p:style>
-          <a:lnRef idx="2">
-            <a:schemeClr val="accent1">
-              <a:shade val="50000"/>
-            </a:schemeClr>
-          </a:lnRef>
-          <a:fillRef idx="1">
-            <a:schemeClr val="accent1"/>
-          </a:fillRef>
-          <a:effectRef idx="0">
-            <a:schemeClr val="accent1"/>
-          </a:effectRef>
-          <a:fontRef idx="minor">
-            <a:schemeClr val="lt1"/>
-          </a:fontRef>
-        </p:style>
-        <p:txBody>
-          <a:bodyPr rtlCol="0" anchor="ctr"/>
-          <a:lstStyle/>
-          <a:p>
-            <a:pPr algn="ctr"/>
-            <a:endParaRPr lang="en-US"/>
-          </a:p>
-        </p:txBody>
-      </p:sp>
-      <p:sp>
-        <p:nvSpPr>
-          <p:cNvPr id="6" name="TextBox 5"/>
-          <p:cNvSpPr txBox="1"/>
-          <p:nvPr/>
-        </p:nvSpPr>
-        <p:spPr>
-          <a:xfrm>
-            <a:off x="1179442" y="4532245"/>
-            <a:ext cx="1709532" cy="646331"/>
-          </a:xfrm>
-          <a:prstGeom prst="rect">
-            <a:avLst/>
-          </a:prstGeom>
-          <a:noFill/>
-        </p:spPr>
-        <p:txBody>
-          <a:bodyPr wrap="square" rtlCol="0">
-            <a:spAutoFit/>
-          </a:bodyPr>
-          <a:lstStyle/>
-          <a:p>
-            <a:endParaRPr lang="en-US" dirty="0"/>
-          </a:p>
-          <a:p>
-            <a:r>
-              <a:rPr lang="en-US" dirty="0"/>
-              <a:t>K Best Features</a:t>
-            </a:r>
-          </a:p>
-        </p:txBody>
-      </p:sp>
-      <p:sp>
-        <p:nvSpPr>
-          <p:cNvPr id="8" name="Rectangle 7"/>
-          <p:cNvSpPr/>
-          <p:nvPr/>
-        </p:nvSpPr>
-        <p:spPr>
-          <a:xfrm>
-            <a:off x="4025348" y="3507182"/>
-            <a:ext cx="1477618" cy="848139"/>
-          </a:xfrm>
-          <a:prstGeom prst="rect">
-            <a:avLst/>
-          </a:prstGeom>
-        </p:spPr>
-        <p:style>
-          <a:lnRef idx="2">
-            <a:schemeClr val="accent1">
-              <a:shade val="50000"/>
-            </a:schemeClr>
-          </a:lnRef>
-          <a:fillRef idx="1">
-            <a:schemeClr val="accent1"/>
-          </a:fillRef>
-          <a:effectRef idx="0">
-            <a:schemeClr val="accent1"/>
-          </a:effectRef>
-          <a:fontRef idx="minor">
-            <a:schemeClr val="lt1"/>
-          </a:fontRef>
-        </p:style>
-        <p:txBody>
-          <a:bodyPr rtlCol="0" anchor="ctr"/>
-          <a:lstStyle/>
-          <a:p>
-            <a:pPr algn="ctr"/>
-            <a:endParaRPr lang="en-US"/>
-          </a:p>
-        </p:txBody>
-      </p:sp>
-      <p:sp>
-        <p:nvSpPr>
-          <p:cNvPr id="9" name="Rectangle 8"/>
-          <p:cNvSpPr/>
-          <p:nvPr/>
-        </p:nvSpPr>
-        <p:spPr>
-          <a:xfrm>
-            <a:off x="4025348" y="4731026"/>
-            <a:ext cx="1477618" cy="848139"/>
-          </a:xfrm>
-          <a:prstGeom prst="rect">
-            <a:avLst/>
-          </a:prstGeom>
-        </p:spPr>
-        <p:style>
-          <a:lnRef idx="2">
-            <a:schemeClr val="accent1">
-              <a:shade val="50000"/>
-            </a:schemeClr>
-          </a:lnRef>
-          <a:fillRef idx="1">
-            <a:schemeClr val="accent1"/>
-          </a:fillRef>
-          <a:effectRef idx="0">
-            <a:schemeClr val="accent1"/>
-          </a:effectRef>
-          <a:fontRef idx="minor">
-            <a:schemeClr val="lt1"/>
-          </a:fontRef>
-        </p:style>
-        <p:txBody>
-          <a:bodyPr rtlCol="0" anchor="ctr"/>
-          <a:lstStyle/>
-          <a:p>
-            <a:pPr algn="ctr"/>
-            <a:endParaRPr lang="en-US"/>
-          </a:p>
-        </p:txBody>
-      </p:sp>
-      <p:sp>
-        <p:nvSpPr>
-          <p:cNvPr id="10" name="Rectangle 9"/>
-          <p:cNvSpPr/>
-          <p:nvPr/>
-        </p:nvSpPr>
-        <p:spPr>
-          <a:xfrm>
-            <a:off x="4025348" y="5887830"/>
-            <a:ext cx="1477618" cy="848139"/>
-          </a:xfrm>
-          <a:prstGeom prst="rect">
-            <a:avLst/>
-          </a:prstGeom>
-        </p:spPr>
-        <p:style>
-          <a:lnRef idx="2">
-            <a:schemeClr val="accent1">
-              <a:shade val="50000"/>
-            </a:schemeClr>
-          </a:lnRef>
-          <a:fillRef idx="1">
-            <a:schemeClr val="accent1"/>
-          </a:fillRef>
-          <a:effectRef idx="0">
-            <a:schemeClr val="accent1"/>
-          </a:effectRef>
-          <a:fontRef idx="minor">
-            <a:schemeClr val="lt1"/>
-          </a:fontRef>
-        </p:style>
-        <p:txBody>
-          <a:bodyPr rtlCol="0" anchor="ctr"/>
-          <a:lstStyle/>
-          <a:p>
-            <a:pPr algn="ctr"/>
-            <a:endParaRPr lang="en-US"/>
-          </a:p>
-        </p:txBody>
-      </p:sp>
-      <p:cxnSp>
-        <p:nvCxnSpPr>
-          <p:cNvPr id="12" name="Straight Arrow Connector 11"/>
-          <p:cNvCxnSpPr/>
-          <p:nvPr/>
-        </p:nvCxnSpPr>
-        <p:spPr>
-          <a:xfrm flipV="1">
-            <a:off x="3061252" y="4094922"/>
-            <a:ext cx="768626" cy="760488"/>
-          </a:xfrm>
-          <a:prstGeom prst="straightConnector1">
-            <a:avLst/>
-          </a:prstGeom>
-          <a:ln>
-            <a:tailEnd type="triangle"/>
-          </a:ln>
-        </p:spPr>
-        <p:style>
-          <a:lnRef idx="1">
-            <a:schemeClr val="accent1"/>
-          </a:lnRef>
-          <a:fillRef idx="0">
-            <a:schemeClr val="accent1"/>
-          </a:fillRef>
-          <a:effectRef idx="0">
-            <a:schemeClr val="accent1"/>
-          </a:effectRef>
-          <a:fontRef idx="minor">
-            <a:schemeClr val="tx1"/>
-          </a:fontRef>
-        </p:style>
-      </p:cxnSp>
-      <p:cxnSp>
-        <p:nvCxnSpPr>
-          <p:cNvPr id="14" name="Straight Arrow Connector 13"/>
-          <p:cNvCxnSpPr/>
-          <p:nvPr/>
-        </p:nvCxnSpPr>
-        <p:spPr>
-          <a:xfrm>
-            <a:off x="3072848" y="5178576"/>
-            <a:ext cx="664265" cy="0"/>
-          </a:xfrm>
-          <a:prstGeom prst="straightConnector1">
-            <a:avLst/>
-          </a:prstGeom>
-          <a:ln>
-            <a:tailEnd type="triangle"/>
-          </a:ln>
-        </p:spPr>
-        <p:style>
-          <a:lnRef idx="1">
-            <a:schemeClr val="accent1"/>
-          </a:lnRef>
-          <a:fillRef idx="0">
-            <a:schemeClr val="accent1"/>
-          </a:fillRef>
-          <a:effectRef idx="0">
-            <a:schemeClr val="accent1"/>
-          </a:effectRef>
-          <a:fontRef idx="minor">
-            <a:schemeClr val="tx1"/>
-          </a:fontRef>
-        </p:style>
-      </p:cxnSp>
-      <p:cxnSp>
-        <p:nvCxnSpPr>
-          <p:cNvPr id="16" name="Straight Arrow Connector 15"/>
-          <p:cNvCxnSpPr/>
-          <p:nvPr/>
-        </p:nvCxnSpPr>
-        <p:spPr>
-          <a:xfrm>
-            <a:off x="3061252" y="5579165"/>
-            <a:ext cx="675861" cy="597798"/>
-          </a:xfrm>
-          <a:prstGeom prst="straightConnector1">
-            <a:avLst/>
-          </a:prstGeom>
-          <a:ln>
-            <a:tailEnd type="triangle"/>
-          </a:ln>
-        </p:spPr>
-        <p:style>
-          <a:lnRef idx="1">
-            <a:schemeClr val="accent1"/>
-          </a:lnRef>
-          <a:fillRef idx="0">
-            <a:schemeClr val="accent1"/>
-          </a:fillRef>
-          <a:effectRef idx="0">
-            <a:schemeClr val="accent1"/>
-          </a:effectRef>
-          <a:fontRef idx="minor">
-            <a:schemeClr val="tx1"/>
-          </a:fontRef>
-        </p:style>
-      </p:cxnSp>
-      <p:cxnSp>
-        <p:nvCxnSpPr>
-          <p:cNvPr id="18" name="Straight Arrow Connector 17"/>
-          <p:cNvCxnSpPr/>
-          <p:nvPr/>
-        </p:nvCxnSpPr>
-        <p:spPr>
-          <a:xfrm>
-            <a:off x="5791200" y="3917742"/>
-            <a:ext cx="1232452" cy="614503"/>
-          </a:xfrm>
-          <a:prstGeom prst="straightConnector1">
-            <a:avLst/>
-          </a:prstGeom>
-          <a:ln>
-            <a:tailEnd type="triangle"/>
-          </a:ln>
-        </p:spPr>
-        <p:style>
-          <a:lnRef idx="1">
-            <a:schemeClr val="accent1"/>
-          </a:lnRef>
-          <a:fillRef idx="0">
-            <a:schemeClr val="accent1"/>
-          </a:fillRef>
-          <a:effectRef idx="0">
-            <a:schemeClr val="accent1"/>
-          </a:effectRef>
-          <a:fontRef idx="minor">
-            <a:schemeClr val="tx1"/>
-          </a:fontRef>
-        </p:style>
-      </p:cxnSp>
-      <p:cxnSp>
-        <p:nvCxnSpPr>
-          <p:cNvPr id="20" name="Straight Arrow Connector 19"/>
-          <p:cNvCxnSpPr/>
-          <p:nvPr/>
-        </p:nvCxnSpPr>
-        <p:spPr>
-          <a:xfrm>
-            <a:off x="5698436" y="5155095"/>
-            <a:ext cx="1179442" cy="0"/>
-          </a:xfrm>
-          <a:prstGeom prst="straightConnector1">
-            <a:avLst/>
-          </a:prstGeom>
-          <a:ln>
-            <a:tailEnd type="triangle"/>
-          </a:ln>
-        </p:spPr>
-        <p:style>
-          <a:lnRef idx="1">
-            <a:schemeClr val="accent1"/>
-          </a:lnRef>
-          <a:fillRef idx="0">
-            <a:schemeClr val="accent1"/>
-          </a:fillRef>
-          <a:effectRef idx="0">
-            <a:schemeClr val="accent1"/>
-          </a:effectRef>
-          <a:fontRef idx="minor">
-            <a:schemeClr val="tx1"/>
-          </a:fontRef>
-        </p:style>
-      </p:cxnSp>
-      <p:cxnSp>
-        <p:nvCxnSpPr>
-          <p:cNvPr id="22" name="Straight Arrow Connector 21"/>
-          <p:cNvCxnSpPr/>
-          <p:nvPr/>
-        </p:nvCxnSpPr>
-        <p:spPr>
-          <a:xfrm flipV="1">
-            <a:off x="5698435" y="5711687"/>
-            <a:ext cx="1325217" cy="600212"/>
-          </a:xfrm>
-          <a:prstGeom prst="straightConnector1">
-            <a:avLst/>
-          </a:prstGeom>
-          <a:ln>
-            <a:tailEnd type="triangle"/>
-          </a:ln>
-        </p:spPr>
-        <p:style>
-          <a:lnRef idx="1">
-            <a:schemeClr val="accent1"/>
-          </a:lnRef>
-          <a:fillRef idx="0">
-            <a:schemeClr val="accent1"/>
-          </a:fillRef>
-          <a:effectRef idx="0">
-            <a:schemeClr val="accent1"/>
-          </a:effectRef>
-          <a:fontRef idx="minor">
-            <a:schemeClr val="tx1"/>
-          </a:fontRef>
-        </p:style>
-      </p:cxnSp>
-      <p:sp>
-        <p:nvSpPr>
-          <p:cNvPr id="23" name="Rectangle 22"/>
-          <p:cNvSpPr/>
-          <p:nvPr/>
-        </p:nvSpPr>
-        <p:spPr>
-          <a:xfrm>
-            <a:off x="7219121" y="4532245"/>
-            <a:ext cx="2107096" cy="1237353"/>
-          </a:xfrm>
-          <a:prstGeom prst="rect">
-            <a:avLst/>
-          </a:prstGeom>
-        </p:spPr>
-        <p:style>
-          <a:lnRef idx="2">
-            <a:schemeClr val="accent1">
-              <a:shade val="50000"/>
-            </a:schemeClr>
-          </a:lnRef>
-          <a:fillRef idx="1">
-            <a:schemeClr val="accent1"/>
-          </a:fillRef>
-          <a:effectRef idx="0">
-            <a:schemeClr val="accent1"/>
-          </a:effectRef>
-          <a:fontRef idx="minor">
-            <a:schemeClr val="lt1"/>
-          </a:fontRef>
-        </p:style>
-        <p:txBody>
-          <a:bodyPr rtlCol="0" anchor="ctr"/>
-          <a:lstStyle/>
-          <a:p>
-            <a:pPr algn="ctr"/>
-            <a:endParaRPr lang="en-US"/>
-          </a:p>
-        </p:txBody>
-      </p:sp>
-      <p:sp>
-        <p:nvSpPr>
-          <p:cNvPr id="24" name="TextBox 23"/>
-          <p:cNvSpPr txBox="1"/>
-          <p:nvPr/>
-        </p:nvSpPr>
-        <p:spPr>
-          <a:xfrm>
-            <a:off x="7464288" y="4731026"/>
-            <a:ext cx="1520686" cy="923330"/>
-          </a:xfrm>
-          <a:prstGeom prst="rect">
-            <a:avLst/>
-          </a:prstGeom>
-          <a:noFill/>
-        </p:spPr>
-        <p:txBody>
-          <a:bodyPr wrap="square" rtlCol="0">
-            <a:spAutoFit/>
-          </a:bodyPr>
-          <a:lstStyle/>
-          <a:p>
-            <a:r>
-              <a:rPr lang="en-US" dirty="0"/>
-              <a:t>KNN, SGD or Linear Regression</a:t>
-            </a:r>
-          </a:p>
-        </p:txBody>
-      </p:sp>
-      <p:sp>
-        <p:nvSpPr>
-          <p:cNvPr id="25" name="TextBox 24"/>
-          <p:cNvSpPr txBox="1"/>
-          <p:nvPr/>
-        </p:nvSpPr>
-        <p:spPr>
-          <a:xfrm>
-            <a:off x="4462668" y="3733076"/>
-            <a:ext cx="1007165" cy="369332"/>
-          </a:xfrm>
-          <a:prstGeom prst="rect">
-            <a:avLst/>
-          </a:prstGeom>
-          <a:noFill/>
-        </p:spPr>
-        <p:txBody>
-          <a:bodyPr wrap="square" rtlCol="0">
-            <a:spAutoFit/>
-          </a:bodyPr>
-          <a:lstStyle/>
-          <a:p>
-            <a:r>
-              <a:rPr lang="en-US" dirty="0"/>
-              <a:t>KNN</a:t>
-            </a:r>
-          </a:p>
-        </p:txBody>
-      </p:sp>
-      <p:sp>
-        <p:nvSpPr>
-          <p:cNvPr id="26" name="TextBox 25"/>
-          <p:cNvSpPr txBox="1"/>
-          <p:nvPr/>
-        </p:nvSpPr>
-        <p:spPr>
-          <a:xfrm>
-            <a:off x="4224130" y="4827755"/>
-            <a:ext cx="1484243" cy="646331"/>
-          </a:xfrm>
-          <a:prstGeom prst="rect">
-            <a:avLst/>
-          </a:prstGeom>
-          <a:noFill/>
-        </p:spPr>
-        <p:txBody>
-          <a:bodyPr wrap="square" rtlCol="0">
-            <a:spAutoFit/>
-          </a:bodyPr>
-          <a:lstStyle/>
-          <a:p>
-            <a:r>
-              <a:rPr lang="en-US" dirty="0"/>
-              <a:t>Linear Regression</a:t>
-            </a:r>
-          </a:p>
-        </p:txBody>
-      </p:sp>
-      <p:sp>
-        <p:nvSpPr>
-          <p:cNvPr id="27" name="TextBox 26"/>
-          <p:cNvSpPr txBox="1"/>
-          <p:nvPr/>
-        </p:nvSpPr>
-        <p:spPr>
-          <a:xfrm>
-            <a:off x="4462668" y="6155188"/>
-            <a:ext cx="930966" cy="369332"/>
-          </a:xfrm>
-          <a:prstGeom prst="rect">
-            <a:avLst/>
-          </a:prstGeom>
-          <a:noFill/>
-        </p:spPr>
-        <p:txBody>
-          <a:bodyPr wrap="square" rtlCol="0">
-            <a:spAutoFit/>
-          </a:bodyPr>
-          <a:lstStyle/>
-          <a:p>
-            <a:r>
-              <a:rPr lang="en-US" dirty="0"/>
-              <a:t>SGD</a:t>
-            </a:r>
-          </a:p>
-        </p:txBody>
-      </p:sp>
-      <p:cxnSp>
-        <p:nvCxnSpPr>
-          <p:cNvPr id="29" name="Straight Arrow Connector 28"/>
-          <p:cNvCxnSpPr/>
-          <p:nvPr/>
-        </p:nvCxnSpPr>
-        <p:spPr>
-          <a:xfrm>
-            <a:off x="9488557" y="5150920"/>
-            <a:ext cx="583095" cy="0"/>
-          </a:xfrm>
-          <a:prstGeom prst="straightConnector1">
-            <a:avLst/>
-          </a:prstGeom>
-          <a:ln>
-            <a:tailEnd type="triangle"/>
-          </a:ln>
-        </p:spPr>
-        <p:style>
-          <a:lnRef idx="1">
-            <a:schemeClr val="accent1"/>
-          </a:lnRef>
-          <a:fillRef idx="0">
-            <a:schemeClr val="accent1"/>
-          </a:fillRef>
-          <a:effectRef idx="0">
-            <a:schemeClr val="accent1"/>
-          </a:effectRef>
-          <a:fontRef idx="minor">
-            <a:schemeClr val="tx1"/>
-          </a:fontRef>
-        </p:style>
-      </p:cxnSp>
-      <p:sp>
-        <p:nvSpPr>
-          <p:cNvPr id="30" name="Rectangle 29"/>
-          <p:cNvSpPr/>
-          <p:nvPr/>
-        </p:nvSpPr>
-        <p:spPr>
-          <a:xfrm>
-            <a:off x="10233992" y="4475166"/>
-            <a:ext cx="1467678" cy="1294432"/>
-          </a:xfrm>
-          <a:prstGeom prst="rect">
-            <a:avLst/>
-          </a:prstGeom>
-          <a:solidFill>
-            <a:schemeClr val="bg2"/>
-          </a:solidFill>
-        </p:spPr>
-        <p:style>
-          <a:lnRef idx="2">
-            <a:schemeClr val="accent1">
-              <a:shade val="50000"/>
-            </a:schemeClr>
-          </a:lnRef>
-          <a:fillRef idx="1">
-            <a:schemeClr val="accent1"/>
-          </a:fillRef>
-          <a:effectRef idx="0">
-            <a:schemeClr val="accent1"/>
-          </a:effectRef>
-          <a:fontRef idx="minor">
-            <a:schemeClr val="lt1"/>
-          </a:fontRef>
-        </p:style>
-        <p:txBody>
-          <a:bodyPr rtlCol="0" anchor="ctr"/>
-          <a:lstStyle/>
-          <a:p>
-            <a:pPr algn="ctr"/>
-            <a:endParaRPr lang="en-US"/>
-          </a:p>
-        </p:txBody>
-      </p:sp>
-      <p:sp>
-        <p:nvSpPr>
-          <p:cNvPr id="31" name="TextBox 30"/>
-          <p:cNvSpPr txBox="1"/>
-          <p:nvPr/>
-        </p:nvSpPr>
-        <p:spPr>
-          <a:xfrm>
-            <a:off x="10359886" y="4731026"/>
-            <a:ext cx="1239081" cy="646331"/>
-          </a:xfrm>
-          <a:prstGeom prst="rect">
-            <a:avLst/>
-          </a:prstGeom>
-          <a:noFill/>
-        </p:spPr>
-        <p:txBody>
-          <a:bodyPr wrap="square" rtlCol="0">
-            <a:spAutoFit/>
-          </a:bodyPr>
-          <a:lstStyle/>
-          <a:p>
-            <a:r>
-              <a:rPr lang="en-US" dirty="0"/>
-              <a:t>Final Predictions</a:t>
-            </a:r>
-          </a:p>
-        </p:txBody>
-      </p:sp>
+        </p:nvPicPr>
+        <p:blipFill>
+          <a:blip r:embed="rId2">
+            <a:extLst>
+              <a:ext uri="{28A0092B-C50C-407E-A947-70E740481C1C}">
+                <a14:useLocalDpi xmlns:a14="http://schemas.microsoft.com/office/drawing/2010/main" val="0"/>
+              </a:ext>
+            </a:extLst>
+          </a:blip>
+          <a:stretch>
+            <a:fillRect/>
+          </a:stretch>
+        </p:blipFill>
+        <p:spPr>
+          <a:xfrm>
+            <a:off x="1096962" y="2086544"/>
+            <a:ext cx="10932609" cy="3850021"/>
+          </a:xfrm>
+        </p:spPr>
+      </p:pic>
     </p:spTree>
     <p:extLst>
       <p:ext uri="{BB962C8B-B14F-4D97-AF65-F5344CB8AC3E}">
-        <p14:creationId xmlns:p14="http://schemas.microsoft.com/office/powerpoint/2010/main" val="1731066629"/>
+        <p14:creationId xmlns:p14="http://schemas.microsoft.com/office/powerpoint/2010/main" val="1579257151"/>
       </p:ext>
     </p:extLst>
   </p:cSld>
@@ -3998,39 +4246,1840 @@
           <a:lstStyle/>
           <a:p>
             <a:r>
-              <a:rPr lang="en-US" dirty="0" err="1"/>
-              <a:t>Algorththm</a:t>
-            </a:r>
+              <a:rPr lang="en-US" b="1" dirty="0"/>
+              <a:t>Average values and Null Accuracy</a:t>
+            </a:r>
+          </a:p>
+        </p:txBody>
+      </p:sp>
+      <p:sp>
+        <p:nvSpPr>
+          <p:cNvPr id="3" name="Content Placeholder 2"/>
+          <p:cNvSpPr>
+            <a:spLocks noGrp="1"/>
+          </p:cNvSpPr>
+          <p:nvPr>
+            <p:ph idx="1"/>
+          </p:nvPr>
+        </p:nvSpPr>
+        <p:spPr>
+          <a:xfrm>
+            <a:off x="838200" y="1690688"/>
+            <a:ext cx="10515600" cy="4351338"/>
+          </a:xfrm>
+        </p:spPr>
+        <p:txBody>
+          <a:bodyPr>
+            <a:normAutofit/>
+          </a:bodyPr>
+          <a:lstStyle/>
+          <a:p>
+            <a:pPr marL="0" indent="0">
+              <a:buNone/>
+            </a:pPr>
+            <a:endParaRPr lang="en-US" dirty="0"/>
+          </a:p>
+          <a:p>
+            <a:pPr marL="0" indent="0">
+              <a:buNone/>
+            </a:pPr>
             <a:r>
               <a:rPr lang="en-US" dirty="0"/>
-              <a:t> 1</a:t>
-            </a:r>
-          </a:p>
-        </p:txBody>
-      </p:sp>
-      <p:sp>
-        <p:nvSpPr>
-          <p:cNvPr id="3" name="Content Placeholder 2"/>
-          <p:cNvSpPr>
-            <a:spLocks noGrp="1"/>
-          </p:cNvSpPr>
-          <p:nvPr>
-            <p:ph idx="1"/>
-          </p:nvPr>
-        </p:nvSpPr>
-        <p:spPr/>
-        <p:txBody>
-          <a:bodyPr/>
-          <a:lstStyle/>
-          <a:p>
-            <a:endParaRPr lang="en-US"/>
+              <a:t>Average Time of Entire Dataset: 34.18 MIN</a:t>
+            </a:r>
+          </a:p>
+          <a:p>
+            <a:pPr marL="0" indent="0">
+              <a:buNone/>
+            </a:pPr>
+            <a:r>
+              <a:rPr lang="en-US" dirty="0"/>
+              <a:t>Null score is using the average value:</a:t>
+            </a:r>
+          </a:p>
+          <a:p>
+            <a:pPr marL="0" indent="0">
+              <a:buNone/>
+            </a:pPr>
+            <a:r>
+              <a:rPr lang="en-US" b="1" dirty="0"/>
+              <a:t>RMSE : 17.04</a:t>
+            </a:r>
+          </a:p>
+          <a:p>
+            <a:pPr marL="0" indent="0">
+              <a:buNone/>
+            </a:pPr>
+            <a:r>
+              <a:rPr lang="en-US" b="1" dirty="0"/>
+              <a:t>ABS:   11.06</a:t>
+            </a:r>
+          </a:p>
+          <a:p>
+            <a:pPr marL="0" indent="0">
+              <a:buNone/>
+            </a:pPr>
+            <a:r>
+              <a:rPr lang="en-US" dirty="0"/>
+              <a:t>Tougher Null Score using average lengths of procedures:</a:t>
+            </a:r>
+          </a:p>
+          <a:p>
+            <a:pPr marL="0" indent="0">
+              <a:buNone/>
+            </a:pPr>
+            <a:r>
+              <a:rPr lang="en-US" b="1" dirty="0"/>
+              <a:t>RMSE: 10.23</a:t>
+            </a:r>
+          </a:p>
+          <a:p>
+            <a:pPr marL="0" indent="0">
+              <a:buNone/>
+            </a:pPr>
+            <a:r>
+              <a:rPr lang="en-US" b="1" dirty="0"/>
+              <a:t>ABS: 6.62</a:t>
+            </a:r>
+          </a:p>
+          <a:p>
+            <a:pPr marL="0" indent="0">
+              <a:buNone/>
+            </a:pPr>
+            <a:endParaRPr lang="en-US" dirty="0"/>
           </a:p>
         </p:txBody>
       </p:sp>
     </p:spTree>
     <p:extLst>
       <p:ext uri="{BB962C8B-B14F-4D97-AF65-F5344CB8AC3E}">
-        <p14:creationId xmlns:p14="http://schemas.microsoft.com/office/powerpoint/2010/main" val="366130611"/>
+        <p14:creationId xmlns:p14="http://schemas.microsoft.com/office/powerpoint/2010/main" val="522856598"/>
+      </p:ext>
+    </p:extLst>
+  </p:cSld>
+  <p:clrMapOvr>
+    <a:masterClrMapping/>
+  </p:clrMapOvr>
+</p:sld>
+</file>
+
+<file path=ppt/slides/slide14.xml><?xml version="1.0" encoding="utf-8"?>
+<p:sld xmlns:a="http://schemas.openxmlformats.org/drawingml/2006/main" xmlns:r="http://schemas.openxmlformats.org/officeDocument/2006/relationships" xmlns:p="http://schemas.openxmlformats.org/presentationml/2006/main">
+  <p:cSld>
+    <p:spTree>
+      <p:nvGrpSpPr>
+        <p:cNvPr id="1" name=""/>
+        <p:cNvGrpSpPr/>
+        <p:nvPr/>
+      </p:nvGrpSpPr>
+      <p:grpSpPr>
+        <a:xfrm>
+          <a:off x="0" y="0"/>
+          <a:ext cx="0" cy="0"/>
+          <a:chOff x="0" y="0"/>
+          <a:chExt cx="0" cy="0"/>
+        </a:xfrm>
+      </p:grpSpPr>
+      <p:sp>
+        <p:nvSpPr>
+          <p:cNvPr id="2" name="Title 1"/>
+          <p:cNvSpPr>
+            <a:spLocks noGrp="1"/>
+          </p:cNvSpPr>
+          <p:nvPr>
+            <p:ph type="title"/>
+          </p:nvPr>
+        </p:nvSpPr>
+        <p:spPr/>
+        <p:txBody>
+          <a:bodyPr/>
+          <a:lstStyle/>
+          <a:p>
+            <a:r>
+              <a:rPr lang="en-US" b="1" dirty="0"/>
+              <a:t>Algorithm Selection</a:t>
+            </a:r>
+            <a:endParaRPr lang="en-US" dirty="0"/>
+          </a:p>
+        </p:txBody>
+      </p:sp>
+      <p:sp>
+        <p:nvSpPr>
+          <p:cNvPr id="3" name="Content Placeholder 2"/>
+          <p:cNvSpPr>
+            <a:spLocks noGrp="1"/>
+          </p:cNvSpPr>
+          <p:nvPr>
+            <p:ph idx="1"/>
+          </p:nvPr>
+        </p:nvSpPr>
+        <p:spPr/>
+        <p:txBody>
+          <a:bodyPr/>
+          <a:lstStyle/>
+          <a:p>
+            <a:pPr>
+              <a:buFont typeface="Wingdings" panose="05000000000000000000" pitchFamily="2" charset="2"/>
+              <a:buChar char="§"/>
+            </a:pPr>
+            <a:r>
+              <a:rPr lang="en-US" dirty="0"/>
+              <a:t> My most competitive algorithms were Linear Regression, or combinations of Linear Regression, SGD and KNN ensembled</a:t>
+            </a:r>
+          </a:p>
+          <a:p>
+            <a:pPr>
+              <a:buFont typeface="Wingdings" panose="05000000000000000000" pitchFamily="2" charset="2"/>
+              <a:buChar char="§"/>
+            </a:pPr>
+            <a:endParaRPr lang="en-US" dirty="0"/>
+          </a:p>
+          <a:p>
+            <a:pPr>
+              <a:buFont typeface="Wingdings" panose="05000000000000000000" pitchFamily="2" charset="2"/>
+              <a:buChar char="§"/>
+            </a:pPr>
+            <a:r>
+              <a:rPr lang="en-US" dirty="0"/>
+              <a:t> Random Forests did not work as well because of small # of samples</a:t>
+            </a:r>
+          </a:p>
+          <a:p>
+            <a:pPr>
+              <a:buFont typeface="Wingdings" panose="05000000000000000000" pitchFamily="2" charset="2"/>
+              <a:buChar char="§"/>
+            </a:pPr>
+            <a:endParaRPr lang="en-US" dirty="0"/>
+          </a:p>
+          <a:p>
+            <a:pPr>
+              <a:buFont typeface="Wingdings" panose="05000000000000000000" pitchFamily="2" charset="2"/>
+              <a:buChar char="§"/>
+            </a:pPr>
+            <a:r>
+              <a:rPr lang="en-US" dirty="0"/>
+              <a:t> To create the ensemble I used the predictions of some combination of Linear Regression, KNN and SGD as features which I fed into a another Linear Regression Algorithm</a:t>
+            </a:r>
+          </a:p>
+          <a:p>
+            <a:endParaRPr lang="en-US" dirty="0"/>
+          </a:p>
+        </p:txBody>
+      </p:sp>
+    </p:spTree>
+    <p:extLst>
+      <p:ext uri="{BB962C8B-B14F-4D97-AF65-F5344CB8AC3E}">
+        <p14:creationId xmlns:p14="http://schemas.microsoft.com/office/powerpoint/2010/main" val="882480765"/>
+      </p:ext>
+    </p:extLst>
+  </p:cSld>
+  <p:clrMapOvr>
+    <a:masterClrMapping/>
+  </p:clrMapOvr>
+</p:sld>
+</file>
+
+<file path=ppt/slides/slide15.xml><?xml version="1.0" encoding="utf-8"?>
+<p:sld xmlns:a="http://schemas.openxmlformats.org/drawingml/2006/main" xmlns:r="http://schemas.openxmlformats.org/officeDocument/2006/relationships" xmlns:p="http://schemas.openxmlformats.org/presentationml/2006/main">
+  <p:cSld>
+    <p:spTree>
+      <p:nvGrpSpPr>
+        <p:cNvPr id="1" name=""/>
+        <p:cNvGrpSpPr/>
+        <p:nvPr/>
+      </p:nvGrpSpPr>
+      <p:grpSpPr>
+        <a:xfrm>
+          <a:off x="0" y="0"/>
+          <a:ext cx="0" cy="0"/>
+          <a:chOff x="0" y="0"/>
+          <a:chExt cx="0" cy="0"/>
+        </a:xfrm>
+      </p:grpSpPr>
+      <p:sp>
+        <p:nvSpPr>
+          <p:cNvPr id="2" name="Title 1"/>
+          <p:cNvSpPr>
+            <a:spLocks noGrp="1"/>
+          </p:cNvSpPr>
+          <p:nvPr>
+            <p:ph type="title"/>
+          </p:nvPr>
+        </p:nvSpPr>
+        <p:spPr>
+          <a:xfrm>
+            <a:off x="838200" y="53287"/>
+            <a:ext cx="10515600" cy="1325563"/>
+          </a:xfrm>
+        </p:spPr>
+        <p:txBody>
+          <a:bodyPr/>
+          <a:lstStyle/>
+          <a:p>
+            <a:r>
+              <a:rPr lang="en-US" dirty="0"/>
+              <a:t>Ensemble Creation</a:t>
+            </a:r>
+          </a:p>
+        </p:txBody>
+      </p:sp>
+      <p:sp>
+        <p:nvSpPr>
+          <p:cNvPr id="32" name="Content Placeholder 31"/>
+          <p:cNvSpPr txBox="1">
+            <a:spLocks noGrp="1"/>
+          </p:cNvSpPr>
+          <p:nvPr>
+            <p:ph idx="1"/>
+          </p:nvPr>
+        </p:nvSpPr>
+        <p:spPr>
+          <a:xfrm>
+            <a:off x="371475" y="1219200"/>
+            <a:ext cx="10677525" cy="480131"/>
+          </a:xfrm>
+          <a:prstGeom prst="rect">
+            <a:avLst/>
+          </a:prstGeom>
+          <a:noFill/>
+        </p:spPr>
+        <p:txBody>
+          <a:bodyPr wrap="square" rtlCol="0">
+            <a:spAutoFit/>
+          </a:bodyPr>
+          <a:lstStyle/>
+          <a:p>
+            <a:pPr marL="0" indent="0">
+              <a:buNone/>
+            </a:pPr>
+            <a:endParaRPr lang="en-US" dirty="0"/>
+          </a:p>
+        </p:txBody>
+      </p:sp>
+      <p:sp>
+        <p:nvSpPr>
+          <p:cNvPr id="4" name="Rectangle 3"/>
+          <p:cNvSpPr/>
+          <p:nvPr/>
+        </p:nvSpPr>
+        <p:spPr>
+          <a:xfrm>
+            <a:off x="838200" y="3569382"/>
+            <a:ext cx="1881809" cy="1166191"/>
+          </a:xfrm>
+          <a:prstGeom prst="rect">
+            <a:avLst/>
+          </a:prstGeom>
+        </p:spPr>
+        <p:style>
+          <a:lnRef idx="2">
+            <a:schemeClr val="accent1">
+              <a:shade val="50000"/>
+            </a:schemeClr>
+          </a:lnRef>
+          <a:fillRef idx="1">
+            <a:schemeClr val="accent1"/>
+          </a:fillRef>
+          <a:effectRef idx="0">
+            <a:schemeClr val="accent1"/>
+          </a:effectRef>
+          <a:fontRef idx="minor">
+            <a:schemeClr val="lt1"/>
+          </a:fontRef>
+        </p:style>
+        <p:txBody>
+          <a:bodyPr rtlCol="0" anchor="ctr"/>
+          <a:lstStyle/>
+          <a:p>
+            <a:pPr algn="ctr"/>
+            <a:endParaRPr lang="en-US"/>
+          </a:p>
+        </p:txBody>
+      </p:sp>
+      <p:sp>
+        <p:nvSpPr>
+          <p:cNvPr id="6" name="TextBox 5"/>
+          <p:cNvSpPr txBox="1"/>
+          <p:nvPr/>
+        </p:nvSpPr>
+        <p:spPr>
+          <a:xfrm>
+            <a:off x="945873" y="3691679"/>
+            <a:ext cx="1709532" cy="646331"/>
+          </a:xfrm>
+          <a:prstGeom prst="rect">
+            <a:avLst/>
+          </a:prstGeom>
+          <a:noFill/>
+        </p:spPr>
+        <p:txBody>
+          <a:bodyPr wrap="square" rtlCol="0">
+            <a:spAutoFit/>
+          </a:bodyPr>
+          <a:lstStyle/>
+          <a:p>
+            <a:endParaRPr lang="en-US" dirty="0"/>
+          </a:p>
+          <a:p>
+            <a:r>
+              <a:rPr lang="en-US" dirty="0"/>
+              <a:t>K Best Features</a:t>
+            </a:r>
+          </a:p>
+        </p:txBody>
+      </p:sp>
+      <p:sp>
+        <p:nvSpPr>
+          <p:cNvPr id="8" name="Rectangle 7"/>
+          <p:cNvSpPr/>
+          <p:nvPr/>
+        </p:nvSpPr>
+        <p:spPr>
+          <a:xfrm>
+            <a:off x="3791779" y="2666616"/>
+            <a:ext cx="1477618" cy="848139"/>
+          </a:xfrm>
+          <a:prstGeom prst="rect">
+            <a:avLst/>
+          </a:prstGeom>
+        </p:spPr>
+        <p:style>
+          <a:lnRef idx="2">
+            <a:schemeClr val="accent1">
+              <a:shade val="50000"/>
+            </a:schemeClr>
+          </a:lnRef>
+          <a:fillRef idx="1">
+            <a:schemeClr val="accent1"/>
+          </a:fillRef>
+          <a:effectRef idx="0">
+            <a:schemeClr val="accent1"/>
+          </a:effectRef>
+          <a:fontRef idx="minor">
+            <a:schemeClr val="lt1"/>
+          </a:fontRef>
+        </p:style>
+        <p:txBody>
+          <a:bodyPr rtlCol="0" anchor="ctr"/>
+          <a:lstStyle/>
+          <a:p>
+            <a:pPr algn="ctr"/>
+            <a:endParaRPr lang="en-US"/>
+          </a:p>
+        </p:txBody>
+      </p:sp>
+      <p:sp>
+        <p:nvSpPr>
+          <p:cNvPr id="9" name="Rectangle 8"/>
+          <p:cNvSpPr/>
+          <p:nvPr/>
+        </p:nvSpPr>
+        <p:spPr>
+          <a:xfrm>
+            <a:off x="3791779" y="3890460"/>
+            <a:ext cx="1477618" cy="848139"/>
+          </a:xfrm>
+          <a:prstGeom prst="rect">
+            <a:avLst/>
+          </a:prstGeom>
+        </p:spPr>
+        <p:style>
+          <a:lnRef idx="2">
+            <a:schemeClr val="accent1">
+              <a:shade val="50000"/>
+            </a:schemeClr>
+          </a:lnRef>
+          <a:fillRef idx="1">
+            <a:schemeClr val="accent1"/>
+          </a:fillRef>
+          <a:effectRef idx="0">
+            <a:schemeClr val="accent1"/>
+          </a:effectRef>
+          <a:fontRef idx="minor">
+            <a:schemeClr val="lt1"/>
+          </a:fontRef>
+        </p:style>
+        <p:txBody>
+          <a:bodyPr rtlCol="0" anchor="ctr"/>
+          <a:lstStyle/>
+          <a:p>
+            <a:pPr algn="ctr"/>
+            <a:endParaRPr lang="en-US"/>
+          </a:p>
+        </p:txBody>
+      </p:sp>
+      <p:sp>
+        <p:nvSpPr>
+          <p:cNvPr id="10" name="Rectangle 9"/>
+          <p:cNvSpPr/>
+          <p:nvPr/>
+        </p:nvSpPr>
+        <p:spPr>
+          <a:xfrm>
+            <a:off x="3791779" y="5047264"/>
+            <a:ext cx="1477618" cy="848139"/>
+          </a:xfrm>
+          <a:prstGeom prst="rect">
+            <a:avLst/>
+          </a:prstGeom>
+        </p:spPr>
+        <p:style>
+          <a:lnRef idx="2">
+            <a:schemeClr val="accent1">
+              <a:shade val="50000"/>
+            </a:schemeClr>
+          </a:lnRef>
+          <a:fillRef idx="1">
+            <a:schemeClr val="accent1"/>
+          </a:fillRef>
+          <a:effectRef idx="0">
+            <a:schemeClr val="accent1"/>
+          </a:effectRef>
+          <a:fontRef idx="minor">
+            <a:schemeClr val="lt1"/>
+          </a:fontRef>
+        </p:style>
+        <p:txBody>
+          <a:bodyPr rtlCol="0" anchor="ctr"/>
+          <a:lstStyle/>
+          <a:p>
+            <a:pPr algn="ctr"/>
+            <a:endParaRPr lang="en-US"/>
+          </a:p>
+        </p:txBody>
+      </p:sp>
+      <p:cxnSp>
+        <p:nvCxnSpPr>
+          <p:cNvPr id="12" name="Straight Arrow Connector 11"/>
+          <p:cNvCxnSpPr/>
+          <p:nvPr/>
+        </p:nvCxnSpPr>
+        <p:spPr>
+          <a:xfrm flipV="1">
+            <a:off x="2827683" y="3254356"/>
+            <a:ext cx="768626" cy="760488"/>
+          </a:xfrm>
+          <a:prstGeom prst="straightConnector1">
+            <a:avLst/>
+          </a:prstGeom>
+          <a:ln>
+            <a:tailEnd type="triangle"/>
+          </a:ln>
+        </p:spPr>
+        <p:style>
+          <a:lnRef idx="1">
+            <a:schemeClr val="accent1"/>
+          </a:lnRef>
+          <a:fillRef idx="0">
+            <a:schemeClr val="accent1"/>
+          </a:fillRef>
+          <a:effectRef idx="0">
+            <a:schemeClr val="accent1"/>
+          </a:effectRef>
+          <a:fontRef idx="minor">
+            <a:schemeClr val="tx1"/>
+          </a:fontRef>
+        </p:style>
+      </p:cxnSp>
+      <p:cxnSp>
+        <p:nvCxnSpPr>
+          <p:cNvPr id="14" name="Straight Arrow Connector 13"/>
+          <p:cNvCxnSpPr/>
+          <p:nvPr/>
+        </p:nvCxnSpPr>
+        <p:spPr>
+          <a:xfrm>
+            <a:off x="2839279" y="4338010"/>
+            <a:ext cx="664265" cy="0"/>
+          </a:xfrm>
+          <a:prstGeom prst="straightConnector1">
+            <a:avLst/>
+          </a:prstGeom>
+          <a:ln>
+            <a:tailEnd type="triangle"/>
+          </a:ln>
+        </p:spPr>
+        <p:style>
+          <a:lnRef idx="1">
+            <a:schemeClr val="accent1"/>
+          </a:lnRef>
+          <a:fillRef idx="0">
+            <a:schemeClr val="accent1"/>
+          </a:fillRef>
+          <a:effectRef idx="0">
+            <a:schemeClr val="accent1"/>
+          </a:effectRef>
+          <a:fontRef idx="minor">
+            <a:schemeClr val="tx1"/>
+          </a:fontRef>
+        </p:style>
+      </p:cxnSp>
+      <p:cxnSp>
+        <p:nvCxnSpPr>
+          <p:cNvPr id="16" name="Straight Arrow Connector 15"/>
+          <p:cNvCxnSpPr/>
+          <p:nvPr/>
+        </p:nvCxnSpPr>
+        <p:spPr>
+          <a:xfrm>
+            <a:off x="2827683" y="4738599"/>
+            <a:ext cx="675861" cy="597798"/>
+          </a:xfrm>
+          <a:prstGeom prst="straightConnector1">
+            <a:avLst/>
+          </a:prstGeom>
+          <a:ln>
+            <a:tailEnd type="triangle"/>
+          </a:ln>
+        </p:spPr>
+        <p:style>
+          <a:lnRef idx="1">
+            <a:schemeClr val="accent1"/>
+          </a:lnRef>
+          <a:fillRef idx="0">
+            <a:schemeClr val="accent1"/>
+          </a:fillRef>
+          <a:effectRef idx="0">
+            <a:schemeClr val="accent1"/>
+          </a:effectRef>
+          <a:fontRef idx="minor">
+            <a:schemeClr val="tx1"/>
+          </a:fontRef>
+        </p:style>
+      </p:cxnSp>
+      <p:cxnSp>
+        <p:nvCxnSpPr>
+          <p:cNvPr id="18" name="Straight Arrow Connector 17"/>
+          <p:cNvCxnSpPr/>
+          <p:nvPr/>
+        </p:nvCxnSpPr>
+        <p:spPr>
+          <a:xfrm>
+            <a:off x="5557631" y="3077176"/>
+            <a:ext cx="1232452" cy="614503"/>
+          </a:xfrm>
+          <a:prstGeom prst="straightConnector1">
+            <a:avLst/>
+          </a:prstGeom>
+          <a:ln>
+            <a:tailEnd type="triangle"/>
+          </a:ln>
+        </p:spPr>
+        <p:style>
+          <a:lnRef idx="1">
+            <a:schemeClr val="accent1"/>
+          </a:lnRef>
+          <a:fillRef idx="0">
+            <a:schemeClr val="accent1"/>
+          </a:fillRef>
+          <a:effectRef idx="0">
+            <a:schemeClr val="accent1"/>
+          </a:effectRef>
+          <a:fontRef idx="minor">
+            <a:schemeClr val="tx1"/>
+          </a:fontRef>
+        </p:style>
+      </p:cxnSp>
+      <p:cxnSp>
+        <p:nvCxnSpPr>
+          <p:cNvPr id="20" name="Straight Arrow Connector 19"/>
+          <p:cNvCxnSpPr/>
+          <p:nvPr/>
+        </p:nvCxnSpPr>
+        <p:spPr>
+          <a:xfrm>
+            <a:off x="5464867" y="4314529"/>
+            <a:ext cx="1179442" cy="0"/>
+          </a:xfrm>
+          <a:prstGeom prst="straightConnector1">
+            <a:avLst/>
+          </a:prstGeom>
+          <a:ln>
+            <a:tailEnd type="triangle"/>
+          </a:ln>
+        </p:spPr>
+        <p:style>
+          <a:lnRef idx="1">
+            <a:schemeClr val="accent1"/>
+          </a:lnRef>
+          <a:fillRef idx="0">
+            <a:schemeClr val="accent1"/>
+          </a:fillRef>
+          <a:effectRef idx="0">
+            <a:schemeClr val="accent1"/>
+          </a:effectRef>
+          <a:fontRef idx="minor">
+            <a:schemeClr val="tx1"/>
+          </a:fontRef>
+        </p:style>
+      </p:cxnSp>
+      <p:cxnSp>
+        <p:nvCxnSpPr>
+          <p:cNvPr id="22" name="Straight Arrow Connector 21"/>
+          <p:cNvCxnSpPr/>
+          <p:nvPr/>
+        </p:nvCxnSpPr>
+        <p:spPr>
+          <a:xfrm flipV="1">
+            <a:off x="5464866" y="4871121"/>
+            <a:ext cx="1325217" cy="600212"/>
+          </a:xfrm>
+          <a:prstGeom prst="straightConnector1">
+            <a:avLst/>
+          </a:prstGeom>
+          <a:ln>
+            <a:tailEnd type="triangle"/>
+          </a:ln>
+        </p:spPr>
+        <p:style>
+          <a:lnRef idx="1">
+            <a:schemeClr val="accent1"/>
+          </a:lnRef>
+          <a:fillRef idx="0">
+            <a:schemeClr val="accent1"/>
+          </a:fillRef>
+          <a:effectRef idx="0">
+            <a:schemeClr val="accent1"/>
+          </a:effectRef>
+          <a:fontRef idx="minor">
+            <a:schemeClr val="tx1"/>
+          </a:fontRef>
+        </p:style>
+      </p:cxnSp>
+      <p:sp>
+        <p:nvSpPr>
+          <p:cNvPr id="23" name="Rectangle 22"/>
+          <p:cNvSpPr/>
+          <p:nvPr/>
+        </p:nvSpPr>
+        <p:spPr>
+          <a:xfrm>
+            <a:off x="6985552" y="3691679"/>
+            <a:ext cx="2107096" cy="1237353"/>
+          </a:xfrm>
+          <a:prstGeom prst="rect">
+            <a:avLst/>
+          </a:prstGeom>
+        </p:spPr>
+        <p:style>
+          <a:lnRef idx="2">
+            <a:schemeClr val="accent1">
+              <a:shade val="50000"/>
+            </a:schemeClr>
+          </a:lnRef>
+          <a:fillRef idx="1">
+            <a:schemeClr val="accent1"/>
+          </a:fillRef>
+          <a:effectRef idx="0">
+            <a:schemeClr val="accent1"/>
+          </a:effectRef>
+          <a:fontRef idx="minor">
+            <a:schemeClr val="lt1"/>
+          </a:fontRef>
+        </p:style>
+        <p:txBody>
+          <a:bodyPr rtlCol="0" anchor="ctr"/>
+          <a:lstStyle/>
+          <a:p>
+            <a:pPr algn="ctr"/>
+            <a:endParaRPr lang="en-US"/>
+          </a:p>
+        </p:txBody>
+      </p:sp>
+      <p:sp>
+        <p:nvSpPr>
+          <p:cNvPr id="24" name="TextBox 23"/>
+          <p:cNvSpPr txBox="1"/>
+          <p:nvPr/>
+        </p:nvSpPr>
+        <p:spPr>
+          <a:xfrm>
+            <a:off x="7230719" y="3890460"/>
+            <a:ext cx="1520686" cy="923330"/>
+          </a:xfrm>
+          <a:prstGeom prst="rect">
+            <a:avLst/>
+          </a:prstGeom>
+          <a:noFill/>
+        </p:spPr>
+        <p:txBody>
+          <a:bodyPr wrap="square" rtlCol="0">
+            <a:spAutoFit/>
+          </a:bodyPr>
+          <a:lstStyle/>
+          <a:p>
+            <a:r>
+              <a:rPr lang="en-US" dirty="0"/>
+              <a:t>KNN, SGD or Linear Regression</a:t>
+            </a:r>
+          </a:p>
+        </p:txBody>
+      </p:sp>
+      <p:sp>
+        <p:nvSpPr>
+          <p:cNvPr id="25" name="TextBox 24"/>
+          <p:cNvSpPr txBox="1"/>
+          <p:nvPr/>
+        </p:nvSpPr>
+        <p:spPr>
+          <a:xfrm>
+            <a:off x="4229099" y="2892510"/>
+            <a:ext cx="1007165" cy="369332"/>
+          </a:xfrm>
+          <a:prstGeom prst="rect">
+            <a:avLst/>
+          </a:prstGeom>
+          <a:noFill/>
+        </p:spPr>
+        <p:txBody>
+          <a:bodyPr wrap="square" rtlCol="0">
+            <a:spAutoFit/>
+          </a:bodyPr>
+          <a:lstStyle/>
+          <a:p>
+            <a:r>
+              <a:rPr lang="en-US" dirty="0"/>
+              <a:t>KNN</a:t>
+            </a:r>
+          </a:p>
+        </p:txBody>
+      </p:sp>
+      <p:sp>
+        <p:nvSpPr>
+          <p:cNvPr id="26" name="TextBox 25"/>
+          <p:cNvSpPr txBox="1"/>
+          <p:nvPr/>
+        </p:nvSpPr>
+        <p:spPr>
+          <a:xfrm>
+            <a:off x="3990561" y="3987189"/>
+            <a:ext cx="1484243" cy="646331"/>
+          </a:xfrm>
+          <a:prstGeom prst="rect">
+            <a:avLst/>
+          </a:prstGeom>
+          <a:noFill/>
+        </p:spPr>
+        <p:txBody>
+          <a:bodyPr wrap="square" rtlCol="0">
+            <a:spAutoFit/>
+          </a:bodyPr>
+          <a:lstStyle/>
+          <a:p>
+            <a:r>
+              <a:rPr lang="en-US" dirty="0"/>
+              <a:t>Linear Regression</a:t>
+            </a:r>
+          </a:p>
+        </p:txBody>
+      </p:sp>
+      <p:sp>
+        <p:nvSpPr>
+          <p:cNvPr id="27" name="TextBox 26"/>
+          <p:cNvSpPr txBox="1"/>
+          <p:nvPr/>
+        </p:nvSpPr>
+        <p:spPr>
+          <a:xfrm>
+            <a:off x="4229099" y="5314622"/>
+            <a:ext cx="930966" cy="369332"/>
+          </a:xfrm>
+          <a:prstGeom prst="rect">
+            <a:avLst/>
+          </a:prstGeom>
+          <a:noFill/>
+        </p:spPr>
+        <p:txBody>
+          <a:bodyPr wrap="square" rtlCol="0">
+            <a:spAutoFit/>
+          </a:bodyPr>
+          <a:lstStyle/>
+          <a:p>
+            <a:r>
+              <a:rPr lang="en-US" dirty="0"/>
+              <a:t>SGD</a:t>
+            </a:r>
+          </a:p>
+        </p:txBody>
+      </p:sp>
+      <p:cxnSp>
+        <p:nvCxnSpPr>
+          <p:cNvPr id="29" name="Straight Arrow Connector 28"/>
+          <p:cNvCxnSpPr/>
+          <p:nvPr/>
+        </p:nvCxnSpPr>
+        <p:spPr>
+          <a:xfrm>
+            <a:off x="9263271" y="4373591"/>
+            <a:ext cx="583095" cy="0"/>
+          </a:xfrm>
+          <a:prstGeom prst="straightConnector1">
+            <a:avLst/>
+          </a:prstGeom>
+          <a:ln>
+            <a:tailEnd type="triangle"/>
+          </a:ln>
+        </p:spPr>
+        <p:style>
+          <a:lnRef idx="1">
+            <a:schemeClr val="accent1"/>
+          </a:lnRef>
+          <a:fillRef idx="0">
+            <a:schemeClr val="accent1"/>
+          </a:fillRef>
+          <a:effectRef idx="0">
+            <a:schemeClr val="accent1"/>
+          </a:effectRef>
+          <a:fontRef idx="minor">
+            <a:schemeClr val="tx1"/>
+          </a:fontRef>
+        </p:style>
+      </p:cxnSp>
+      <p:sp>
+        <p:nvSpPr>
+          <p:cNvPr id="30" name="Rectangle 29"/>
+          <p:cNvSpPr/>
+          <p:nvPr/>
+        </p:nvSpPr>
+        <p:spPr>
+          <a:xfrm>
+            <a:off x="10000423" y="3634600"/>
+            <a:ext cx="1467678" cy="1294432"/>
+          </a:xfrm>
+          <a:prstGeom prst="rect">
+            <a:avLst/>
+          </a:prstGeom>
+          <a:solidFill>
+            <a:schemeClr val="bg2"/>
+          </a:solidFill>
+        </p:spPr>
+        <p:style>
+          <a:lnRef idx="2">
+            <a:schemeClr val="accent1">
+              <a:shade val="50000"/>
+            </a:schemeClr>
+          </a:lnRef>
+          <a:fillRef idx="1">
+            <a:schemeClr val="accent1"/>
+          </a:fillRef>
+          <a:effectRef idx="0">
+            <a:schemeClr val="accent1"/>
+          </a:effectRef>
+          <a:fontRef idx="minor">
+            <a:schemeClr val="lt1"/>
+          </a:fontRef>
+        </p:style>
+        <p:txBody>
+          <a:bodyPr rtlCol="0" anchor="ctr"/>
+          <a:lstStyle/>
+          <a:p>
+            <a:pPr algn="ctr"/>
+            <a:endParaRPr lang="en-US"/>
+          </a:p>
+        </p:txBody>
+      </p:sp>
+      <p:sp>
+        <p:nvSpPr>
+          <p:cNvPr id="31" name="TextBox 30"/>
+          <p:cNvSpPr txBox="1"/>
+          <p:nvPr/>
+        </p:nvSpPr>
+        <p:spPr>
+          <a:xfrm>
+            <a:off x="10126317" y="3890460"/>
+            <a:ext cx="1239081" cy="646331"/>
+          </a:xfrm>
+          <a:prstGeom prst="rect">
+            <a:avLst/>
+          </a:prstGeom>
+          <a:noFill/>
+        </p:spPr>
+        <p:txBody>
+          <a:bodyPr wrap="square" rtlCol="0">
+            <a:spAutoFit/>
+          </a:bodyPr>
+          <a:lstStyle/>
+          <a:p>
+            <a:r>
+              <a:rPr lang="en-US" dirty="0"/>
+              <a:t>Final Predictions</a:t>
+            </a:r>
+          </a:p>
+        </p:txBody>
+      </p:sp>
+      <p:sp>
+        <p:nvSpPr>
+          <p:cNvPr id="5" name="TextBox 4"/>
+          <p:cNvSpPr txBox="1"/>
+          <p:nvPr/>
+        </p:nvSpPr>
+        <p:spPr>
+          <a:xfrm>
+            <a:off x="5435463" y="4014844"/>
+            <a:ext cx="1334330" cy="369332"/>
+          </a:xfrm>
+          <a:prstGeom prst="rect">
+            <a:avLst/>
+          </a:prstGeom>
+          <a:noFill/>
+        </p:spPr>
+        <p:txBody>
+          <a:bodyPr wrap="square" rtlCol="0">
+            <a:spAutoFit/>
+          </a:bodyPr>
+          <a:lstStyle/>
+          <a:p>
+            <a:r>
+              <a:rPr lang="en-US" dirty="0"/>
+              <a:t>Predictions</a:t>
+            </a:r>
+          </a:p>
+        </p:txBody>
+      </p:sp>
+      <p:sp>
+        <p:nvSpPr>
+          <p:cNvPr id="28" name="TextBox 27"/>
+          <p:cNvSpPr txBox="1"/>
+          <p:nvPr/>
+        </p:nvSpPr>
+        <p:spPr>
+          <a:xfrm>
+            <a:off x="5506692" y="5330586"/>
+            <a:ext cx="1334330" cy="369332"/>
+          </a:xfrm>
+          <a:prstGeom prst="rect">
+            <a:avLst/>
+          </a:prstGeom>
+          <a:noFill/>
+        </p:spPr>
+        <p:txBody>
+          <a:bodyPr wrap="square" rtlCol="0">
+            <a:spAutoFit/>
+          </a:bodyPr>
+          <a:lstStyle/>
+          <a:p>
+            <a:r>
+              <a:rPr lang="en-US" dirty="0"/>
+              <a:t>Predictions</a:t>
+            </a:r>
+          </a:p>
+        </p:txBody>
+      </p:sp>
+      <p:sp>
+        <p:nvSpPr>
+          <p:cNvPr id="33" name="TextBox 32"/>
+          <p:cNvSpPr txBox="1"/>
+          <p:nvPr/>
+        </p:nvSpPr>
+        <p:spPr>
+          <a:xfrm>
+            <a:off x="5435463" y="2734550"/>
+            <a:ext cx="1334330" cy="369332"/>
+          </a:xfrm>
+          <a:prstGeom prst="rect">
+            <a:avLst/>
+          </a:prstGeom>
+          <a:noFill/>
+        </p:spPr>
+        <p:txBody>
+          <a:bodyPr wrap="square" rtlCol="0">
+            <a:spAutoFit/>
+          </a:bodyPr>
+          <a:lstStyle/>
+          <a:p>
+            <a:r>
+              <a:rPr lang="en-US" dirty="0"/>
+              <a:t>Predictions</a:t>
+            </a:r>
+          </a:p>
+        </p:txBody>
+      </p:sp>
+    </p:spTree>
+    <p:extLst>
+      <p:ext uri="{BB962C8B-B14F-4D97-AF65-F5344CB8AC3E}">
+        <p14:creationId xmlns:p14="http://schemas.microsoft.com/office/powerpoint/2010/main" val="1731066629"/>
+      </p:ext>
+    </p:extLst>
+  </p:cSld>
+  <p:clrMapOvr>
+    <a:masterClrMapping/>
+  </p:clrMapOvr>
+</p:sld>
+</file>
+
+<file path=ppt/slides/slide16.xml><?xml version="1.0" encoding="utf-8"?>
+<p:sld xmlns:a="http://schemas.openxmlformats.org/drawingml/2006/main" xmlns:r="http://schemas.openxmlformats.org/officeDocument/2006/relationships" xmlns:p="http://schemas.openxmlformats.org/presentationml/2006/main">
+  <p:cSld>
+    <p:spTree>
+      <p:nvGrpSpPr>
+        <p:cNvPr id="1" name=""/>
+        <p:cNvGrpSpPr/>
+        <p:nvPr/>
+      </p:nvGrpSpPr>
+      <p:grpSpPr>
+        <a:xfrm>
+          <a:off x="0" y="0"/>
+          <a:ext cx="0" cy="0"/>
+          <a:chOff x="0" y="0"/>
+          <a:chExt cx="0" cy="0"/>
+        </a:xfrm>
+      </p:grpSpPr>
+      <p:sp>
+        <p:nvSpPr>
+          <p:cNvPr id="2" name="Title 1"/>
+          <p:cNvSpPr>
+            <a:spLocks noGrp="1"/>
+          </p:cNvSpPr>
+          <p:nvPr>
+            <p:ph type="title"/>
+          </p:nvPr>
+        </p:nvSpPr>
+        <p:spPr>
+          <a:xfrm>
+            <a:off x="861391" y="286603"/>
+            <a:ext cx="10294289" cy="1224145"/>
+          </a:xfrm>
+        </p:spPr>
+        <p:txBody>
+          <a:bodyPr/>
+          <a:lstStyle/>
+          <a:p>
+            <a:r>
+              <a:rPr lang="en-US" dirty="0"/>
+              <a:t>Feature Selection</a:t>
+            </a:r>
+          </a:p>
+        </p:txBody>
+      </p:sp>
+      <p:sp>
+        <p:nvSpPr>
+          <p:cNvPr id="3" name="Content Placeholder 2"/>
+          <p:cNvSpPr>
+            <a:spLocks noGrp="1"/>
+          </p:cNvSpPr>
+          <p:nvPr>
+            <p:ph idx="1"/>
+          </p:nvPr>
+        </p:nvSpPr>
+        <p:spPr>
+          <a:xfrm>
+            <a:off x="861391" y="2001079"/>
+            <a:ext cx="10294289" cy="3695738"/>
+          </a:xfrm>
+        </p:spPr>
+        <p:txBody>
+          <a:bodyPr>
+            <a:normAutofit fontScale="25000" lnSpcReduction="20000"/>
+          </a:bodyPr>
+          <a:lstStyle/>
+          <a:p>
+            <a:r>
+              <a:rPr lang="en-US" sz="7200" dirty="0"/>
+              <a:t>I used stepwise feature selection, selecting the ‘</a:t>
+            </a:r>
+            <a:r>
+              <a:rPr lang="en-US" sz="7200" dirty="0" err="1"/>
+              <a:t>Kbest</a:t>
+            </a:r>
+            <a:r>
+              <a:rPr lang="en-US" sz="7200" dirty="0"/>
+              <a:t>’ features at 1, 2,3,4  # of features… and so on</a:t>
+            </a:r>
+          </a:p>
+          <a:p>
+            <a:pPr marL="0" indent="0">
+              <a:buNone/>
+            </a:pPr>
+            <a:r>
+              <a:rPr lang="en-US" sz="4400" dirty="0" err="1"/>
+              <a:t>feature_cols</a:t>
+            </a:r>
+            <a:r>
+              <a:rPr lang="en-US" sz="4400" dirty="0"/>
+              <a:t> = ['64640', '63650', '64634', '64480', '64635', '64636', '64484', '20605', '63685', '63688', '62311', </a:t>
+            </a:r>
+          </a:p>
+          <a:p>
+            <a:r>
+              <a:rPr lang="en-US" sz="4400" dirty="0"/>
+              <a:t>                '62310', '63661', '64494', '64495', '64633', '64490', '64491', '64492', '64493', '64450', '27096', </a:t>
+            </a:r>
+          </a:p>
+          <a:p>
+            <a:r>
+              <a:rPr lang="en-US" sz="4400" dirty="0"/>
+              <a:t>                'Gender', 'Age', 'F17', '3', '1r', 'ESI', 'Lumbar Radiofrequency', 'Nerve Block 2', 'Radiofrequency']</a:t>
+            </a:r>
+          </a:p>
+          <a:p>
+            <a:r>
+              <a:rPr lang="en-US" sz="4400" dirty="0"/>
+              <a:t>X = </a:t>
+            </a:r>
+            <a:r>
+              <a:rPr lang="en-US" sz="4400" dirty="0" err="1"/>
+              <a:t>dfNotNull</a:t>
+            </a:r>
+            <a:r>
+              <a:rPr lang="en-US" sz="4400" dirty="0"/>
+              <a:t>[</a:t>
+            </a:r>
+            <a:r>
+              <a:rPr lang="en-US" sz="4400" dirty="0" err="1"/>
+              <a:t>feature_cols</a:t>
+            </a:r>
+            <a:r>
+              <a:rPr lang="en-US" sz="4400" dirty="0"/>
+              <a:t>]</a:t>
+            </a:r>
+          </a:p>
+          <a:p>
+            <a:r>
+              <a:rPr lang="en-US" sz="4400" dirty="0"/>
+              <a:t>y = </a:t>
+            </a:r>
+            <a:r>
+              <a:rPr lang="en-US" sz="4400" dirty="0" err="1"/>
+              <a:t>dfNotNull</a:t>
+            </a:r>
+            <a:r>
+              <a:rPr lang="en-US" sz="4400" dirty="0"/>
+              <a:t>['</a:t>
+            </a:r>
+            <a:r>
+              <a:rPr lang="en-US" sz="4400" dirty="0" err="1"/>
+              <a:t>TotalTimeMin</a:t>
+            </a:r>
+            <a:r>
+              <a:rPr lang="en-US" sz="4400" dirty="0"/>
+              <a:t>']</a:t>
+            </a:r>
+          </a:p>
+          <a:p>
+            <a:r>
+              <a:rPr lang="en-US" sz="4400" dirty="0"/>
+              <a:t>for </a:t>
+            </a:r>
+            <a:r>
+              <a:rPr lang="en-US" sz="4400" dirty="0" err="1"/>
+              <a:t>i</a:t>
+            </a:r>
+            <a:r>
+              <a:rPr lang="en-US" sz="4400" dirty="0"/>
+              <a:t> in range (1, </a:t>
+            </a:r>
+            <a:r>
+              <a:rPr lang="en-US" sz="4400" dirty="0" err="1"/>
+              <a:t>len</a:t>
+            </a:r>
+            <a:r>
+              <a:rPr lang="en-US" sz="4400" dirty="0"/>
+              <a:t>(</a:t>
+            </a:r>
+            <a:r>
+              <a:rPr lang="en-US" sz="4400" dirty="0" err="1"/>
+              <a:t>feature_cols</a:t>
+            </a:r>
+            <a:r>
+              <a:rPr lang="en-US" sz="4400" dirty="0"/>
+              <a:t>)+1):</a:t>
+            </a:r>
+          </a:p>
+          <a:p>
+            <a:r>
+              <a:rPr lang="en-US" sz="4400" dirty="0"/>
+              <a:t>    #</a:t>
+            </a:r>
+            <a:r>
+              <a:rPr lang="en-US" sz="4400" dirty="0" err="1"/>
+              <a:t>gridsearch</a:t>
+            </a:r>
+            <a:r>
+              <a:rPr lang="en-US" sz="4400" dirty="0"/>
+              <a:t> with select </a:t>
+            </a:r>
+            <a:r>
+              <a:rPr lang="en-US" sz="4400" dirty="0" err="1"/>
+              <a:t>kbest</a:t>
+            </a:r>
+            <a:endParaRPr lang="en-US" sz="4400" dirty="0"/>
+          </a:p>
+          <a:p>
+            <a:r>
+              <a:rPr lang="en-US" sz="4400" dirty="0"/>
+              <a:t>    </a:t>
+            </a:r>
+            <a:r>
+              <a:rPr lang="en-US" sz="4400" dirty="0" err="1"/>
+              <a:t>neighbs_k</a:t>
+            </a:r>
+            <a:r>
+              <a:rPr lang="en-US" sz="4400" dirty="0"/>
+              <a:t> = range(1, 30)</a:t>
+            </a:r>
+          </a:p>
+          <a:p>
+            <a:r>
+              <a:rPr lang="en-US" sz="4400" dirty="0"/>
+              <a:t>    </a:t>
+            </a:r>
+            <a:r>
+              <a:rPr lang="en-US" sz="4400" dirty="0" err="1"/>
+              <a:t>param_grid</a:t>
+            </a:r>
+            <a:r>
+              <a:rPr lang="en-US" sz="4400" dirty="0"/>
+              <a:t> = </a:t>
+            </a:r>
+            <a:r>
+              <a:rPr lang="en-US" sz="4400" dirty="0" err="1"/>
+              <a:t>dict</a:t>
+            </a:r>
+            <a:r>
+              <a:rPr lang="en-US" sz="4400" dirty="0"/>
+              <a:t>(neigh__</a:t>
+            </a:r>
+            <a:r>
+              <a:rPr lang="en-US" sz="4400" dirty="0" err="1"/>
+              <a:t>n_neighbors</a:t>
+            </a:r>
+            <a:r>
+              <a:rPr lang="en-US" sz="4400" dirty="0"/>
+              <a:t>=</a:t>
+            </a:r>
+            <a:r>
+              <a:rPr lang="en-US" sz="4400" dirty="0" err="1"/>
+              <a:t>neighbs_k</a:t>
+            </a:r>
+            <a:r>
+              <a:rPr lang="en-US" sz="4400" dirty="0"/>
+              <a:t> )</a:t>
+            </a:r>
+          </a:p>
+          <a:p>
+            <a:r>
+              <a:rPr lang="en-US" sz="4400" dirty="0"/>
+              <a:t>    neigh = </a:t>
+            </a:r>
+            <a:r>
+              <a:rPr lang="en-US" sz="4400" dirty="0" err="1"/>
+              <a:t>KNeighborsRegressor</a:t>
+            </a:r>
+            <a:r>
+              <a:rPr lang="en-US" sz="4400" dirty="0"/>
+              <a:t>()</a:t>
+            </a:r>
+          </a:p>
+          <a:p>
+            <a:r>
+              <a:rPr lang="en-US" sz="4400" dirty="0"/>
+              <a:t>    filter1 = </a:t>
+            </a:r>
+            <a:r>
+              <a:rPr lang="en-US" sz="4400" dirty="0" err="1"/>
+              <a:t>SelectKBest</a:t>
+            </a:r>
+            <a:r>
+              <a:rPr lang="en-US" sz="4400" dirty="0"/>
+              <a:t>(k=</a:t>
+            </a:r>
+            <a:r>
+              <a:rPr lang="en-US" sz="4400" dirty="0" err="1"/>
+              <a:t>i</a:t>
+            </a:r>
+            <a:r>
+              <a:rPr lang="en-US" sz="4400" dirty="0"/>
+              <a:t>) # select the best 2 features</a:t>
+            </a:r>
+          </a:p>
+          <a:p>
+            <a:r>
+              <a:rPr lang="en-US" sz="4400" dirty="0"/>
+              <a:t>    pipe = Pipeline([('</a:t>
+            </a:r>
+            <a:r>
+              <a:rPr lang="en-US" sz="4400" dirty="0" err="1"/>
+              <a:t>anova</a:t>
+            </a:r>
+            <a:r>
+              <a:rPr lang="en-US" sz="4400" dirty="0"/>
+              <a:t>', filter1), ('neigh', neigh)])</a:t>
+            </a:r>
+          </a:p>
+          <a:p>
+            <a:r>
+              <a:rPr lang="en-US" sz="4400" dirty="0"/>
+              <a:t>    grid1 = </a:t>
+            </a:r>
+            <a:r>
+              <a:rPr lang="en-US" sz="4400" dirty="0" err="1"/>
+              <a:t>GridSearchCV</a:t>
+            </a:r>
+            <a:r>
+              <a:rPr lang="en-US" sz="4400" dirty="0"/>
+              <a:t>(pipe, </a:t>
+            </a:r>
+            <a:r>
+              <a:rPr lang="en-US" sz="4400" dirty="0" err="1"/>
+              <a:t>param_grid</a:t>
+            </a:r>
+            <a:r>
+              <a:rPr lang="en-US" sz="4400" dirty="0"/>
+              <a:t>, cv=5, scoring='</a:t>
+            </a:r>
+            <a:r>
+              <a:rPr lang="en-US" sz="4400" dirty="0" err="1"/>
+              <a:t>mean_squared_error</a:t>
+            </a:r>
+            <a:r>
+              <a:rPr lang="en-US" sz="4400" dirty="0"/>
+              <a:t>').fit(</a:t>
+            </a:r>
+            <a:r>
+              <a:rPr lang="en-US" sz="4400" dirty="0" err="1"/>
+              <a:t>X,y</a:t>
+            </a:r>
+            <a:r>
+              <a:rPr lang="en-US" sz="4400" dirty="0"/>
+              <a:t>)</a:t>
+            </a:r>
+          </a:p>
+        </p:txBody>
+      </p:sp>
+    </p:spTree>
+    <p:extLst>
+      <p:ext uri="{BB962C8B-B14F-4D97-AF65-F5344CB8AC3E}">
+        <p14:creationId xmlns:p14="http://schemas.microsoft.com/office/powerpoint/2010/main" val="1052124801"/>
+      </p:ext>
+    </p:extLst>
+  </p:cSld>
+  <p:clrMapOvr>
+    <a:masterClrMapping/>
+  </p:clrMapOvr>
+</p:sld>
+</file>
+
+<file path=ppt/slides/slide17.xml><?xml version="1.0" encoding="utf-8"?>
+<p:sld xmlns:a="http://schemas.openxmlformats.org/drawingml/2006/main" xmlns:r="http://schemas.openxmlformats.org/officeDocument/2006/relationships" xmlns:p="http://schemas.openxmlformats.org/presentationml/2006/main">
+  <p:cSld>
+    <p:spTree>
+      <p:nvGrpSpPr>
+        <p:cNvPr id="1" name=""/>
+        <p:cNvGrpSpPr/>
+        <p:nvPr/>
+      </p:nvGrpSpPr>
+      <p:grpSpPr>
+        <a:xfrm>
+          <a:off x="0" y="0"/>
+          <a:ext cx="0" cy="0"/>
+          <a:chOff x="0" y="0"/>
+          <a:chExt cx="0" cy="0"/>
+        </a:xfrm>
+      </p:grpSpPr>
+      <p:sp>
+        <p:nvSpPr>
+          <p:cNvPr id="2" name="Title 1"/>
+          <p:cNvSpPr>
+            <a:spLocks noGrp="1"/>
+          </p:cNvSpPr>
+          <p:nvPr>
+            <p:ph type="title"/>
+          </p:nvPr>
+        </p:nvSpPr>
+        <p:spPr/>
+        <p:txBody>
+          <a:bodyPr/>
+          <a:lstStyle/>
+          <a:p>
+            <a:r>
+              <a:rPr lang="en-US" dirty="0"/>
+              <a:t>Feature Selection</a:t>
+            </a:r>
+          </a:p>
+        </p:txBody>
+      </p:sp>
+      <p:sp>
+        <p:nvSpPr>
+          <p:cNvPr id="3" name="Content Placeholder 2"/>
+          <p:cNvSpPr>
+            <a:spLocks noGrp="1"/>
+          </p:cNvSpPr>
+          <p:nvPr>
+            <p:ph idx="1"/>
+          </p:nvPr>
+        </p:nvSpPr>
+        <p:spPr/>
+        <p:txBody>
+          <a:bodyPr/>
+          <a:lstStyle/>
+          <a:p>
+            <a:pPr>
+              <a:buFont typeface="Wingdings" panose="05000000000000000000" pitchFamily="2" charset="2"/>
+              <a:buChar char="§"/>
+            </a:pPr>
+            <a:r>
+              <a:rPr lang="en-US" dirty="0"/>
+              <a:t> Unfortunately, when I tried to use the features I got with the select K best feature selection again in another algorithm, I would get huge RMSE’s </a:t>
+            </a:r>
+          </a:p>
+          <a:p>
+            <a:pPr marL="0" indent="0">
+              <a:buNone/>
+            </a:pPr>
+            <a:r>
+              <a:rPr lang="en-US" dirty="0"/>
+              <a:t>	Ex: 8.9 vs 12,0208 - Over 10,000x my first result!!!</a:t>
+            </a:r>
+          </a:p>
+          <a:p>
+            <a:pPr marL="0" indent="0">
+              <a:buNone/>
+            </a:pPr>
+            <a:endParaRPr lang="en-US" dirty="0"/>
+          </a:p>
+          <a:p>
+            <a:pPr>
+              <a:buFont typeface="Wingdings" panose="05000000000000000000" pitchFamily="2" charset="2"/>
+              <a:buChar char="§"/>
+            </a:pPr>
+            <a:r>
+              <a:rPr lang="en-US" dirty="0"/>
+              <a:t> This is most likely due to highly correlated features in the dataset, which ‘Select </a:t>
+            </a:r>
+            <a:r>
+              <a:rPr lang="en-US" dirty="0" err="1"/>
+              <a:t>Kbest</a:t>
+            </a:r>
+            <a:r>
+              <a:rPr lang="en-US" dirty="0"/>
+              <a:t>’ does not catch every time</a:t>
+            </a:r>
+          </a:p>
+          <a:p>
+            <a:pPr marL="0" indent="0">
+              <a:buNone/>
+            </a:pPr>
+            <a:endParaRPr lang="en-US" dirty="0"/>
+          </a:p>
+          <a:p>
+            <a:pPr>
+              <a:buFont typeface="Wingdings" panose="05000000000000000000" pitchFamily="2" charset="2"/>
+              <a:buChar char="§"/>
+            </a:pPr>
+            <a:r>
+              <a:rPr lang="en-US" dirty="0"/>
+              <a:t>To combat this I added up the list of the features used most by select </a:t>
+            </a:r>
+            <a:r>
+              <a:rPr lang="en-US" dirty="0" err="1"/>
+              <a:t>Kbest</a:t>
+            </a:r>
+            <a:r>
+              <a:rPr lang="en-US" dirty="0"/>
+              <a:t>(Thanks Sinan!!)</a:t>
+            </a:r>
+          </a:p>
+          <a:p>
+            <a:pPr>
+              <a:buFont typeface="Wingdings" panose="05000000000000000000" pitchFamily="2" charset="2"/>
+              <a:buChar char="§"/>
+            </a:pPr>
+            <a:endParaRPr lang="en-US" dirty="0"/>
+          </a:p>
+          <a:p>
+            <a:pPr>
+              <a:buFont typeface="Wingdings" panose="05000000000000000000" pitchFamily="2" charset="2"/>
+              <a:buChar char="§"/>
+            </a:pPr>
+            <a:endParaRPr lang="en-US" dirty="0"/>
+          </a:p>
+        </p:txBody>
+      </p:sp>
+    </p:spTree>
+    <p:extLst>
+      <p:ext uri="{BB962C8B-B14F-4D97-AF65-F5344CB8AC3E}">
+        <p14:creationId xmlns:p14="http://schemas.microsoft.com/office/powerpoint/2010/main" val="2008255535"/>
+      </p:ext>
+    </p:extLst>
+  </p:cSld>
+  <p:clrMapOvr>
+    <a:masterClrMapping/>
+  </p:clrMapOvr>
+</p:sld>
+</file>
+
+<file path=ppt/slides/slide18.xml><?xml version="1.0" encoding="utf-8"?>
+<p:sld xmlns:a="http://schemas.openxmlformats.org/drawingml/2006/main" xmlns:r="http://schemas.openxmlformats.org/officeDocument/2006/relationships" xmlns:p="http://schemas.openxmlformats.org/presentationml/2006/main">
+  <p:cSld>
+    <p:spTree>
+      <p:nvGrpSpPr>
+        <p:cNvPr id="1" name=""/>
+        <p:cNvGrpSpPr/>
+        <p:nvPr/>
+      </p:nvGrpSpPr>
+      <p:grpSpPr>
+        <a:xfrm>
+          <a:off x="0" y="0"/>
+          <a:ext cx="0" cy="0"/>
+          <a:chOff x="0" y="0"/>
+          <a:chExt cx="0" cy="0"/>
+        </a:xfrm>
+      </p:grpSpPr>
+      <p:cxnSp>
+        <p:nvCxnSpPr>
+          <p:cNvPr id="8" name="Straight Arrow Connector 7"/>
+          <p:cNvCxnSpPr/>
+          <p:nvPr/>
+        </p:nvCxnSpPr>
+        <p:spPr>
+          <a:xfrm flipH="1">
+            <a:off x="4280452" y="2425148"/>
+            <a:ext cx="2425148" cy="2729948"/>
+          </a:xfrm>
+          <a:prstGeom prst="straightConnector1">
+            <a:avLst/>
+          </a:prstGeom>
+          <a:ln>
+            <a:tailEnd type="triangle"/>
+          </a:ln>
+        </p:spPr>
+        <p:style>
+          <a:lnRef idx="1">
+            <a:schemeClr val="accent1"/>
+          </a:lnRef>
+          <a:fillRef idx="0">
+            <a:schemeClr val="accent1"/>
+          </a:fillRef>
+          <a:effectRef idx="0">
+            <a:schemeClr val="accent1"/>
+          </a:effectRef>
+          <a:fontRef idx="minor">
+            <a:schemeClr val="tx1"/>
+          </a:fontRef>
+        </p:style>
+      </p:cxnSp>
+      <p:pic>
+        <p:nvPicPr>
+          <p:cNvPr id="12" name="Content Placeholder 11"/>
+          <p:cNvPicPr>
+            <a:picLocks noGrp="1" noChangeAspect="1"/>
+          </p:cNvPicPr>
+          <p:nvPr>
+            <p:ph idx="4294967295"/>
+          </p:nvPr>
+        </p:nvPicPr>
+        <p:blipFill>
+          <a:blip r:embed="rId2">
+            <a:extLst>
+              <a:ext uri="{28A0092B-C50C-407E-A947-70E740481C1C}">
+                <a14:useLocalDpi xmlns:a14="http://schemas.microsoft.com/office/drawing/2010/main" val="0"/>
+              </a:ext>
+            </a:extLst>
+          </a:blip>
+          <a:stretch>
+            <a:fillRect/>
+          </a:stretch>
+        </p:blipFill>
+        <p:spPr>
+          <a:xfrm>
+            <a:off x="1325217" y="0"/>
+            <a:ext cx="8920163" cy="6397625"/>
+          </a:xfrm>
+        </p:spPr>
+      </p:pic>
+      <p:cxnSp>
+        <p:nvCxnSpPr>
+          <p:cNvPr id="16" name="Straight Arrow Connector 15"/>
+          <p:cNvCxnSpPr/>
+          <p:nvPr/>
+        </p:nvCxnSpPr>
+        <p:spPr>
+          <a:xfrm flipH="1">
+            <a:off x="7023653" y="3087433"/>
+            <a:ext cx="1152939" cy="2067663"/>
+          </a:xfrm>
+          <a:prstGeom prst="straightConnector1">
+            <a:avLst/>
+          </a:prstGeom>
+          <a:ln>
+            <a:solidFill>
+              <a:srgbClr val="FF0000"/>
+            </a:solidFill>
+            <a:tailEnd type="triangle"/>
+          </a:ln>
+        </p:spPr>
+        <p:style>
+          <a:lnRef idx="1">
+            <a:schemeClr val="accent1"/>
+          </a:lnRef>
+          <a:fillRef idx="0">
+            <a:schemeClr val="accent1"/>
+          </a:fillRef>
+          <a:effectRef idx="0">
+            <a:schemeClr val="accent1"/>
+          </a:effectRef>
+          <a:fontRef idx="minor">
+            <a:schemeClr val="tx1"/>
+          </a:fontRef>
+        </p:style>
+      </p:cxnSp>
+      <p:sp>
+        <p:nvSpPr>
+          <p:cNvPr id="17" name="TextBox 16"/>
+          <p:cNvSpPr txBox="1"/>
+          <p:nvPr/>
+        </p:nvSpPr>
+        <p:spPr>
+          <a:xfrm>
+            <a:off x="8176592" y="1963483"/>
+            <a:ext cx="1484243" cy="1446550"/>
+          </a:xfrm>
+          <a:prstGeom prst="rect">
+            <a:avLst/>
+          </a:prstGeom>
+          <a:noFill/>
+        </p:spPr>
+        <p:txBody>
+          <a:bodyPr wrap="square" rtlCol="0">
+            <a:spAutoFit/>
+          </a:bodyPr>
+          <a:lstStyle/>
+          <a:p>
+            <a:r>
+              <a:rPr lang="en-US" sz="2200" b="1" dirty="0"/>
+              <a:t>Best Choice: 7 features, 9.06 RMSE</a:t>
+            </a:r>
+          </a:p>
+        </p:txBody>
+      </p:sp>
+    </p:spTree>
+    <p:extLst>
+      <p:ext uri="{BB962C8B-B14F-4D97-AF65-F5344CB8AC3E}">
+        <p14:creationId xmlns:p14="http://schemas.microsoft.com/office/powerpoint/2010/main" val="3213647753"/>
+      </p:ext>
+    </p:extLst>
+  </p:cSld>
+  <p:clrMapOvr>
+    <a:masterClrMapping/>
+  </p:clrMapOvr>
+</p:sld>
+</file>
+
+<file path=ppt/slides/slide19.xml><?xml version="1.0" encoding="utf-8"?>
+<p:sld xmlns:a="http://schemas.openxmlformats.org/drawingml/2006/main" xmlns:r="http://schemas.openxmlformats.org/officeDocument/2006/relationships" xmlns:p="http://schemas.openxmlformats.org/presentationml/2006/main">
+  <p:cSld>
+    <p:spTree>
+      <p:nvGrpSpPr>
+        <p:cNvPr id="1" name=""/>
+        <p:cNvGrpSpPr/>
+        <p:nvPr/>
+      </p:nvGrpSpPr>
+      <p:grpSpPr>
+        <a:xfrm>
+          <a:off x="0" y="0"/>
+          <a:ext cx="0" cy="0"/>
+          <a:chOff x="0" y="0"/>
+          <a:chExt cx="0" cy="0"/>
+        </a:xfrm>
+      </p:grpSpPr>
+      <p:pic>
+        <p:nvPicPr>
+          <p:cNvPr id="4" name="Content Placeholder 3"/>
+          <p:cNvPicPr>
+            <a:picLocks noGrp="1" noChangeAspect="1"/>
+          </p:cNvPicPr>
+          <p:nvPr>
+            <p:ph idx="4294967295"/>
+          </p:nvPr>
+        </p:nvPicPr>
+        <p:blipFill>
+          <a:blip r:embed="rId2">
+            <a:extLst>
+              <a:ext uri="{28A0092B-C50C-407E-A947-70E740481C1C}">
+                <a14:useLocalDpi xmlns:a14="http://schemas.microsoft.com/office/drawing/2010/main" val="0"/>
+              </a:ext>
+            </a:extLst>
+          </a:blip>
+          <a:stretch>
+            <a:fillRect/>
+          </a:stretch>
+        </p:blipFill>
+        <p:spPr>
+          <a:xfrm>
+            <a:off x="861392" y="0"/>
+            <a:ext cx="9017000" cy="6467475"/>
+          </a:xfrm>
+        </p:spPr>
+      </p:pic>
+      <p:cxnSp>
+        <p:nvCxnSpPr>
+          <p:cNvPr id="8" name="Straight Arrow Connector 7"/>
+          <p:cNvCxnSpPr/>
+          <p:nvPr/>
+        </p:nvCxnSpPr>
+        <p:spPr>
+          <a:xfrm flipH="1">
+            <a:off x="5369893" y="2504661"/>
+            <a:ext cx="1809472" cy="2500387"/>
+          </a:xfrm>
+          <a:prstGeom prst="straightConnector1">
+            <a:avLst/>
+          </a:prstGeom>
+          <a:ln>
+            <a:solidFill>
+              <a:srgbClr val="FF0000"/>
+            </a:solidFill>
+            <a:tailEnd type="triangle"/>
+          </a:ln>
+        </p:spPr>
+        <p:style>
+          <a:lnRef idx="1">
+            <a:schemeClr val="accent1"/>
+          </a:lnRef>
+          <a:fillRef idx="0">
+            <a:schemeClr val="accent1"/>
+          </a:fillRef>
+          <a:effectRef idx="0">
+            <a:schemeClr val="accent1"/>
+          </a:effectRef>
+          <a:fontRef idx="minor">
+            <a:schemeClr val="tx1"/>
+          </a:fontRef>
+        </p:style>
+      </p:cxnSp>
+      <p:sp>
+        <p:nvSpPr>
+          <p:cNvPr id="9" name="TextBox 8"/>
+          <p:cNvSpPr txBox="1"/>
+          <p:nvPr/>
+        </p:nvSpPr>
+        <p:spPr>
+          <a:xfrm>
+            <a:off x="7179365" y="1872879"/>
+            <a:ext cx="1351722" cy="1785104"/>
+          </a:xfrm>
+          <a:prstGeom prst="rect">
+            <a:avLst/>
+          </a:prstGeom>
+          <a:noFill/>
+        </p:spPr>
+        <p:txBody>
+          <a:bodyPr wrap="square" rtlCol="0">
+            <a:spAutoFit/>
+          </a:bodyPr>
+          <a:lstStyle/>
+          <a:p>
+            <a:r>
+              <a:rPr lang="en-US" sz="2200" b="1" dirty="0"/>
+              <a:t>Best Choice: 7, Features 8.92 RMSE</a:t>
+            </a:r>
+          </a:p>
+        </p:txBody>
+      </p:sp>
+    </p:spTree>
+    <p:extLst>
+      <p:ext uri="{BB962C8B-B14F-4D97-AF65-F5344CB8AC3E}">
+        <p14:creationId xmlns:p14="http://schemas.microsoft.com/office/powerpoint/2010/main" val="3104449207"/>
       </p:ext>
     </p:extLst>
   </p:cSld>
@@ -4073,60 +6122,95 @@
           <a:lstStyle/>
           <a:p>
             <a:r>
+              <a:rPr lang="en-US" b="1" dirty="0"/>
+              <a:t>Problem</a:t>
+            </a:r>
+          </a:p>
+        </p:txBody>
+      </p:sp>
+      <p:sp>
+        <p:nvSpPr>
+          <p:cNvPr id="3" name="Content Placeholder 2"/>
+          <p:cNvSpPr>
+            <a:spLocks noGrp="1"/>
+          </p:cNvSpPr>
+          <p:nvPr>
+            <p:ph idx="1"/>
+          </p:nvPr>
+        </p:nvSpPr>
+        <p:spPr/>
+        <p:txBody>
+          <a:bodyPr>
+            <a:normAutofit/>
+          </a:bodyPr>
+          <a:lstStyle/>
+          <a:p>
+            <a:pPr>
+              <a:buFont typeface="Wingdings" panose="05000000000000000000" pitchFamily="2" charset="2"/>
+              <a:buChar char="§"/>
+            </a:pPr>
+            <a:r>
               <a:rPr lang="en-US" dirty="0"/>
-              <a:t>Problem</a:t>
-            </a:r>
-          </a:p>
-        </p:txBody>
-      </p:sp>
-      <p:sp>
-        <p:nvSpPr>
-          <p:cNvPr id="3" name="Content Placeholder 2"/>
-          <p:cNvSpPr>
-            <a:spLocks noGrp="1"/>
-          </p:cNvSpPr>
-          <p:nvPr>
-            <p:ph idx="1"/>
-          </p:nvPr>
-        </p:nvSpPr>
-        <p:spPr/>
-        <p:txBody>
-          <a:bodyPr/>
-          <a:lstStyle/>
-          <a:p>
+              <a:t> Medical procedure scheduling is often times mostly a crapshoot</a:t>
+            </a:r>
+          </a:p>
+          <a:p>
+            <a:pPr>
+              <a:buFont typeface="Wingdings" panose="05000000000000000000" pitchFamily="2" charset="2"/>
+              <a:buChar char="§"/>
+            </a:pPr>
+            <a:endParaRPr lang="en-US" dirty="0"/>
+          </a:p>
+          <a:p>
+            <a:pPr>
+              <a:buFont typeface="Wingdings" panose="05000000000000000000" pitchFamily="2" charset="2"/>
+              <a:buChar char="§"/>
+            </a:pPr>
             <a:r>
               <a:rPr lang="en-US" dirty="0"/>
-              <a:t>Medical procedure scheduling is often times mostly a crapshoot</a:t>
-            </a:r>
-          </a:p>
-          <a:p>
-            <a:pPr marL="0" indent="0">
-              <a:buNone/>
+              <a:t> It is very easy for procedures to get backed up, and waiting times of several hours for the patients, causing some to leave</a:t>
+            </a:r>
+          </a:p>
+          <a:p>
+            <a:pPr>
+              <a:buFont typeface="Wingdings" panose="05000000000000000000" pitchFamily="2" charset="2"/>
+              <a:buChar char="§"/>
             </a:pPr>
             <a:endParaRPr lang="en-US" dirty="0"/>
           </a:p>
           <a:p>
+            <a:pPr>
+              <a:buFont typeface="Wingdings" panose="05000000000000000000" pitchFamily="2" charset="2"/>
+              <a:buChar char="§"/>
+            </a:pPr>
             <a:r>
               <a:rPr lang="en-US" dirty="0"/>
-              <a:t>It is very easy for procedures to get backed up, and waiting times of several hours for the patients, causing some to leave</a:t>
-            </a:r>
-          </a:p>
-          <a:p>
+              <a:t> Doctors can also be to fast, causing on missed opportunities to schedule extra patients</a:t>
+            </a:r>
+          </a:p>
+          <a:p>
+            <a:pPr>
+              <a:buFont typeface="Wingdings" panose="05000000000000000000" pitchFamily="2" charset="2"/>
+              <a:buChar char="§"/>
+            </a:pPr>
             <a:endParaRPr lang="en-US" dirty="0"/>
           </a:p>
           <a:p>
+            <a:pPr>
+              <a:buFont typeface="Wingdings" panose="05000000000000000000" pitchFamily="2" charset="2"/>
+              <a:buChar char="§"/>
+            </a:pPr>
             <a:r>
               <a:rPr lang="en-US" dirty="0"/>
-              <a:t>Doctors can also be to fast, causing on missed opportunities to schedule extra patients</a:t>
-            </a:r>
-          </a:p>
-          <a:p>
-            <a:endParaRPr lang="en-US" dirty="0"/>
-          </a:p>
-          <a:p>
-            <a:r>
-              <a:rPr lang="en-US" dirty="0"/>
-              <a:t> Procedures can be thousands of $ so scheduling well saves $</a:t>
+              <a:t> Procedures can be very expensive so scheduling well saves </a:t>
+            </a:r>
+            <a:r>
+              <a:rPr lang="en-US" sz="2800" dirty="0">
+                <a:solidFill>
+                  <a:srgbClr val="00B050"/>
+                </a:solidFill>
+              </a:rPr>
+              <a:t>$</a:t>
             </a:r>
           </a:p>
           <a:p>
@@ -4141,6 +6225,746 @@
     <p:extLst>
       <p:ext uri="{BB962C8B-B14F-4D97-AF65-F5344CB8AC3E}">
         <p14:creationId xmlns:p14="http://schemas.microsoft.com/office/powerpoint/2010/main" val="339922768"/>
+      </p:ext>
+    </p:extLst>
+  </p:cSld>
+  <p:clrMapOvr>
+    <a:masterClrMapping/>
+  </p:clrMapOvr>
+</p:sld>
+</file>
+
+<file path=ppt/slides/slide20.xml><?xml version="1.0" encoding="utf-8"?>
+<p:sld xmlns:a="http://schemas.openxmlformats.org/drawingml/2006/main" xmlns:r="http://schemas.openxmlformats.org/officeDocument/2006/relationships" xmlns:p="http://schemas.openxmlformats.org/presentationml/2006/main">
+  <p:cSld>
+    <p:spTree>
+      <p:nvGrpSpPr>
+        <p:cNvPr id="1" name=""/>
+        <p:cNvGrpSpPr/>
+        <p:nvPr/>
+      </p:nvGrpSpPr>
+      <p:grpSpPr>
+        <a:xfrm>
+          <a:off x="0" y="0"/>
+          <a:ext cx="0" cy="0"/>
+          <a:chOff x="0" y="0"/>
+          <a:chExt cx="0" cy="0"/>
+        </a:xfrm>
+      </p:grpSpPr>
+      <p:pic>
+        <p:nvPicPr>
+          <p:cNvPr id="4" name="Content Placeholder 3"/>
+          <p:cNvPicPr>
+            <a:picLocks noGrp="1" noChangeAspect="1"/>
+          </p:cNvPicPr>
+          <p:nvPr>
+            <p:ph idx="4294967295"/>
+          </p:nvPr>
+        </p:nvPicPr>
+        <p:blipFill>
+          <a:blip r:embed="rId2">
+            <a:extLst>
+              <a:ext uri="{28A0092B-C50C-407E-A947-70E740481C1C}">
+                <a14:useLocalDpi xmlns:a14="http://schemas.microsoft.com/office/drawing/2010/main" val="0"/>
+              </a:ext>
+            </a:extLst>
+          </a:blip>
+          <a:stretch>
+            <a:fillRect/>
+          </a:stretch>
+        </p:blipFill>
+        <p:spPr>
+          <a:xfrm>
+            <a:off x="1219200" y="231043"/>
+            <a:ext cx="8176591" cy="5955591"/>
+          </a:xfrm>
+        </p:spPr>
+      </p:pic>
+      <p:cxnSp>
+        <p:nvCxnSpPr>
+          <p:cNvPr id="6" name="Straight Arrow Connector 5"/>
+          <p:cNvCxnSpPr/>
+          <p:nvPr/>
+        </p:nvCxnSpPr>
+        <p:spPr>
+          <a:xfrm flipH="1">
+            <a:off x="5307495" y="2837779"/>
+            <a:ext cx="1456006" cy="2518117"/>
+          </a:xfrm>
+          <a:prstGeom prst="straightConnector1">
+            <a:avLst/>
+          </a:prstGeom>
+          <a:ln>
+            <a:solidFill>
+              <a:srgbClr val="FF0000"/>
+            </a:solidFill>
+            <a:tailEnd type="triangle"/>
+          </a:ln>
+        </p:spPr>
+        <p:style>
+          <a:lnRef idx="1">
+            <a:schemeClr val="accent1"/>
+          </a:lnRef>
+          <a:fillRef idx="0">
+            <a:schemeClr val="accent1"/>
+          </a:fillRef>
+          <a:effectRef idx="0">
+            <a:schemeClr val="accent1"/>
+          </a:effectRef>
+          <a:fontRef idx="minor">
+            <a:schemeClr val="tx1"/>
+          </a:fontRef>
+        </p:style>
+      </p:cxnSp>
+      <p:sp>
+        <p:nvSpPr>
+          <p:cNvPr id="7" name="TextBox 6"/>
+          <p:cNvSpPr txBox="1"/>
+          <p:nvPr/>
+        </p:nvSpPr>
+        <p:spPr>
+          <a:xfrm>
+            <a:off x="7020402" y="2191448"/>
+            <a:ext cx="2080591" cy="646331"/>
+          </a:xfrm>
+          <a:prstGeom prst="rect">
+            <a:avLst/>
+          </a:prstGeom>
+          <a:noFill/>
+        </p:spPr>
+        <p:txBody>
+          <a:bodyPr wrap="square" rtlCol="0">
+            <a:spAutoFit/>
+          </a:bodyPr>
+          <a:lstStyle/>
+          <a:p>
+            <a:r>
+              <a:rPr lang="en-US" b="1" dirty="0"/>
+              <a:t>Best Choice 7 Features 8.82 RMSE</a:t>
+            </a:r>
+          </a:p>
+        </p:txBody>
+      </p:sp>
+      <p:cxnSp>
+        <p:nvCxnSpPr>
+          <p:cNvPr id="9" name="Straight Arrow Connector 8"/>
+          <p:cNvCxnSpPr/>
+          <p:nvPr/>
+        </p:nvCxnSpPr>
+        <p:spPr>
+          <a:xfrm flipH="1">
+            <a:off x="3207026" y="1272209"/>
+            <a:ext cx="2451652" cy="79513"/>
+          </a:xfrm>
+          <a:prstGeom prst="straightConnector1">
+            <a:avLst/>
+          </a:prstGeom>
+          <a:ln>
+            <a:solidFill>
+              <a:srgbClr val="FF0000"/>
+            </a:solidFill>
+            <a:tailEnd type="triangle"/>
+          </a:ln>
+        </p:spPr>
+        <p:style>
+          <a:lnRef idx="1">
+            <a:schemeClr val="accent1"/>
+          </a:lnRef>
+          <a:fillRef idx="0">
+            <a:schemeClr val="accent1"/>
+          </a:fillRef>
+          <a:effectRef idx="0">
+            <a:schemeClr val="accent1"/>
+          </a:effectRef>
+          <a:fontRef idx="minor">
+            <a:schemeClr val="tx1"/>
+          </a:fontRef>
+        </p:style>
+      </p:cxnSp>
+      <p:sp>
+        <p:nvSpPr>
+          <p:cNvPr id="10" name="TextBox 9"/>
+          <p:cNvSpPr txBox="1"/>
+          <p:nvPr/>
+        </p:nvSpPr>
+        <p:spPr>
+          <a:xfrm>
+            <a:off x="5864214" y="1124937"/>
+            <a:ext cx="2312377" cy="923330"/>
+          </a:xfrm>
+          <a:prstGeom prst="rect">
+            <a:avLst/>
+          </a:prstGeom>
+          <a:noFill/>
+        </p:spPr>
+        <p:txBody>
+          <a:bodyPr wrap="square" rtlCol="0">
+            <a:spAutoFit/>
+          </a:bodyPr>
+          <a:lstStyle/>
+          <a:p>
+            <a:r>
+              <a:rPr lang="en-US" b="1" dirty="0"/>
+              <a:t>Huge increase with the addition of CPT code '63650'</a:t>
+            </a:r>
+          </a:p>
+        </p:txBody>
+      </p:sp>
+    </p:spTree>
+    <p:extLst>
+      <p:ext uri="{BB962C8B-B14F-4D97-AF65-F5344CB8AC3E}">
+        <p14:creationId xmlns:p14="http://schemas.microsoft.com/office/powerpoint/2010/main" val="3859584865"/>
+      </p:ext>
+    </p:extLst>
+  </p:cSld>
+  <p:clrMapOvr>
+    <a:masterClrMapping/>
+  </p:clrMapOvr>
+</p:sld>
+</file>
+
+<file path=ppt/slides/slide21.xml><?xml version="1.0" encoding="utf-8"?>
+<p:sld xmlns:a="http://schemas.openxmlformats.org/drawingml/2006/main" xmlns:r="http://schemas.openxmlformats.org/officeDocument/2006/relationships" xmlns:p="http://schemas.openxmlformats.org/presentationml/2006/main">
+  <p:cSld>
+    <p:spTree>
+      <p:nvGrpSpPr>
+        <p:cNvPr id="1" name=""/>
+        <p:cNvGrpSpPr/>
+        <p:nvPr/>
+      </p:nvGrpSpPr>
+      <p:grpSpPr>
+        <a:xfrm>
+          <a:off x="0" y="0"/>
+          <a:ext cx="0" cy="0"/>
+          <a:chOff x="0" y="0"/>
+          <a:chExt cx="0" cy="0"/>
+        </a:xfrm>
+      </p:grpSpPr>
+      <p:pic>
+        <p:nvPicPr>
+          <p:cNvPr id="2" name="Picture 1"/>
+          <p:cNvPicPr>
+            <a:picLocks noChangeAspect="1"/>
+          </p:cNvPicPr>
+          <p:nvPr/>
+        </p:nvPicPr>
+        <p:blipFill>
+          <a:blip r:embed="rId2">
+            <a:extLst>
+              <a:ext uri="{28A0092B-C50C-407E-A947-70E740481C1C}">
+                <a14:useLocalDpi xmlns:a14="http://schemas.microsoft.com/office/drawing/2010/main" val="0"/>
+              </a:ext>
+            </a:extLst>
+          </a:blip>
+          <a:stretch>
+            <a:fillRect/>
+          </a:stretch>
+        </p:blipFill>
+        <p:spPr>
+          <a:xfrm>
+            <a:off x="1561514" y="264611"/>
+            <a:ext cx="8252592" cy="6009580"/>
+          </a:xfrm>
+          <a:prstGeom prst="rect">
+            <a:avLst/>
+          </a:prstGeom>
+        </p:spPr>
+      </p:pic>
+      <p:cxnSp>
+        <p:nvCxnSpPr>
+          <p:cNvPr id="4" name="Straight Arrow Connector 3"/>
+          <p:cNvCxnSpPr/>
+          <p:nvPr/>
+        </p:nvCxnSpPr>
+        <p:spPr>
+          <a:xfrm flipH="1">
+            <a:off x="5367130" y="1643270"/>
+            <a:ext cx="2623930" cy="2438400"/>
+          </a:xfrm>
+          <a:prstGeom prst="straightConnector1">
+            <a:avLst/>
+          </a:prstGeom>
+          <a:ln>
+            <a:tailEnd type="triangle"/>
+          </a:ln>
+        </p:spPr>
+        <p:style>
+          <a:lnRef idx="1">
+            <a:schemeClr val="accent1"/>
+          </a:lnRef>
+          <a:fillRef idx="0">
+            <a:schemeClr val="accent1"/>
+          </a:fillRef>
+          <a:effectRef idx="0">
+            <a:schemeClr val="accent1"/>
+          </a:effectRef>
+          <a:fontRef idx="minor">
+            <a:schemeClr val="tx1"/>
+          </a:fontRef>
+        </p:style>
+      </p:cxnSp>
+      <p:sp>
+        <p:nvSpPr>
+          <p:cNvPr id="5" name="TextBox 4"/>
+          <p:cNvSpPr txBox="1"/>
+          <p:nvPr/>
+        </p:nvSpPr>
+        <p:spPr>
+          <a:xfrm>
+            <a:off x="7991060" y="1351722"/>
+            <a:ext cx="1603513" cy="923330"/>
+          </a:xfrm>
+          <a:prstGeom prst="rect">
+            <a:avLst/>
+          </a:prstGeom>
+          <a:noFill/>
+        </p:spPr>
+        <p:txBody>
+          <a:bodyPr wrap="square" rtlCol="0">
+            <a:spAutoFit/>
+          </a:bodyPr>
+          <a:lstStyle/>
+          <a:p>
+            <a:r>
+              <a:rPr lang="en-US" b="1" dirty="0"/>
+              <a:t>Best Choice 7 Features 8.82 RMSE</a:t>
+            </a:r>
+          </a:p>
+        </p:txBody>
+      </p:sp>
+    </p:spTree>
+    <p:extLst>
+      <p:ext uri="{BB962C8B-B14F-4D97-AF65-F5344CB8AC3E}">
+        <p14:creationId xmlns:p14="http://schemas.microsoft.com/office/powerpoint/2010/main" val="2724871162"/>
+      </p:ext>
+    </p:extLst>
+  </p:cSld>
+  <p:clrMapOvr>
+    <a:masterClrMapping/>
+  </p:clrMapOvr>
+</p:sld>
+</file>
+
+<file path=ppt/slides/slide22.xml><?xml version="1.0" encoding="utf-8"?>
+<p:sld xmlns:a="http://schemas.openxmlformats.org/drawingml/2006/main" xmlns:r="http://schemas.openxmlformats.org/officeDocument/2006/relationships" xmlns:p="http://schemas.openxmlformats.org/presentationml/2006/main">
+  <p:cSld>
+    <p:spTree>
+      <p:nvGrpSpPr>
+        <p:cNvPr id="1" name=""/>
+        <p:cNvGrpSpPr/>
+        <p:nvPr/>
+      </p:nvGrpSpPr>
+      <p:grpSpPr>
+        <a:xfrm>
+          <a:off x="0" y="0"/>
+          <a:ext cx="0" cy="0"/>
+          <a:chOff x="0" y="0"/>
+          <a:chExt cx="0" cy="0"/>
+        </a:xfrm>
+      </p:grpSpPr>
+      <p:sp>
+        <p:nvSpPr>
+          <p:cNvPr id="2" name="Title 1"/>
+          <p:cNvSpPr>
+            <a:spLocks noGrp="1"/>
+          </p:cNvSpPr>
+          <p:nvPr>
+            <p:ph type="title"/>
+          </p:nvPr>
+        </p:nvSpPr>
+        <p:spPr>
+          <a:xfrm>
+            <a:off x="1033670" y="578151"/>
+            <a:ext cx="10122010" cy="1051867"/>
+          </a:xfrm>
+        </p:spPr>
+        <p:txBody>
+          <a:bodyPr/>
+          <a:lstStyle/>
+          <a:p>
+            <a:r>
+              <a:rPr lang="en-US" dirty="0"/>
+              <a:t>Final Features</a:t>
+            </a:r>
+          </a:p>
+        </p:txBody>
+      </p:sp>
+      <p:sp>
+        <p:nvSpPr>
+          <p:cNvPr id="3" name="Content Placeholder 2"/>
+          <p:cNvSpPr>
+            <a:spLocks noGrp="1"/>
+          </p:cNvSpPr>
+          <p:nvPr>
+            <p:ph idx="1"/>
+          </p:nvPr>
+        </p:nvSpPr>
+        <p:spPr>
+          <a:xfrm>
+            <a:off x="1033670" y="1868557"/>
+            <a:ext cx="10320130" cy="4308406"/>
+          </a:xfrm>
+        </p:spPr>
+        <p:txBody>
+          <a:bodyPr>
+            <a:normAutofit fontScale="92500" lnSpcReduction="10000"/>
+          </a:bodyPr>
+          <a:lstStyle/>
+          <a:p>
+            <a:pPr marL="0" indent="0">
+              <a:buNone/>
+            </a:pPr>
+            <a:r>
+              <a:rPr lang="en-US" dirty="0"/>
+              <a:t> </a:t>
+            </a:r>
+          </a:p>
+          <a:p>
+            <a:pPr>
+              <a:buFont typeface="Wingdings" panose="05000000000000000000" pitchFamily="2" charset="2"/>
+              <a:buChar char="§"/>
+            </a:pPr>
+            <a:r>
+              <a:rPr lang="en-US" dirty="0"/>
+              <a:t>I chose the </a:t>
+            </a:r>
+            <a:r>
+              <a:rPr lang="en-US" dirty="0" err="1"/>
+              <a:t>Linreg</a:t>
+            </a:r>
+            <a:r>
+              <a:rPr lang="en-US" dirty="0"/>
+              <a:t>, KNN, SGD Ensemble method as it had the lowest value at 7 features</a:t>
+            </a:r>
+          </a:p>
+          <a:p>
+            <a:pPr marL="0" indent="0">
+              <a:buNone/>
+            </a:pPr>
+            <a:endParaRPr lang="en-US" dirty="0"/>
+          </a:p>
+          <a:p>
+            <a:pPr>
+              <a:buFont typeface="Wingdings" panose="05000000000000000000" pitchFamily="2" charset="2"/>
+              <a:buChar char="§"/>
+            </a:pPr>
+            <a:r>
+              <a:rPr lang="en-US" dirty="0"/>
+              <a:t> The final features I found are: ['63685', '63650', 'Radiofrequency', 'Lumbar Radiofrequency', '64636', '64635', 'ESI‘, ‘1r’ ]</a:t>
+            </a:r>
+          </a:p>
+          <a:p>
+            <a:pPr marL="0" indent="0">
+              <a:buNone/>
+            </a:pPr>
+            <a:endParaRPr lang="en-US" dirty="0"/>
+          </a:p>
+          <a:p>
+            <a:pPr>
+              <a:buFont typeface="Wingdings" panose="05000000000000000000" pitchFamily="2" charset="2"/>
+              <a:buChar char="§"/>
+            </a:pPr>
+            <a:r>
+              <a:rPr lang="en-US" dirty="0"/>
+              <a:t> All CPT-Codes or procedure names except ‘1r’ which tells whether there is one or two rooms on that day, which I was told by the doctor was important. </a:t>
+            </a:r>
+          </a:p>
+          <a:p>
+            <a:pPr marL="0" indent="0">
+              <a:buNone/>
+            </a:pPr>
+            <a:endParaRPr lang="en-US" dirty="0"/>
+          </a:p>
+          <a:p>
+            <a:pPr marL="0" indent="0">
+              <a:buNone/>
+            </a:pPr>
+            <a:endParaRPr lang="en-US" dirty="0"/>
+          </a:p>
+          <a:p>
+            <a:pPr marL="0" indent="0">
+              <a:buNone/>
+            </a:pPr>
+            <a:r>
+              <a:rPr lang="en-US" dirty="0"/>
+              <a:t> </a:t>
+            </a:r>
+          </a:p>
+          <a:p>
+            <a:pPr marL="0" indent="0">
+              <a:buNone/>
+            </a:pPr>
+            <a:endParaRPr lang="en-US" dirty="0"/>
+          </a:p>
+          <a:p>
+            <a:endParaRPr lang="en-US" dirty="0"/>
+          </a:p>
+          <a:p>
+            <a:pPr marL="0" indent="0">
+              <a:buNone/>
+            </a:pPr>
+            <a:endParaRPr lang="en-US" dirty="0"/>
+          </a:p>
+        </p:txBody>
+      </p:sp>
+    </p:spTree>
+    <p:extLst>
+      <p:ext uri="{BB962C8B-B14F-4D97-AF65-F5344CB8AC3E}">
+        <p14:creationId xmlns:p14="http://schemas.microsoft.com/office/powerpoint/2010/main" val="1257272968"/>
+      </p:ext>
+    </p:extLst>
+  </p:cSld>
+  <p:clrMapOvr>
+    <a:masterClrMapping/>
+  </p:clrMapOvr>
+</p:sld>
+</file>
+
+<file path=ppt/slides/slide23.xml><?xml version="1.0" encoding="utf-8"?>
+<p:sld xmlns:a="http://schemas.openxmlformats.org/drawingml/2006/main" xmlns:r="http://schemas.openxmlformats.org/officeDocument/2006/relationships" xmlns:p="http://schemas.openxmlformats.org/presentationml/2006/main">
+  <p:cSld>
+    <p:spTree>
+      <p:nvGrpSpPr>
+        <p:cNvPr id="1" name=""/>
+        <p:cNvGrpSpPr/>
+        <p:nvPr/>
+      </p:nvGrpSpPr>
+      <p:grpSpPr>
+        <a:xfrm>
+          <a:off x="0" y="0"/>
+          <a:ext cx="0" cy="0"/>
+          <a:chOff x="0" y="0"/>
+          <a:chExt cx="0" cy="0"/>
+        </a:xfrm>
+      </p:grpSpPr>
+      <p:sp>
+        <p:nvSpPr>
+          <p:cNvPr id="2" name="Title 1"/>
+          <p:cNvSpPr>
+            <a:spLocks noGrp="1"/>
+          </p:cNvSpPr>
+          <p:nvPr>
+            <p:ph type="title"/>
+          </p:nvPr>
+        </p:nvSpPr>
+        <p:spPr/>
+        <p:txBody>
+          <a:bodyPr/>
+          <a:lstStyle/>
+          <a:p>
+            <a:r>
+              <a:rPr lang="en-US" dirty="0"/>
+              <a:t>Final Scores</a:t>
+            </a:r>
+          </a:p>
+        </p:txBody>
+      </p:sp>
+      <p:sp>
+        <p:nvSpPr>
+          <p:cNvPr id="3" name="Content Placeholder 2"/>
+          <p:cNvSpPr>
+            <a:spLocks noGrp="1"/>
+          </p:cNvSpPr>
+          <p:nvPr>
+            <p:ph idx="1"/>
+          </p:nvPr>
+        </p:nvSpPr>
+        <p:spPr/>
+        <p:txBody>
+          <a:bodyPr/>
+          <a:lstStyle/>
+          <a:p>
+            <a:endParaRPr lang="en-US" sz="2400" b="1" dirty="0"/>
+          </a:p>
+          <a:p>
+            <a:pPr>
+              <a:buFont typeface="Wingdings" panose="05000000000000000000" pitchFamily="2" charset="2"/>
+              <a:buChar char="§"/>
+            </a:pPr>
+            <a:r>
+              <a:rPr lang="en-US" sz="2400" dirty="0"/>
+              <a:t> My final RMSE is 8.8 –Beats null by 48%, Beats tougher null by 14%</a:t>
+            </a:r>
+          </a:p>
+          <a:p>
+            <a:pPr>
+              <a:buFont typeface="Wingdings" panose="05000000000000000000" pitchFamily="2" charset="2"/>
+              <a:buChar char="§"/>
+            </a:pPr>
+            <a:endParaRPr lang="en-US" sz="2400" dirty="0"/>
+          </a:p>
+          <a:p>
+            <a:pPr>
+              <a:buFont typeface="Wingdings" panose="05000000000000000000" pitchFamily="2" charset="2"/>
+              <a:buChar char="§"/>
+            </a:pPr>
+            <a:r>
+              <a:rPr lang="en-US" sz="2400" dirty="0"/>
+              <a:t> My final Absolute Error Score is 6.13</a:t>
+            </a:r>
+          </a:p>
+          <a:p>
+            <a:endParaRPr lang="en-US" dirty="0"/>
+          </a:p>
+        </p:txBody>
+      </p:sp>
+    </p:spTree>
+    <p:extLst>
+      <p:ext uri="{BB962C8B-B14F-4D97-AF65-F5344CB8AC3E}">
+        <p14:creationId xmlns:p14="http://schemas.microsoft.com/office/powerpoint/2010/main" val="2868455773"/>
+      </p:ext>
+    </p:extLst>
+  </p:cSld>
+  <p:clrMapOvr>
+    <a:masterClrMapping/>
+  </p:clrMapOvr>
+</p:sld>
+</file>
+
+<file path=ppt/slides/slide24.xml><?xml version="1.0" encoding="utf-8"?>
+<p:sld xmlns:a="http://schemas.openxmlformats.org/drawingml/2006/main" xmlns:r="http://schemas.openxmlformats.org/officeDocument/2006/relationships" xmlns:p="http://schemas.openxmlformats.org/presentationml/2006/main">
+  <p:cSld>
+    <p:spTree>
+      <p:nvGrpSpPr>
+        <p:cNvPr id="1" name=""/>
+        <p:cNvGrpSpPr/>
+        <p:nvPr/>
+      </p:nvGrpSpPr>
+      <p:grpSpPr>
+        <a:xfrm>
+          <a:off x="0" y="0"/>
+          <a:ext cx="0" cy="0"/>
+          <a:chOff x="0" y="0"/>
+          <a:chExt cx="0" cy="0"/>
+        </a:xfrm>
+      </p:grpSpPr>
+      <p:sp>
+        <p:nvSpPr>
+          <p:cNvPr id="2" name="Title 1"/>
+          <p:cNvSpPr>
+            <a:spLocks noGrp="1"/>
+          </p:cNvSpPr>
+          <p:nvPr>
+            <p:ph type="title"/>
+          </p:nvPr>
+        </p:nvSpPr>
+        <p:spPr/>
+        <p:txBody>
+          <a:bodyPr/>
+          <a:lstStyle/>
+          <a:p>
+            <a:r>
+              <a:rPr lang="en-US" dirty="0"/>
+              <a:t>Next Steps</a:t>
+            </a:r>
+          </a:p>
+        </p:txBody>
+      </p:sp>
+      <p:sp>
+        <p:nvSpPr>
+          <p:cNvPr id="3" name="Content Placeholder 2"/>
+          <p:cNvSpPr>
+            <a:spLocks noGrp="1"/>
+          </p:cNvSpPr>
+          <p:nvPr>
+            <p:ph idx="1"/>
+          </p:nvPr>
+        </p:nvSpPr>
+        <p:spPr/>
+        <p:txBody>
+          <a:bodyPr/>
+          <a:lstStyle/>
+          <a:p>
+            <a:pPr>
+              <a:buFont typeface="Wingdings" panose="05000000000000000000" pitchFamily="2" charset="2"/>
+              <a:buChar char="§"/>
+            </a:pPr>
+            <a:endParaRPr lang="en-US" dirty="0"/>
+          </a:p>
+          <a:p>
+            <a:pPr lvl="1">
+              <a:buFont typeface="Wingdings" panose="05000000000000000000" pitchFamily="2" charset="2"/>
+              <a:buChar char="§"/>
+            </a:pPr>
+            <a:r>
+              <a:rPr lang="en-US" dirty="0"/>
+              <a:t>Try to find exactly why I am getting such large RMSE values</a:t>
+            </a:r>
+          </a:p>
+          <a:p>
+            <a:pPr lvl="1">
+              <a:buFont typeface="Wingdings" panose="05000000000000000000" pitchFamily="2" charset="2"/>
+              <a:buChar char="§"/>
+            </a:pPr>
+            <a:endParaRPr lang="en-US" dirty="0"/>
+          </a:p>
+          <a:p>
+            <a:pPr lvl="1">
+              <a:buFont typeface="Wingdings" panose="05000000000000000000" pitchFamily="2" charset="2"/>
+              <a:buChar char="§"/>
+            </a:pPr>
+            <a:r>
+              <a:rPr lang="en-US" dirty="0"/>
+              <a:t>Try feature clustering to see if that is helpful</a:t>
+            </a:r>
+          </a:p>
+          <a:p>
+            <a:pPr lvl="1">
+              <a:buFont typeface="Wingdings" panose="05000000000000000000" pitchFamily="2" charset="2"/>
+              <a:buChar char="§"/>
+            </a:pPr>
+            <a:endParaRPr lang="en-US" dirty="0"/>
+          </a:p>
+          <a:p>
+            <a:pPr lvl="1">
+              <a:buFont typeface="Wingdings" panose="05000000000000000000" pitchFamily="2" charset="2"/>
+              <a:buChar char="§"/>
+            </a:pPr>
+            <a:r>
+              <a:rPr lang="en-US" dirty="0"/>
+              <a:t> Create a website with Heroku where the doctor can get predictions for each procedure</a:t>
+            </a:r>
+          </a:p>
+          <a:p>
+            <a:pPr lvl="1">
+              <a:buFont typeface="Wingdings" panose="05000000000000000000" pitchFamily="2" charset="2"/>
+              <a:buChar char="§"/>
+            </a:pPr>
+            <a:endParaRPr lang="en-US" dirty="0"/>
+          </a:p>
+          <a:p>
+            <a:pPr lvl="1">
+              <a:buFont typeface="Wingdings" panose="05000000000000000000" pitchFamily="2" charset="2"/>
+              <a:buChar char="§"/>
+            </a:pPr>
+            <a:r>
+              <a:rPr lang="en-US" dirty="0"/>
+              <a:t> See if I can apply ordinal classification</a:t>
+            </a:r>
+          </a:p>
+          <a:p>
+            <a:pPr marL="384048" lvl="2" indent="0">
+              <a:buNone/>
+            </a:pPr>
+            <a:endParaRPr lang="en-US" dirty="0"/>
+          </a:p>
+          <a:p>
+            <a:pPr lvl="1"/>
+            <a:endParaRPr lang="en-US" dirty="0"/>
+          </a:p>
+          <a:p>
+            <a:pPr lvl="2">
+              <a:buFont typeface="Courier New" panose="02070309020205020404" pitchFamily="49" charset="0"/>
+              <a:buChar char="o"/>
+            </a:pPr>
+            <a:endParaRPr lang="en-US" dirty="0"/>
+          </a:p>
+        </p:txBody>
+      </p:sp>
+    </p:spTree>
+    <p:extLst>
+      <p:ext uri="{BB962C8B-B14F-4D97-AF65-F5344CB8AC3E}">
+        <p14:creationId xmlns:p14="http://schemas.microsoft.com/office/powerpoint/2010/main" val="1497429214"/>
       </p:ext>
     </p:extLst>
   </p:cSld>
@@ -4167,25 +6991,6 @@
           <a:chExt cx="0" cy="0"/>
         </a:xfrm>
       </p:grpSpPr>
-      <p:sp>
-        <p:nvSpPr>
-          <p:cNvPr id="2" name="Title 1"/>
-          <p:cNvSpPr>
-            <a:spLocks noGrp="1"/>
-          </p:cNvSpPr>
-          <p:nvPr>
-            <p:ph type="title"/>
-          </p:nvPr>
-        </p:nvSpPr>
-        <p:spPr/>
-        <p:txBody>
-          <a:bodyPr/>
-          <a:lstStyle/>
-          <a:p>
-            <a:endParaRPr lang="en-US"/>
-          </a:p>
-        </p:txBody>
-      </p:sp>
       <p:pic>
         <p:nvPicPr>
           <p:cNvPr id="4" name="Content Placeholder 3"/>
@@ -4193,7 +6998,7 @@
             <a:picLocks noGrp="1" noChangeAspect="1"/>
           </p:cNvPicPr>
           <p:nvPr>
-            <p:ph idx="1"/>
+            <p:ph idx="4294967295"/>
           </p:nvPr>
         </p:nvPicPr>
         <p:blipFill>
@@ -4210,8 +7015,8 @@
         </p:blipFill>
         <p:spPr>
           <a:xfrm>
-            <a:off x="3305908" y="365125"/>
-            <a:ext cx="4487594" cy="6160935"/>
+            <a:off x="3697357" y="312116"/>
+            <a:ext cx="4141788" cy="5686425"/>
           </a:xfrm>
         </p:spPr>
       </p:pic>
@@ -4261,48 +7066,60 @@
           <a:lstStyle/>
           <a:p>
             <a:r>
+              <a:rPr lang="en-US" b="1" dirty="0"/>
+              <a:t>Objectives</a:t>
+            </a:r>
+          </a:p>
+        </p:txBody>
+      </p:sp>
+      <p:sp>
+        <p:nvSpPr>
+          <p:cNvPr id="3" name="Content Placeholder 2"/>
+          <p:cNvSpPr>
+            <a:spLocks noGrp="1"/>
+          </p:cNvSpPr>
+          <p:nvPr>
+            <p:ph idx="1"/>
+          </p:nvPr>
+        </p:nvSpPr>
+        <p:spPr/>
+        <p:txBody>
+          <a:bodyPr/>
+          <a:lstStyle/>
+          <a:p>
+            <a:pPr>
+              <a:buFont typeface="Wingdings" panose="05000000000000000000" pitchFamily="2" charset="2"/>
+              <a:buChar char="§"/>
+            </a:pPr>
+            <a:r>
               <a:rPr lang="en-US" dirty="0"/>
-              <a:t>Objectives</a:t>
-            </a:r>
-          </a:p>
-        </p:txBody>
-      </p:sp>
-      <p:sp>
-        <p:nvSpPr>
-          <p:cNvPr id="3" name="Content Placeholder 2"/>
-          <p:cNvSpPr>
-            <a:spLocks noGrp="1"/>
-          </p:cNvSpPr>
-          <p:nvPr>
-            <p:ph idx="1"/>
-          </p:nvPr>
-        </p:nvSpPr>
-        <p:spPr/>
-        <p:txBody>
-          <a:bodyPr/>
-          <a:lstStyle/>
-          <a:p>
+              <a:t> Eventually I want to predict the total time in the room for each patient</a:t>
+            </a:r>
+          </a:p>
+          <a:p>
+            <a:endParaRPr lang="en-US" dirty="0"/>
+          </a:p>
+          <a:p>
+            <a:pPr>
+              <a:buFont typeface="Wingdings" panose="05000000000000000000" pitchFamily="2" charset="2"/>
+              <a:buChar char="§"/>
+            </a:pPr>
             <a:r>
               <a:rPr lang="en-US" dirty="0"/>
-              <a:t>Eventually I want to predict the total time in the room for each patient</a:t>
+              <a:t> Total time is measured in minutes (Time Patient Exits Room –Time Patient Enters Room)</a:t>
             </a:r>
           </a:p>
           <a:p>
             <a:endParaRPr lang="en-US" dirty="0"/>
           </a:p>
           <a:p>
+            <a:pPr>
+              <a:buFont typeface="Wingdings" panose="05000000000000000000" pitchFamily="2" charset="2"/>
+              <a:buChar char="§"/>
+            </a:pPr>
             <a:r>
               <a:rPr lang="en-US" dirty="0"/>
-              <a:t>This will be measured in minutes (Exit Room –Enter Room)</a:t>
-            </a:r>
-          </a:p>
-          <a:p>
-            <a:endParaRPr lang="en-US" dirty="0"/>
-          </a:p>
-          <a:p>
-            <a:r>
-              <a:rPr lang="en-US" dirty="0"/>
-              <a:t>I will measure my score in RMSE</a:t>
+              <a:t> I will measure my score in RMSE</a:t>
             </a:r>
           </a:p>
         </p:txBody>
@@ -4353,52 +7170,80 @@
           <a:lstStyle/>
           <a:p>
             <a:r>
+              <a:rPr lang="en-US" b="1" dirty="0"/>
+              <a:t>Data Source</a:t>
+            </a:r>
+          </a:p>
+        </p:txBody>
+      </p:sp>
+      <p:sp>
+        <p:nvSpPr>
+          <p:cNvPr id="3" name="Content Placeholder 2"/>
+          <p:cNvSpPr>
+            <a:spLocks noGrp="1"/>
+          </p:cNvSpPr>
+          <p:nvPr>
+            <p:ph idx="1"/>
+          </p:nvPr>
+        </p:nvSpPr>
+        <p:spPr>
+          <a:xfrm>
+            <a:off x="838200" y="1690688"/>
+            <a:ext cx="10515600" cy="4351338"/>
+          </a:xfrm>
+        </p:spPr>
+        <p:txBody>
+          <a:bodyPr/>
+          <a:lstStyle/>
+          <a:p>
+            <a:endParaRPr lang="en-US" dirty="0"/>
+          </a:p>
+          <a:p>
+            <a:pPr>
+              <a:buFont typeface="Wingdings" panose="05000000000000000000" pitchFamily="2" charset="2"/>
+              <a:buChar char="§"/>
+            </a:pPr>
+            <a:r>
               <a:rPr lang="en-US" dirty="0"/>
-              <a:t>Data Source</a:t>
-            </a:r>
-          </a:p>
-        </p:txBody>
-      </p:sp>
-      <p:sp>
-        <p:nvSpPr>
-          <p:cNvPr id="3" name="Content Placeholder 2"/>
-          <p:cNvSpPr>
-            <a:spLocks noGrp="1"/>
-          </p:cNvSpPr>
-          <p:nvPr>
-            <p:ph idx="1"/>
-          </p:nvPr>
-        </p:nvSpPr>
-        <p:spPr/>
-        <p:txBody>
-          <a:bodyPr/>
-          <a:lstStyle/>
-          <a:p>
+              <a:t> I got my data, procedure information from one Spinal Intervention Specialist at Fresno Surgery Hospital for the past year</a:t>
+            </a:r>
+          </a:p>
+          <a:p>
+            <a:pPr marL="0" indent="0">
+              <a:buNone/>
+            </a:pPr>
+            <a:endParaRPr lang="en-US" dirty="0"/>
+          </a:p>
+          <a:p>
+            <a:pPr>
+              <a:buFont typeface="Wingdings" panose="05000000000000000000" pitchFamily="2" charset="2"/>
+              <a:buChar char="§"/>
+            </a:pPr>
             <a:r>
               <a:rPr lang="en-US" dirty="0"/>
-              <a:t>I got my data from one Spinal Intervention Specialist at Fresno Surgery Hospital</a:t>
-            </a:r>
-          </a:p>
-          <a:p>
-            <a:pPr marL="0" indent="0">
-              <a:buNone/>
-            </a:pPr>
+              <a:t> The data is given in a clumsy text format which was a headache to clean, however eventually all data is mapped to a clean csv-file</a:t>
+            </a:r>
+          </a:p>
+          <a:p>
             <a:endParaRPr lang="en-US" dirty="0"/>
           </a:p>
           <a:p>
+            <a:pPr>
+              <a:buFont typeface="Wingdings" panose="05000000000000000000" pitchFamily="2" charset="2"/>
+              <a:buChar char="§"/>
+            </a:pPr>
             <a:r>
               <a:rPr lang="en-US" dirty="0"/>
-              <a:t>The data is given in a clumsy text format which was a headache to clean, however eventually all data is mapped to a clean csv-file</a:t>
-            </a:r>
-          </a:p>
-          <a:p>
-            <a:endParaRPr lang="en-US" dirty="0"/>
-          </a:p>
-          <a:p>
+              <a:t> Much of the data had to be deleted because features were missing.</a:t>
+            </a:r>
+          </a:p>
+          <a:p>
+            <a:pPr lvl="1"/>
             <a:r>
               <a:rPr lang="en-US" dirty="0"/>
-              <a:t> Around 700 total procedures</a:t>
-            </a:r>
+              <a:t>Only 671 Rows after this data was deleted – very small!</a:t>
+            </a:r>
+            <a:endParaRPr lang="en-US" b="1" dirty="0"/>
           </a:p>
         </p:txBody>
       </p:sp>
@@ -4434,62 +7279,41 @@
       </p:grpSpPr>
       <p:sp>
         <p:nvSpPr>
-          <p:cNvPr id="2" name="Title 1"/>
-          <p:cNvSpPr>
-            <a:spLocks noGrp="1"/>
-          </p:cNvSpPr>
-          <p:nvPr>
-            <p:ph type="title"/>
-          </p:nvPr>
-        </p:nvSpPr>
-        <p:spPr>
-          <a:xfrm>
-            <a:off x="723900" y="153091"/>
-            <a:ext cx="10515600" cy="297484"/>
+          <p:cNvPr id="3" name="Content Placeholder 2"/>
+          <p:cNvSpPr>
+            <a:spLocks noGrp="1"/>
+          </p:cNvSpPr>
+          <p:nvPr>
+            <p:ph sz="half" idx="4294967295"/>
+          </p:nvPr>
+        </p:nvSpPr>
+        <p:spPr>
+          <a:xfrm>
+            <a:off x="450574" y="145774"/>
+            <a:ext cx="11569148" cy="6029739"/>
           </a:xfrm>
         </p:spPr>
         <p:txBody>
           <a:bodyPr>
-            <a:normAutofit fontScale="90000"/>
+            <a:normAutofit fontScale="62500" lnSpcReduction="20000"/>
           </a:bodyPr>
           <a:lstStyle/>
           <a:p>
-            <a:pPr algn="ctr"/>
+            <a:pPr marL="0" indent="0">
+              <a:buNone/>
+            </a:pPr>
             <a:r>
               <a:rPr lang="en-US" dirty="0"/>
-              <a:t>Example of Data</a:t>
-            </a:r>
-          </a:p>
-        </p:txBody>
-      </p:sp>
-      <p:sp>
-        <p:nvSpPr>
-          <p:cNvPr id="3" name="Content Placeholder 2"/>
-          <p:cNvSpPr>
-            <a:spLocks noGrp="1"/>
-          </p:cNvSpPr>
-          <p:nvPr>
-            <p:ph idx="1"/>
-          </p:nvPr>
-        </p:nvSpPr>
-        <p:spPr>
-          <a:xfrm>
-            <a:off x="723900" y="781879"/>
-            <a:ext cx="9526656" cy="3127513"/>
-          </a:xfrm>
-        </p:spPr>
-        <p:txBody>
-          <a:bodyPr>
-            <a:noAutofit/>
-          </a:bodyPr>
-          <a:lstStyle/>
+              <a:t>DATE: 10/04/16 @ 1352                                       Fresno Surgical Hospital SCH LIVE                                                     PAGE 1</a:t>
+            </a:r>
+          </a:p>
           <a:p>
             <a:pPr marL="0" indent="0">
               <a:buNone/>
             </a:pPr>
             <a:r>
-              <a:rPr lang="en-US" sz="1000" dirty="0"/>
-              <a:t>DATE: 10/04/16 @ 1352                                       Fresno Surgical Hospital SCH LIVE                                                     PAGE 1</a:t>
+              <a:rPr lang="en-US" dirty="0"/>
+              <a:t>USER: GARBMI                                    Procedure Times by Surgeon/Date with Patient Demographics                           </a:t>
             </a:r>
           </a:p>
           <a:p>
@@ -4497,47 +7321,47 @@
               <a:buNone/>
             </a:pPr>
             <a:r>
-              <a:rPr lang="en-US" sz="1000" dirty="0"/>
-              <a:t>USER: GARBMI                                    Procedure Times by Surgeon/Date with Patient Demographics                           </a:t>
+              <a:rPr lang="en-US" dirty="0"/>
+              <a:t>Date      Account Number     Age  Gender  ASA Class  BMI   Procedure Name                            Into Rm  Start  End   Procedure Time  Out of Room</a:t>
             </a:r>
           </a:p>
           <a:p>
             <a:pPr marL="0" indent="0">
               <a:buNone/>
             </a:pPr>
-            <a:r>
-              <a:rPr lang="en-US" sz="1000" dirty="0"/>
-              <a:t>Date      Account Number     Age  Gender  ASA Class  BMI   Procedure Name                            Into Rm  Start  End   Procedure Time  Out of Room</a:t>
-            </a:r>
+            <a:endParaRPr lang="en-US" dirty="0"/>
           </a:p>
           <a:p>
             <a:pPr marL="0" indent="0">
               <a:buNone/>
             </a:pPr>
-            <a:endParaRPr lang="en-US" sz="1000" dirty="0"/>
+            <a:r>
+              <a:rPr lang="en-US" dirty="0"/>
+              <a:t>01/04/16  V185428            64   F                  34.0  LEFT LUMBAR MEDIAL BRANCH RADIOFREQUEN..                  1123                  1137</a:t>
+            </a:r>
           </a:p>
           <a:p>
             <a:pPr marL="0" indent="0">
               <a:buNone/>
             </a:pPr>
-            <a:r>
-              <a:rPr lang="en-US" sz="1000" dirty="0"/>
-              <a:t>01/04/16  V185428            64   F                  34.0  LEFT LUMBAR MEDIAL BRANCH RADIOFREQUEN..                  1123                  1137</a:t>
-            </a:r>
+            <a:endParaRPr lang="en-US" dirty="0"/>
           </a:p>
           <a:p>
             <a:pPr marL="0" indent="0">
               <a:buNone/>
             </a:pPr>
-            <a:endParaRPr lang="en-US" sz="1000" dirty="0"/>
+            <a:r>
+              <a:rPr lang="en-US" dirty="0"/>
+              <a:t>          Coded Allergy:</a:t>
+            </a:r>
           </a:p>
           <a:p>
             <a:pPr marL="0" indent="0">
               <a:buNone/>
             </a:pPr>
             <a:r>
-              <a:rPr lang="en-US" sz="1000" dirty="0"/>
-              <a:t>          Coded Allergy:</a:t>
+              <a:rPr lang="en-US" dirty="0"/>
+              <a:t>          NO KNOWN DRUG ALLERGIES                                                         </a:t>
             </a:r>
           </a:p>
           <a:p>
@@ -4545,8 +7369,8 @@
               <a:buNone/>
             </a:pPr>
             <a:r>
-              <a:rPr lang="en-US" sz="1000" dirty="0"/>
-              <a:t>          NO KNOWN DRUG ALLERGIES                                                         </a:t>
+              <a:rPr lang="en-US" dirty="0"/>
+              <a:t>          CODEINE                                                                         </a:t>
             </a:r>
           </a:p>
           <a:p>
@@ -4554,55 +7378,55 @@
               <a:buNone/>
             </a:pPr>
             <a:r>
-              <a:rPr lang="en-US" sz="1000" dirty="0"/>
-              <a:t>          CODEINE                                                                         </a:t>
+              <a:rPr lang="en-US" dirty="0"/>
+              <a:t>          ASPIRIN                                                                         </a:t>
             </a:r>
           </a:p>
           <a:p>
             <a:pPr marL="0" indent="0">
               <a:buNone/>
             </a:pPr>
-            <a:r>
-              <a:rPr lang="en-US" sz="1000" dirty="0"/>
-              <a:t>          ASPIRIN                                                                         </a:t>
-            </a:r>
+            <a:endParaRPr lang="en-US" dirty="0"/>
           </a:p>
           <a:p>
             <a:pPr marL="0" indent="0">
               <a:buNone/>
             </a:pPr>
-            <a:endParaRPr lang="en-US" sz="1000" dirty="0"/>
+            <a:r>
+              <a:rPr lang="en-US" dirty="0"/>
+              <a:t>          </a:t>
+            </a:r>
+            <a:r>
+              <a:rPr lang="en-US" dirty="0" err="1"/>
+              <a:t>Uncoded</a:t>
+            </a:r>
+            <a:r>
+              <a:rPr lang="en-US" dirty="0"/>
+              <a:t> Allergy:</a:t>
+            </a:r>
           </a:p>
           <a:p>
             <a:pPr marL="0" indent="0">
               <a:buNone/>
             </a:pPr>
-            <a:r>
-              <a:rPr lang="en-US" sz="1000" dirty="0"/>
-              <a:t>          </a:t>
-            </a:r>
-            <a:r>
-              <a:rPr lang="en-US" sz="1000" dirty="0" err="1"/>
-              <a:t>Uncoded</a:t>
-            </a:r>
-            <a:r>
-              <a:rPr lang="en-US" sz="1000" dirty="0"/>
-              <a:t> Allergy:</a:t>
-            </a:r>
+            <a:endParaRPr lang="en-US" dirty="0"/>
           </a:p>
           <a:p>
             <a:pPr marL="0" indent="0">
               <a:buNone/>
             </a:pPr>
-            <a:endParaRPr lang="en-US" sz="1000" dirty="0"/>
+            <a:r>
+              <a:rPr lang="en-US" dirty="0"/>
+              <a:t>                      CPT Code                                        ICD-10 Code                                        Insurance</a:t>
+            </a:r>
           </a:p>
           <a:p>
             <a:pPr marL="0" indent="0">
               <a:buNone/>
             </a:pPr>
             <a:r>
-              <a:rPr lang="en-US" sz="1000" dirty="0"/>
-              <a:t>                      CPT Code                                        ICD-10 Code                                        Insurance</a:t>
+              <a:rPr lang="en-US" dirty="0"/>
+              <a:t>                      64635                                           M47.816                                            BLUE SHIELD HMO               </a:t>
             </a:r>
           </a:p>
           <a:p>
@@ -4610,8 +7434,8 @@
               <a:buNone/>
             </a:pPr>
             <a:r>
-              <a:rPr lang="en-US" sz="1000" dirty="0"/>
-              <a:t>                      64635                                           M47.816                                            BLUE SHIELD HMO               </a:t>
+              <a:rPr lang="en-US" dirty="0"/>
+              <a:t>                      64636                                           G54.4                                                                            </a:t>
             </a:r>
           </a:p>
           <a:p>
@@ -4619,8 +7443,8 @@
               <a:buNone/>
             </a:pPr>
             <a:r>
-              <a:rPr lang="en-US" sz="1000" dirty="0"/>
-              <a:t>                      64636                                           G54.4                                                                            </a:t>
+              <a:rPr lang="en-US" dirty="0"/>
+              <a:t>                                                                      M51.36                                                                           </a:t>
             </a:r>
           </a:p>
           <a:p>
@@ -4628,8 +7452,8 @@
               <a:buNone/>
             </a:pPr>
             <a:r>
-              <a:rPr lang="en-US" sz="1000" dirty="0"/>
-              <a:t>                                                                      M51.36                                                                           </a:t>
+              <a:rPr lang="en-US" dirty="0"/>
+              <a:t>                                                                      M51.06                                                                           </a:t>
             </a:r>
           </a:p>
           <a:p>
@@ -4637,53 +7461,8 @@
               <a:buNone/>
             </a:pPr>
             <a:r>
-              <a:rPr lang="en-US" sz="1000" dirty="0"/>
-              <a:t>                                                                      M51.06                                                                           </a:t>
-            </a:r>
-          </a:p>
-          <a:p>
-            <a:pPr marL="0" indent="0">
-              <a:buNone/>
-            </a:pPr>
-            <a:r>
-              <a:rPr lang="en-US" sz="1000" dirty="0"/>
-              <a:t>                                                                      M96.1                                                                            </a:t>
-            </a:r>
-          </a:p>
-          <a:p>
-            <a:pPr marL="0" indent="0">
-              <a:buNone/>
-            </a:pPr>
-            <a:r>
-              <a:rPr lang="en-US" sz="1000" dirty="0"/>
-              <a:t>                                                                      M54.16                                                                           </a:t>
-            </a:r>
-          </a:p>
-          <a:p>
-            <a:pPr marL="0" indent="0">
-              <a:buNone/>
-            </a:pPr>
-            <a:r>
-              <a:rPr lang="en-US" sz="1000" dirty="0"/>
-              <a:t>                                                                      M12.88                                                                           </a:t>
-            </a:r>
-          </a:p>
-          <a:p>
-            <a:pPr marL="0" indent="0">
-              <a:buNone/>
-            </a:pPr>
-            <a:r>
-              <a:rPr lang="en-US" sz="1000" dirty="0"/>
-              <a:t>                                                                      I10                                                                              </a:t>
-            </a:r>
-          </a:p>
-          <a:p>
-            <a:pPr marL="0" indent="0">
-              <a:buNone/>
-            </a:pPr>
-            <a:r>
-              <a:rPr lang="en-US" sz="1000" dirty="0"/>
-              <a:t>                                                                      Z98.89 </a:t>
+              <a:rPr lang="en-US" dirty="0"/>
+              <a:t>                                                                      M96.1 </a:t>
             </a:r>
           </a:p>
         </p:txBody>
@@ -4691,7 +7470,7 @@
     </p:spTree>
     <p:extLst>
       <p:ext uri="{BB962C8B-B14F-4D97-AF65-F5344CB8AC3E}">
-        <p14:creationId xmlns:p14="http://schemas.microsoft.com/office/powerpoint/2010/main" val="4115648435"/>
+        <p14:creationId xmlns:p14="http://schemas.microsoft.com/office/powerpoint/2010/main" val="193903224"/>
       </p:ext>
     </p:extLst>
   </p:cSld>
@@ -4734,70 +7513,97 @@
           <a:lstStyle/>
           <a:p>
             <a:r>
+              <a:rPr lang="en-US" b="1" dirty="0"/>
+              <a:t>Features</a:t>
+            </a:r>
+          </a:p>
+        </p:txBody>
+      </p:sp>
+      <p:sp>
+        <p:nvSpPr>
+          <p:cNvPr id="3" name="Content Placeholder 2"/>
+          <p:cNvSpPr>
+            <a:spLocks noGrp="1"/>
+          </p:cNvSpPr>
+          <p:nvPr>
+            <p:ph idx="1"/>
+          </p:nvPr>
+        </p:nvSpPr>
+        <p:spPr>
+          <a:xfrm>
+            <a:off x="581108" y="2067338"/>
+            <a:ext cx="10611678" cy="4173469"/>
+          </a:xfrm>
+        </p:spPr>
+        <p:txBody>
+          <a:bodyPr>
+            <a:normAutofit/>
+          </a:bodyPr>
+          <a:lstStyle/>
+          <a:p>
+            <a:pPr>
+              <a:buFont typeface="Wingdings" panose="05000000000000000000" pitchFamily="2" charset="2"/>
+              <a:buChar char="§"/>
+            </a:pPr>
+            <a:r>
               <a:rPr lang="en-US" dirty="0"/>
-              <a:t>Features</a:t>
-            </a:r>
-          </a:p>
-        </p:txBody>
-      </p:sp>
-      <p:sp>
-        <p:nvSpPr>
-          <p:cNvPr id="3" name="Content Placeholder 2"/>
-          <p:cNvSpPr>
-            <a:spLocks noGrp="1"/>
-          </p:cNvSpPr>
-          <p:nvPr>
-            <p:ph idx="1"/>
-          </p:nvPr>
-        </p:nvSpPr>
-        <p:spPr>
-          <a:xfrm>
-            <a:off x="838200" y="1690688"/>
-            <a:ext cx="10515600" cy="4351338"/>
-          </a:xfrm>
-        </p:spPr>
-        <p:txBody>
-          <a:bodyPr>
-            <a:normAutofit lnSpcReduction="10000"/>
-          </a:bodyPr>
-          <a:lstStyle/>
-          <a:p>
+              <a:t>Procedure: The type of procedure being formed, aka ‘Facet Joint Injection’</a:t>
+            </a:r>
+          </a:p>
+          <a:p>
+            <a:pPr lvl="1">
+              <a:buFont typeface="Wingdings" panose="05000000000000000000" pitchFamily="2" charset="2"/>
+              <a:buChar char="§"/>
+            </a:pPr>
             <a:r>
               <a:rPr lang="en-US" dirty="0"/>
-              <a:t>Procedure: The type of procedure being formed, aka Facet Joint Injection</a:t>
-            </a:r>
-          </a:p>
-          <a:p>
-            <a:pPr marL="0" indent="0">
-              <a:buNone/>
-            </a:pPr>
-            <a:endParaRPr lang="en-US" dirty="0"/>
-          </a:p>
-          <a:p>
+              <a:t>Two columns for procedure, a specific procedure and a more generalized feature – IE: Lumbar ESI vs ESI or Cervical Radiofrequency vs Radiofrequency</a:t>
+            </a:r>
+          </a:p>
+          <a:p>
+            <a:pPr>
+              <a:buFont typeface="Wingdings" panose="05000000000000000000" pitchFamily="2" charset="2"/>
+              <a:buChar char="§"/>
+            </a:pPr>
             <a:r>
               <a:rPr lang="en-US" dirty="0"/>
               <a:t>CPT Codes: What the doctor actually bills for and gets paid for, can be multiple codes per procedure</a:t>
             </a:r>
           </a:p>
           <a:p>
+            <a:pPr marL="0" indent="0">
+              <a:buNone/>
+            </a:pPr>
+            <a:r>
+              <a:rPr lang="en-US" dirty="0"/>
+              <a:t>	Ex:  ['64640', '63650', '64634‘]</a:t>
+            </a:r>
+          </a:p>
+          <a:p>
+            <a:pPr>
+              <a:buFont typeface="Wingdings" panose="05000000000000000000" pitchFamily="2" charset="2"/>
+              <a:buChar char="§"/>
+            </a:pPr>
+            <a:r>
+              <a:rPr lang="en-US" dirty="0"/>
+              <a:t>Demographic Data –Ex: Age, Gender etc..</a:t>
+            </a:r>
+          </a:p>
+          <a:p>
+            <a:pPr>
+              <a:buFont typeface="Wingdings" panose="05000000000000000000" pitchFamily="2" charset="2"/>
+              <a:buChar char="§"/>
+            </a:pPr>
             <a:endParaRPr lang="en-US" dirty="0"/>
           </a:p>
           <a:p>
+            <a:pPr>
+              <a:buFont typeface="Wingdings" panose="05000000000000000000" pitchFamily="2" charset="2"/>
+              <a:buChar char="§"/>
+            </a:pPr>
             <a:r>
               <a:rPr lang="en-US" dirty="0"/>
-              <a:t>Demographic Data –AKA Age, Gender etc..</a:t>
-            </a:r>
-          </a:p>
-          <a:p>
-            <a:pPr marL="0" indent="0">
-              <a:buNone/>
-            </a:pPr>
-            <a:endParaRPr lang="en-US" dirty="0"/>
-          </a:p>
-          <a:p>
-            <a:r>
-              <a:rPr lang="en-US" dirty="0"/>
-              <a:t>Specific procedure Data, AKA  What was the month of the procedure, was there one or two rooms available</a:t>
+              <a:t>Specific procedure Data, Ex:  What was the month of the procedure? Was there one or two rooms available?</a:t>
             </a:r>
           </a:p>
           <a:p>
@@ -4835,9 +7641,31 @@
           <a:chExt cx="0" cy="0"/>
         </a:xfrm>
       </p:grpSpPr>
+      <p:sp>
+        <p:nvSpPr>
+          <p:cNvPr id="2" name="Title 1"/>
+          <p:cNvSpPr>
+            <a:spLocks noGrp="1"/>
+          </p:cNvSpPr>
+          <p:nvPr>
+            <p:ph type="title"/>
+          </p:nvPr>
+        </p:nvSpPr>
+        <p:spPr/>
+        <p:txBody>
+          <a:bodyPr/>
+          <a:lstStyle/>
+          <a:p>
+            <a:r>
+              <a:rPr lang="en-US" dirty="0"/>
+              <a:t>Demographic/Specific data does not seem to be very predictive:</a:t>
+            </a:r>
+          </a:p>
+        </p:txBody>
+      </p:sp>
       <p:pic>
         <p:nvPicPr>
-          <p:cNvPr id="10" name="Content Placeholder 9"/>
+          <p:cNvPr id="4" name="Content Placeholder 3"/>
           <p:cNvPicPr>
             <a:picLocks noGrp="1" noChangeAspect="1"/>
           </p:cNvPicPr>
@@ -4859,15 +7687,15 @@
         </p:blipFill>
         <p:spPr>
           <a:xfrm>
-            <a:off x="206448" y="576775"/>
-            <a:ext cx="11794330" cy="5936567"/>
+            <a:off x="0" y="1997612"/>
+            <a:ext cx="11925880" cy="3995225"/>
           </a:xfrm>
         </p:spPr>
       </p:pic>
     </p:spTree>
     <p:extLst>
       <p:ext uri="{BB962C8B-B14F-4D97-AF65-F5344CB8AC3E}">
-        <p14:creationId xmlns:p14="http://schemas.microsoft.com/office/powerpoint/2010/main" val="1629685798"/>
+        <p14:creationId xmlns:p14="http://schemas.microsoft.com/office/powerpoint/2010/main" val="3028203174"/>
       </p:ext>
     </p:extLst>
   </p:cSld>
@@ -4911,125 +7739,44 @@
           <a:p>
             <a:r>
               <a:rPr lang="en-US" dirty="0"/>
-              <a:t>Average values and Null Accuracy</a:t>
-            </a:r>
-          </a:p>
-        </p:txBody>
-      </p:sp>
-      <p:sp>
-        <p:nvSpPr>
-          <p:cNvPr id="3" name="Content Placeholder 2"/>
-          <p:cNvSpPr>
-            <a:spLocks noGrp="1"/>
-          </p:cNvSpPr>
+              <a:t>…Procedures are better</a:t>
+            </a:r>
+          </a:p>
+        </p:txBody>
+      </p:sp>
+      <p:pic>
+        <p:nvPicPr>
+          <p:cNvPr id="4" name="Content Placeholder 3"/>
+          <p:cNvPicPr>
+            <a:picLocks noGrp="1" noChangeAspect="1"/>
+          </p:cNvPicPr>
           <p:nvPr>
             <p:ph idx="1"/>
           </p:nvPr>
-        </p:nvSpPr>
-        <p:spPr>
-          <a:xfrm>
-            <a:off x="838200" y="1690688"/>
-            <a:ext cx="10515600" cy="4351338"/>
-          </a:xfrm>
-        </p:spPr>
-        <p:txBody>
-          <a:bodyPr>
-            <a:normAutofit lnSpcReduction="10000"/>
-          </a:bodyPr>
-          <a:lstStyle/>
-          <a:p>
-            <a:pPr marL="0" indent="0">
-              <a:buNone/>
-            </a:pPr>
-            <a:r>
-              <a:rPr lang="en-US" dirty="0"/>
-              <a:t>Average Time: 34.18 MIN</a:t>
-            </a:r>
-          </a:p>
-          <a:p>
-            <a:pPr marL="0" indent="0">
-              <a:buNone/>
-            </a:pPr>
-            <a:endParaRPr lang="en-US" dirty="0"/>
-          </a:p>
-          <a:p>
-            <a:pPr marL="0" indent="0">
-              <a:buNone/>
-            </a:pPr>
-            <a:r>
-              <a:rPr lang="en-US" dirty="0"/>
-              <a:t>Null score is using the average value:</a:t>
-            </a:r>
-          </a:p>
-          <a:p>
-            <a:pPr marL="0" indent="0">
-              <a:buNone/>
-            </a:pPr>
-            <a:r>
-              <a:rPr lang="en-US" dirty="0"/>
-              <a:t>RMSE : 17.0352177771</a:t>
-            </a:r>
-          </a:p>
-          <a:p>
-            <a:pPr marL="0" indent="0">
-              <a:buNone/>
-            </a:pPr>
-            <a:r>
-              <a:rPr lang="en-US" dirty="0"/>
-              <a:t>ABS:   11.0595509957</a:t>
-            </a:r>
-          </a:p>
-          <a:p>
-            <a:pPr marL="0" indent="0">
-              <a:buNone/>
-            </a:pPr>
-            <a:endParaRPr lang="en-US" dirty="0"/>
-          </a:p>
-          <a:p>
-            <a:pPr marL="0" indent="0">
-              <a:buNone/>
-            </a:pPr>
-            <a:r>
-              <a:rPr lang="en-US" dirty="0"/>
-              <a:t>Null Score using average lengths of procedures:</a:t>
-            </a:r>
-          </a:p>
-          <a:p>
-            <a:pPr marL="0" indent="0">
-              <a:buNone/>
-            </a:pPr>
-            <a:r>
-              <a:rPr lang="en-US" dirty="0"/>
-              <a:t>RMSE: 10.234851065</a:t>
-            </a:r>
-          </a:p>
-          <a:p>
-            <a:pPr marL="0" indent="0">
-              <a:buNone/>
-            </a:pPr>
-            <a:r>
-              <a:rPr lang="en-US" dirty="0"/>
-              <a:t>ABS: 6.62104695097 </a:t>
-            </a:r>
-          </a:p>
-          <a:p>
-            <a:pPr marL="0" indent="0">
-              <a:buNone/>
-            </a:pPr>
-            <a:endParaRPr lang="en-US" dirty="0"/>
-          </a:p>
-          <a:p>
-            <a:pPr marL="0" indent="0">
-              <a:buNone/>
-            </a:pPr>
-            <a:endParaRPr lang="en-US" dirty="0"/>
-          </a:p>
-        </p:txBody>
-      </p:sp>
+        </p:nvPicPr>
+        <p:blipFill>
+          <a:blip r:embed="rId2">
+            <a:extLst>
+              <a:ext uri="{28A0092B-C50C-407E-A947-70E740481C1C}">
+                <a14:useLocalDpi xmlns:a14="http://schemas.microsoft.com/office/drawing/2010/main" val="0"/>
+              </a:ext>
+            </a:extLst>
+          </a:blip>
+          <a:stretch>
+            <a:fillRect/>
+          </a:stretch>
+        </p:blipFill>
+        <p:spPr>
+          <a:xfrm>
+            <a:off x="0" y="2053883"/>
+            <a:ext cx="12202367" cy="3502855"/>
+          </a:xfrm>
+        </p:spPr>
+      </p:pic>
     </p:spTree>
     <p:extLst>
       <p:ext uri="{BB962C8B-B14F-4D97-AF65-F5344CB8AC3E}">
-        <p14:creationId xmlns:p14="http://schemas.microsoft.com/office/powerpoint/2010/main" val="522856598"/>
+        <p14:creationId xmlns:p14="http://schemas.microsoft.com/office/powerpoint/2010/main" val="3264130753"/>
       </p:ext>
     </p:extLst>
   </p:cSld>
@@ -5040,9 +7787,9 @@
 </file>
 
 <file path=ppt/theme/theme1.xml><?xml version="1.0" encoding="utf-8"?>
-<a:theme xmlns:a="http://schemas.openxmlformats.org/drawingml/2006/main" name="Office Theme">
+<a:theme xmlns:a="http://schemas.openxmlformats.org/drawingml/2006/main" name="Retrospect">
   <a:themeElements>
-    <a:clrScheme name="Office">
+    <a:clrScheme name="Retrospect">
       <a:dk1>
         <a:sysClr val="windowText" lastClr="000000"/>
       </a:dk1>
@@ -5050,44 +7797,44 @@
         <a:sysClr val="window" lastClr="FFFFFF"/>
       </a:lt1>
       <a:dk2>
-        <a:srgbClr val="44546A"/>
+        <a:srgbClr val="696464"/>
       </a:dk2>
       <a:lt2>
-        <a:srgbClr val="E7E6E6"/>
+        <a:srgbClr val="E9E5DC"/>
       </a:lt2>
       <a:accent1>
-        <a:srgbClr val="5B9BD5"/>
+        <a:srgbClr val="D34817"/>
       </a:accent1>
       <a:accent2>
-        <a:srgbClr val="ED7D31"/>
+        <a:srgbClr val="9B2D1F"/>
       </a:accent2>
       <a:accent3>
-        <a:srgbClr val="A5A5A5"/>
+        <a:srgbClr val="A28E6A"/>
       </a:accent3>
       <a:accent4>
-        <a:srgbClr val="FFC000"/>
+        <a:srgbClr val="956251"/>
       </a:accent4>
       <a:accent5>
-        <a:srgbClr val="4472C4"/>
+        <a:srgbClr val="918485"/>
       </a:accent5>
       <a:accent6>
-        <a:srgbClr val="70AD47"/>
+        <a:srgbClr val="855D5D"/>
       </a:accent6>
       <a:hlink>
-        <a:srgbClr val="0563C1"/>
+        <a:srgbClr val="CC9900"/>
       </a:hlink>
       <a:folHlink>
-        <a:srgbClr val="954F72"/>
+        <a:srgbClr val="96A9A9"/>
       </a:folHlink>
     </a:clrScheme>
-    <a:fontScheme name="Office">
+    <a:fontScheme name="Retrospect">
       <a:majorFont>
         <a:latin typeface="Calibri Light" panose="020F0302020204030204"/>
         <a:ea typeface=""/>
         <a:cs typeface=""/>
-        <a:font script="Jpan" typeface="游ゴシック Light"/>
+        <a:font script="Jpan" typeface="ＭＳ Ｐゴシック"/>
         <a:font script="Hang" typeface="맑은 고딕"/>
-        <a:font script="Hans" typeface="等线 Light"/>
+        <a:font script="Hans" typeface="宋体"/>
         <a:font script="Hant" typeface="新細明體"/>
         <a:font script="Arab" typeface="Times New Roman"/>
         <a:font script="Hebr" typeface="Times New Roman"/>
@@ -5115,31 +7862,14 @@
         <a:font script="Viet" typeface="Times New Roman"/>
         <a:font script="Uigh" typeface="Microsoft Uighur"/>
         <a:font script="Geor" typeface="Sylfaen"/>
-        <a:font script="Armn" typeface="Arial"/>
-        <a:font script="Bugi" typeface="Leelawadee UI"/>
-        <a:font script="Bopo" typeface="Microsoft JhengHei"/>
-        <a:font script="Java" typeface="Javanese Text"/>
-        <a:font script="Lisu" typeface="Segoe UI"/>
-        <a:font script="Mymr" typeface="Myanmar Text"/>
-        <a:font script="Nkoo" typeface="Ebrima"/>
-        <a:font script="Olck" typeface="Nirmala UI"/>
-        <a:font script="Osma" typeface="Ebrima"/>
-        <a:font script="Phag" typeface="Phagspa"/>
-        <a:font script="Syrn" typeface="Estrangelo Edessa"/>
-        <a:font script="Syrj" typeface="Estrangelo Edessa"/>
-        <a:font script="Syre" typeface="Estrangelo Edessa"/>
-        <a:font script="Sora" typeface="Nirmala UI"/>
-        <a:font script="Tale" typeface="Microsoft Tai Le"/>
-        <a:font script="Talu" typeface="Microsoft New Tai Lue"/>
-        <a:font script="Tfng" typeface="Ebrima"/>
       </a:majorFont>
       <a:minorFont>
         <a:latin typeface="Calibri" panose="020F0502020204030204"/>
         <a:ea typeface=""/>
         <a:cs typeface=""/>
-        <a:font script="Jpan" typeface="游ゴシック"/>
+        <a:font script="Jpan" typeface="ＭＳ Ｐゴシック"/>
         <a:font script="Hang" typeface="맑은 고딕"/>
-        <a:font script="Hans" typeface="等线"/>
+        <a:font script="Hans" typeface="宋体"/>
         <a:font script="Hant" typeface="新細明體"/>
         <a:font script="Arab" typeface="Arial"/>
         <a:font script="Hebr" typeface="Arial"/>
@@ -5167,26 +7897,9 @@
         <a:font script="Viet" typeface="Arial"/>
         <a:font script="Uigh" typeface="Microsoft Uighur"/>
         <a:font script="Geor" typeface="Sylfaen"/>
-        <a:font script="Armn" typeface="Arial"/>
-        <a:font script="Bugi" typeface="Leelawadee UI"/>
-        <a:font script="Bopo" typeface="Microsoft JhengHei"/>
-        <a:font script="Java" typeface="Javanese Text"/>
-        <a:font script="Lisu" typeface="Segoe UI"/>
-        <a:font script="Mymr" typeface="Myanmar Text"/>
-        <a:font script="Nkoo" typeface="Ebrima"/>
-        <a:font script="Olck" typeface="Nirmala UI"/>
-        <a:font script="Osma" typeface="Ebrima"/>
-        <a:font script="Phag" typeface="Phagspa"/>
-        <a:font script="Syrn" typeface="Estrangelo Edessa"/>
-        <a:font script="Syrj" typeface="Estrangelo Edessa"/>
-        <a:font script="Syre" typeface="Estrangelo Edessa"/>
-        <a:font script="Sora" typeface="Nirmala UI"/>
-        <a:font script="Tale" typeface="Microsoft Tai Le"/>
-        <a:font script="Talu" typeface="Microsoft New Tai Lue"/>
-        <a:font script="Tfng" typeface="Ebrima"/>
       </a:minorFont>
     </a:fontScheme>
-    <a:fmtScheme name="Office">
+    <a:fmtScheme name="Retrospect">
       <a:fillStyleLst>
         <a:solidFill>
           <a:schemeClr val="phClr"/>
@@ -5195,76 +7908,81 @@
           <a:gsLst>
             <a:gs pos="0">
               <a:schemeClr val="phClr">
-                <a:lumMod val="110000"/>
-                <a:satMod val="105000"/>
-                <a:tint val="67000"/>
+                <a:tint val="65000"/>
+                <a:shade val="92000"/>
+                <a:satMod val="130000"/>
               </a:schemeClr>
             </a:gs>
-            <a:gs pos="50000">
+            <a:gs pos="45000">
               <a:schemeClr val="phClr">
-                <a:lumMod val="105000"/>
-                <a:satMod val="103000"/>
-                <a:tint val="73000"/>
+                <a:tint val="60000"/>
+                <a:shade val="99000"/>
+                <a:satMod val="120000"/>
               </a:schemeClr>
             </a:gs>
             <a:gs pos="100000">
               <a:schemeClr val="phClr">
-                <a:lumMod val="105000"/>
-                <a:satMod val="109000"/>
-                <a:tint val="81000"/>
+                <a:tint val="55000"/>
+                <a:satMod val="140000"/>
               </a:schemeClr>
             </a:gs>
           </a:gsLst>
-          <a:lin ang="5400000" scaled="0"/>
+          <a:path path="circle">
+            <a:fillToRect l="100000" t="100000" r="100000" b="100000"/>
+          </a:path>
         </a:gradFill>
         <a:gradFill rotWithShape="1">
           <a:gsLst>
             <a:gs pos="0">
               <a:schemeClr val="phClr">
-                <a:satMod val="103000"/>
-                <a:lumMod val="102000"/>
-                <a:tint val="94000"/>
+                <a:shade val="85000"/>
+                <a:satMod val="130000"/>
               </a:schemeClr>
             </a:gs>
-            <a:gs pos="50000">
+            <a:gs pos="34000">
               <a:schemeClr val="phClr">
-                <a:satMod val="110000"/>
-                <a:lumMod val="100000"/>
-                <a:shade val="100000"/>
+                <a:shade val="87000"/>
+                <a:satMod val="125000"/>
+              </a:schemeClr>
+            </a:gs>
+            <a:gs pos="70000">
+              <a:schemeClr val="phClr">
+                <a:tint val="100000"/>
+                <a:shade val="90000"/>
+                <a:satMod val="130000"/>
               </a:schemeClr>
             </a:gs>
             <a:gs pos="100000">
               <a:schemeClr val="phClr">
-                <a:lumMod val="99000"/>
-                <a:satMod val="120000"/>
-                <a:shade val="78000"/>
+                <a:tint val="100000"/>
+                <a:shade val="100000"/>
+                <a:satMod val="110000"/>
               </a:schemeClr>
             </a:gs>
           </a:gsLst>
-          <a:lin ang="5400000" scaled="0"/>
+          <a:path path="circle">
+            <a:fillToRect l="100000" t="100000" r="100000" b="100000"/>
+          </a:path>
         </a:gradFill>
       </a:fillStyleLst>
       <a:lnStyleLst>
-        <a:ln w="6350" cap="flat" cmpd="sng" algn="ctr">
-          <a:solidFill>
-            <a:schemeClr val="phClr"/>
-          </a:solidFill>
-          <a:prstDash val="solid"/>
-          <a:miter lim="800000"/>
-        </a:ln>
         <a:ln w="12700" cap="flat" cmpd="sng" algn="ctr">
           <a:solidFill>
             <a:schemeClr val="phClr"/>
           </a:solidFill>
           <a:prstDash val="solid"/>
-          <a:miter lim="800000"/>
         </a:ln>
-        <a:ln w="19050" cap="flat" cmpd="sng" algn="ctr">
+        <a:ln w="15875" cap="flat" cmpd="sng" algn="ctr">
           <a:solidFill>
             <a:schemeClr val="phClr"/>
           </a:solidFill>
           <a:prstDash val="solid"/>
-          <a:miter lim="800000"/>
+        </a:ln>
+        <a:ln w="25400" cap="flat" cmpd="sng" algn="ctr">
+          <a:solidFill>
+            <a:schemeClr val="phClr"/>
+          </a:solidFill>
+          <a:prstDash val="solid"/>
         </a:ln>
       </a:lnStyleLst>
       <a:effectStyleLst>
@@ -5272,16 +7990,33 @@
           <a:effectLst/>
         </a:effectStyle>
         <a:effectStyle>
-          <a:effectLst/>
+          <a:effectLst>
+            <a:outerShdw blurRad="38100" dist="25400" dir="2700000" algn="br" rotWithShape="0">
+              <a:srgbClr val="000000">
+                <a:alpha val="60000"/>
+              </a:srgbClr>
+            </a:outerShdw>
+          </a:effectLst>
         </a:effectStyle>
         <a:effectStyle>
           <a:effectLst>
-            <a:outerShdw blurRad="57150" dist="19050" dir="5400000" algn="ctr" rotWithShape="0">
+            <a:outerShdw blurRad="44450" dist="25400" dir="2700000" algn="br" rotWithShape="0">
               <a:srgbClr val="000000">
-                <a:alpha val="63000"/>
+                <a:alpha val="60000"/>
               </a:srgbClr>
             </a:outerShdw>
           </a:effectLst>
+          <a:scene3d>
+            <a:camera prst="orthographicFront">
+              <a:rot lat="0" lon="0" rev="0"/>
+            </a:camera>
+            <a:lightRig rig="threePt" dir="t">
+              <a:rot lat="0" lon="0" rev="19800000"/>
+            </a:lightRig>
+          </a:scene3d>
+          <a:sp3d prstMaterial="flat">
+            <a:bevelT w="25400" h="31750"/>
+          </a:sp3d>
         </a:effectStyle>
       </a:effectStyleLst>
       <a:bgFillStyleLst>
@@ -5290,36 +8025,36 @@
         </a:solidFill>
         <a:solidFill>
           <a:schemeClr val="phClr">
-            <a:tint val="95000"/>
-            <a:satMod val="170000"/>
+            <a:tint val="90000"/>
+            <a:shade val="97000"/>
+            <a:satMod val="130000"/>
           </a:schemeClr>
         </a:solidFill>
         <a:gradFill rotWithShape="1">
           <a:gsLst>
             <a:gs pos="0">
               <a:schemeClr val="phClr">
-                <a:tint val="93000"/>
-                <a:satMod val="150000"/>
-                <a:shade val="98000"/>
-                <a:lumMod val="102000"/>
+                <a:tint val="96000"/>
+                <a:shade val="99000"/>
+                <a:satMod val="140000"/>
               </a:schemeClr>
             </a:gs>
-            <a:gs pos="50000">
+            <a:gs pos="65000">
               <a:schemeClr val="phClr">
-                <a:tint val="98000"/>
+                <a:tint val="100000"/>
+                <a:shade val="80000"/>
                 <a:satMod val="130000"/>
-                <a:shade val="90000"/>
-                <a:lumMod val="103000"/>
               </a:schemeClr>
             </a:gs>
             <a:gs pos="100000">
               <a:schemeClr val="phClr">
-                <a:shade val="63000"/>
+                <a:tint val="100000"/>
+                <a:shade val="48000"/>
                 <a:satMod val="120000"/>
               </a:schemeClr>
             </a:gs>
           </a:gsLst>
-          <a:lin ang="5400000" scaled="0"/>
+          <a:lin ang="16200000" scaled="0"/>
         </a:gradFill>
       </a:bgFillStyleLst>
     </a:fmtScheme>
@@ -5328,7 +8063,7 @@
   <a:extraClrSchemeLst/>
   <a:extLst>
     <a:ext uri="{05A4C25C-085E-4340-85A3-A5531E510DB2}">
-      <thm15:themeFamily xmlns:thm15="http://schemas.microsoft.com/office/thememl/2012/main" name="Office Theme" id="{62F939B6-93AF-4DB8-9C6B-D6C7DFDC589F}" vid="{4A3C46E8-61CC-4603-A589-7422A47A8E4A}"/>
+      <thm15:themeFamily xmlns:thm15="http://schemas.microsoft.com/office/thememl/2012/main" name="Retrospect" id="{5F128B03-DCCA-4EEB-AB3B-CF2899314A46}" vid="{02006FA4-1611-4B07-AF7F-85CF6D20EB3E}"/>
     </a:ext>
   </a:extLst>
 </a:theme>

--- a/JVK-HOS Project/PREDICTING _PROCEDURE _TIMES.pptx
+++ b/JVK-HOS Project/PREDICTING _PROCEDURE _TIMES.pptx
@@ -361,7 +361,7 @@
           <a:p>
             <a:fld id="{8E782B7B-5ADA-4838-B531-EF3ABBE6980E}" type="datetimeFigureOut">
               <a:rPr lang="en-US" smtClean="0"/>
-              <a:t>12/13/2016</a:t>
+              <a:t>12/19/2016</a:t>
             </a:fld>
             <a:endParaRPr lang="en-US"/>
           </a:p>
@@ -569,7 +569,7 @@
           <a:p>
             <a:fld id="{8E782B7B-5ADA-4838-B531-EF3ABBE6980E}" type="datetimeFigureOut">
               <a:rPr lang="en-US" smtClean="0"/>
-              <a:t>12/13/2016</a:t>
+              <a:t>12/19/2016</a:t>
             </a:fld>
             <a:endParaRPr lang="en-US"/>
           </a:p>
@@ -825,7 +825,7 @@
           <a:p>
             <a:fld id="{8E782B7B-5ADA-4838-B531-EF3ABBE6980E}" type="datetimeFigureOut">
               <a:rPr lang="en-US" smtClean="0"/>
-              <a:t>12/13/2016</a:t>
+              <a:t>12/19/2016</a:t>
             </a:fld>
             <a:endParaRPr lang="en-US"/>
           </a:p>
@@ -995,7 +995,7 @@
           <a:p>
             <a:fld id="{8E782B7B-5ADA-4838-B531-EF3ABBE6980E}" type="datetimeFigureOut">
               <a:rPr lang="en-US" smtClean="0"/>
-              <a:t>12/13/2016</a:t>
+              <a:t>12/19/2016</a:t>
             </a:fld>
             <a:endParaRPr lang="en-US"/>
           </a:p>
@@ -1338,7 +1338,7 @@
           <a:p>
             <a:fld id="{8E782B7B-5ADA-4838-B531-EF3ABBE6980E}" type="datetimeFigureOut">
               <a:rPr lang="en-US" smtClean="0"/>
-              <a:t>12/13/2016</a:t>
+              <a:t>12/19/2016</a:t>
             </a:fld>
             <a:endParaRPr lang="en-US"/>
           </a:p>
@@ -1613,7 +1613,7 @@
           <a:p>
             <a:fld id="{8E782B7B-5ADA-4838-B531-EF3ABBE6980E}" type="datetimeFigureOut">
               <a:rPr lang="en-US" smtClean="0"/>
-              <a:t>12/13/2016</a:t>
+              <a:t>12/19/2016</a:t>
             </a:fld>
             <a:endParaRPr lang="en-US"/>
           </a:p>
@@ -1992,7 +1992,7 @@
           <a:p>
             <a:fld id="{8E782B7B-5ADA-4838-B531-EF3ABBE6980E}" type="datetimeFigureOut">
               <a:rPr lang="en-US" smtClean="0"/>
-              <a:t>12/13/2016</a:t>
+              <a:t>12/19/2016</a:t>
             </a:fld>
             <a:endParaRPr lang="en-US"/>
           </a:p>
@@ -2110,7 +2110,7 @@
           <a:p>
             <a:fld id="{8E782B7B-5ADA-4838-B531-EF3ABBE6980E}" type="datetimeFigureOut">
               <a:rPr lang="en-US" smtClean="0"/>
-              <a:t>12/13/2016</a:t>
+              <a:t>12/19/2016</a:t>
             </a:fld>
             <a:endParaRPr lang="en-US"/>
           </a:p>
@@ -2281,7 +2281,7 @@
           <a:p>
             <a:fld id="{8E782B7B-5ADA-4838-B531-EF3ABBE6980E}" type="datetimeFigureOut">
               <a:rPr lang="en-US" smtClean="0"/>
-              <a:t>12/13/2016</a:t>
+              <a:t>12/19/2016</a:t>
             </a:fld>
             <a:endParaRPr lang="en-US"/>
           </a:p>
@@ -2635,7 +2635,7 @@
           <a:p>
             <a:fld id="{8E782B7B-5ADA-4838-B531-EF3ABBE6980E}" type="datetimeFigureOut">
               <a:rPr lang="en-US" smtClean="0"/>
-              <a:t>12/13/2016</a:t>
+              <a:t>12/19/2016</a:t>
             </a:fld>
             <a:endParaRPr lang="en-US"/>
           </a:p>
@@ -3012,7 +3012,7 @@
           <a:p>
             <a:fld id="{8E782B7B-5ADA-4838-B531-EF3ABBE6980E}" type="datetimeFigureOut">
               <a:rPr lang="en-US" smtClean="0"/>
-              <a:t>12/13/2016</a:t>
+              <a:t>12/19/2016</a:t>
             </a:fld>
             <a:endParaRPr lang="en-US"/>
           </a:p>
@@ -3299,7 +3299,7 @@
           <a:p>
             <a:fld id="{8E782B7B-5ADA-4838-B531-EF3ABBE6980E}" type="datetimeFigureOut">
               <a:rPr lang="en-US" smtClean="0"/>
-              <a:t>12/13/2016</a:t>
+              <a:t>12/19/2016</a:t>
             </a:fld>
             <a:endParaRPr lang="en-US"/>
           </a:p>
@@ -5728,7 +5728,15 @@
             </a:pPr>
             <a:r>
               <a:rPr lang="en-US" dirty="0"/>
-              <a:t>	Ex: 8.9 vs 12,0208 - Over 10,000x my first result!!!</a:t>
+              <a:t>	Ex: 8.9 </a:t>
+            </a:r>
+            <a:r>
+              <a:rPr lang="en-US"/>
+              <a:t>vs 120,208 </a:t>
+            </a:r>
+            <a:r>
+              <a:rPr lang="en-US" dirty="0"/>
+              <a:t>- Over 10,000x my first result!!!</a:t>
             </a:r>
           </a:p>
           <a:p>
